--- a/18-env-model/lec.pptx
+++ b/18-env-model/lec.pptx
@@ -5,7 +5,7 @@
     <p:sldMasterId id="2147483648" r:id="rId1"/>
   </p:sldMasterIdLst>
   <p:notesMasterIdLst>
-    <p:notesMasterId r:id="rId37"/>
+    <p:notesMasterId r:id="rId40"/>
   </p:notesMasterIdLst>
   <p:sldIdLst>
     <p:sldId id="441" r:id="rId2"/>
@@ -25,24 +25,27 @@
     <p:sldId id="552" r:id="rId16"/>
     <p:sldId id="553" r:id="rId17"/>
     <p:sldId id="490" r:id="rId18"/>
-    <p:sldId id="492" r:id="rId19"/>
-    <p:sldId id="511" r:id="rId20"/>
-    <p:sldId id="452" r:id="rId21"/>
-    <p:sldId id="456" r:id="rId22"/>
-    <p:sldId id="554" r:id="rId23"/>
-    <p:sldId id="459" r:id="rId24"/>
-    <p:sldId id="460" r:id="rId25"/>
-    <p:sldId id="461" r:id="rId26"/>
-    <p:sldId id="462" r:id="rId27"/>
-    <p:sldId id="463" r:id="rId28"/>
-    <p:sldId id="464" r:id="rId29"/>
-    <p:sldId id="466" r:id="rId30"/>
-    <p:sldId id="512" r:id="rId31"/>
-    <p:sldId id="555" r:id="rId32"/>
-    <p:sldId id="476" r:id="rId33"/>
-    <p:sldId id="477" r:id="rId34"/>
-    <p:sldId id="513" r:id="rId35"/>
-    <p:sldId id="495" r:id="rId36"/>
+    <p:sldId id="559" r:id="rId19"/>
+    <p:sldId id="492" r:id="rId20"/>
+    <p:sldId id="511" r:id="rId21"/>
+    <p:sldId id="556" r:id="rId22"/>
+    <p:sldId id="557" r:id="rId23"/>
+    <p:sldId id="452" r:id="rId24"/>
+    <p:sldId id="456" r:id="rId25"/>
+    <p:sldId id="554" r:id="rId26"/>
+    <p:sldId id="459" r:id="rId27"/>
+    <p:sldId id="460" r:id="rId28"/>
+    <p:sldId id="461" r:id="rId29"/>
+    <p:sldId id="462" r:id="rId30"/>
+    <p:sldId id="463" r:id="rId31"/>
+    <p:sldId id="464" r:id="rId32"/>
+    <p:sldId id="466" r:id="rId33"/>
+    <p:sldId id="512" r:id="rId34"/>
+    <p:sldId id="555" r:id="rId35"/>
+    <p:sldId id="477" r:id="rId36"/>
+    <p:sldId id="476" r:id="rId37"/>
+    <p:sldId id="513" r:id="rId38"/>
+    <p:sldId id="495" r:id="rId39"/>
   </p:sldIdLst>
   <p:sldSz cx="9144000" cy="6858000" type="screen4x3"/>
   <p:notesSz cx="6858000" cy="9144000"/>
@@ -886,122 +889,6 @@
           <a:bodyPr/>
           <a:lstStyle/>
           <a:p>
-            <a:pPr marL="0" indent="0">
-              <a:buNone/>
-            </a:pPr>
-            <a:r>
-              <a:rPr lang="en-US" dirty="0"/>
-              <a:t>Example: 	</a:t>
-            </a:r>
-            <a:r>
-              <a:rPr lang="en-US" b="1" dirty="0">
-                <a:latin typeface="Courier New"/>
-                <a:cs typeface="Courier New"/>
-              </a:rPr>
-              <a:t>⟨{},let x = 42 in x⟩ </a:t>
-            </a:r>
-            <a:r>
-              <a:rPr lang="en-US" b="1" dirty="0">
-                <a:solidFill>
-                  <a:srgbClr val="1F497D"/>
-                </a:solidFill>
-                <a:latin typeface="Courier New"/>
-                <a:cs typeface="Courier New"/>
-              </a:rPr>
-              <a:t>⟹</a:t>
-            </a:r>
-            <a:r>
-              <a:rPr lang="en-US" b="1" dirty="0">
-                <a:latin typeface="Courier New"/>
-                <a:cs typeface="Courier New"/>
-              </a:rPr>
-              <a:t> 42</a:t>
-            </a:r>
-          </a:p>
-          <a:p>
-            <a:pPr marL="0" indent="0">
-              <a:buNone/>
-            </a:pPr>
-            <a:r>
-              <a:rPr lang="en-US" dirty="0"/>
-              <a:t>Because...</a:t>
-            </a:r>
-          </a:p>
-          <a:p>
-            <a:r>
-              <a:rPr lang="en-US" b="1" dirty="0">
-                <a:latin typeface="Courier"/>
-                <a:cs typeface="Courier"/>
-              </a:rPr>
-              <a:t>⟨{}, 42⟩ </a:t>
-            </a:r>
-            <a:r>
-              <a:rPr lang="en-US" b="1" dirty="0">
-                <a:solidFill>
-                  <a:srgbClr val="1F497D"/>
-                </a:solidFill>
-                <a:latin typeface="Courier New"/>
-                <a:cs typeface="Courier New"/>
-              </a:rPr>
-              <a:t>⟹</a:t>
-            </a:r>
-            <a:r>
-              <a:rPr lang="en-US" b="1" dirty="0">
-                <a:latin typeface="Courier"/>
-                <a:cs typeface="Courier"/>
-              </a:rPr>
-              <a:t> 42</a:t>
-            </a:r>
-          </a:p>
-          <a:p>
-            <a:r>
-              <a:rPr lang="en-US" dirty="0"/>
-              <a:t>and </a:t>
-            </a:r>
-            <a:r>
-              <a:rPr lang="en-US" b="1" dirty="0">
-                <a:latin typeface="Courier"/>
-                <a:cs typeface="Courier"/>
-              </a:rPr>
-              <a:t>⟨{}[x ↦ 42], x⟩ </a:t>
-            </a:r>
-            <a:r>
-              <a:rPr lang="en-US" b="1" dirty="0">
-                <a:solidFill>
-                  <a:srgbClr val="1F497D"/>
-                </a:solidFill>
-                <a:latin typeface="Courier New"/>
-                <a:cs typeface="Courier New"/>
-              </a:rPr>
-              <a:t>⟹</a:t>
-            </a:r>
-            <a:r>
-              <a:rPr lang="en-US" b="1" dirty="0">
-                <a:latin typeface="Courier"/>
-                <a:cs typeface="Courier"/>
-              </a:rPr>
-              <a:t> 42</a:t>
-            </a:r>
-            <a:r>
-              <a:rPr lang="en-US" dirty="0"/>
-              <a:t>  </a:t>
-            </a:r>
-          </a:p>
-          <a:p>
-            <a:pPr lvl="1"/>
-            <a:r>
-              <a:rPr lang="en-US" dirty="0"/>
-              <a:t>Because </a:t>
-            </a:r>
-            <a:r>
-              <a:rPr lang="en-US" b="1" dirty="0">
-                <a:latin typeface="Courier"/>
-                <a:cs typeface="Courier"/>
-              </a:rPr>
-              <a:t>{x:42}(x)=42</a:t>
-            </a:r>
-          </a:p>
-          <a:p>
             <a:endParaRPr lang="en-US" dirty="0"/>
           </a:p>
         </p:txBody>
@@ -1023,16 +910,17 @@
           <a:p>
             <a:fld id="{B7975FD5-AB21-4C45-BFE8-1D3F02B463E2}" type="slidenum">
               <a:rPr lang="en-US" smtClean="0"/>
+              <a:pPr/>
               <a:t>18</a:t>
             </a:fld>
-            <a:endParaRPr lang="en-US"/>
+            <a:endParaRPr lang="en-US" dirty="0"/>
           </a:p>
         </p:txBody>
       </p:sp>
     </p:spTree>
     <p:extLst>
       <p:ext uri="{BB962C8B-B14F-4D97-AF65-F5344CB8AC3E}">
-        <p14:creationId xmlns:p14="http://schemas.microsoft.com/office/powerpoint/2010/main" val="298678461"/>
+        <p14:creationId xmlns:p14="http://schemas.microsoft.com/office/powerpoint/2010/main" val="1776376372"/>
       </p:ext>
     </p:extLst>
   </p:cSld>
@@ -1086,214 +974,120 @@
           <a:bodyPr/>
           <a:lstStyle/>
           <a:p>
-            <a:pPr marL="0" marR="0" lvl="0" indent="0" algn="l" defTabSz="457200" rtl="0" eaLnBrk="1" fontAlgn="auto" latinLnBrk="0" hangingPunct="1">
-              <a:lnSpc>
-                <a:spcPct val="100000"/>
-              </a:lnSpc>
-              <a:spcBef>
-                <a:spcPts val="0"/>
-              </a:spcBef>
-              <a:spcAft>
-                <a:spcPts val="0"/>
-              </a:spcAft>
-              <a:buClrTx/>
-              <a:buSzTx/>
-              <a:buFontTx/>
-              <a:buNone/>
-              <a:tabLst/>
-              <a:defRPr/>
+            <a:pPr marL="0" indent="0">
+              <a:buNone/>
             </a:pPr>
             <a:r>
               <a:rPr lang="en-US" dirty="0"/>
-              <a:t>If variable not in dictionary, then we can't evaluate using this rule.  Implement with an error in interpreter.</a:t>
-            </a:r>
-          </a:p>
-          <a:p>
-            <a:pPr marL="0" marR="0" lvl="0" indent="0" algn="l" defTabSz="457200" rtl="0" eaLnBrk="1" fontAlgn="auto" latinLnBrk="0" hangingPunct="1">
-              <a:lnSpc>
-                <a:spcPct val="100000"/>
-              </a:lnSpc>
-              <a:spcBef>
-                <a:spcPts val="0"/>
-              </a:spcBef>
-              <a:spcAft>
-                <a:spcPts val="0"/>
-              </a:spcAft>
-              <a:buClrTx/>
-              <a:buSzTx/>
-              <a:buFontTx/>
-              <a:buNone/>
-              <a:tabLst/>
-              <a:defRPr/>
+              <a:t>Example: 	</a:t>
+            </a:r>
+            <a:r>
+              <a:rPr lang="en-US" b="1" dirty="0">
+                <a:latin typeface="Courier New"/>
+                <a:cs typeface="Courier New"/>
+              </a:rPr>
+              <a:t>⟨{},let x = 42 in x⟩ </a:t>
+            </a:r>
+            <a:r>
+              <a:rPr lang="en-US" b="1" dirty="0">
+                <a:solidFill>
+                  <a:srgbClr val="1F497D"/>
+                </a:solidFill>
+                <a:latin typeface="Courier New"/>
+                <a:cs typeface="Courier New"/>
+              </a:rPr>
+              <a:t>⟹</a:t>
+            </a:r>
+            <a:r>
+              <a:rPr lang="en-US" b="1" dirty="0">
+                <a:latin typeface="Courier New"/>
+                <a:cs typeface="Courier New"/>
+              </a:rPr>
+              <a:t> 42</a:t>
+            </a:r>
+          </a:p>
+          <a:p>
+            <a:pPr marL="0" indent="0">
+              <a:buNone/>
             </a:pPr>
             <a:r>
               <a:rPr lang="en-US" dirty="0"/>
-              <a:t>Type checking </a:t>
-            </a:r>
-            <a:r>
-              <a:rPr lang="en-US" dirty="0">
-                <a:solidFill>
-                  <a:srgbClr val="F79646"/>
-                </a:solidFill>
-              </a:rPr>
-              <a:t>guarantees that variable is bound</a:t>
-            </a:r>
+              <a:t>Because...</a:t>
+            </a:r>
+          </a:p>
+          <a:p>
+            <a:r>
+              <a:rPr lang="en-US" b="1" dirty="0">
+                <a:latin typeface="Courier"/>
+                <a:cs typeface="Courier"/>
+              </a:rPr>
+              <a:t>⟨{}, 42⟩ </a:t>
+            </a:r>
+            <a:r>
+              <a:rPr lang="en-US" b="1" dirty="0">
+                <a:solidFill>
+                  <a:srgbClr val="1F497D"/>
+                </a:solidFill>
+                <a:latin typeface="Courier New"/>
+                <a:cs typeface="Courier New"/>
+              </a:rPr>
+              <a:t>⟹</a:t>
+            </a:r>
+            <a:r>
+              <a:rPr lang="en-US" b="1" dirty="0">
+                <a:latin typeface="Courier"/>
+                <a:cs typeface="Courier"/>
+              </a:rPr>
+              <a:t> 42</a:t>
+            </a:r>
+          </a:p>
+          <a:p>
             <a:r>
               <a:rPr lang="en-US" dirty="0"/>
-              <a:t>, so we can’t ever fail to find a binding in dynamic environment</a:t>
-            </a:r>
-          </a:p>
-          <a:p>
-            <a:endParaRPr lang="en-US" dirty="0"/>
-          </a:p>
-          <a:p>
+              <a:t>and </a:t>
+            </a:r>
+            <a:r>
+              <a:rPr lang="en-US" b="1" dirty="0">
+                <a:latin typeface="Courier"/>
+                <a:cs typeface="Courier"/>
+              </a:rPr>
+              <a:t>⟨{}[x ↦ 42], x⟩ </a:t>
+            </a:r>
+            <a:r>
+              <a:rPr lang="en-US" b="1" dirty="0">
+                <a:solidFill>
+                  <a:srgbClr val="1F497D"/>
+                </a:solidFill>
+                <a:latin typeface="Courier New"/>
+                <a:cs typeface="Courier New"/>
+              </a:rPr>
+              <a:t>⟹</a:t>
+            </a:r>
+            <a:r>
+              <a:rPr lang="en-US" b="1" dirty="0">
+                <a:latin typeface="Courier"/>
+                <a:cs typeface="Courier"/>
+              </a:rPr>
+              <a:t> 42</a:t>
+            </a:r>
             <a:r>
               <a:rPr lang="en-US" dirty="0"/>
-              <a:t>Notation:  let's use abstract dictionary notation we used earlier (same as Python)</a:t>
-            </a:r>
-          </a:p>
-          <a:p>
-            <a:pPr marL="0" marR="0" lvl="0" indent="0" algn="l" defTabSz="457200" rtl="0" eaLnBrk="1" fontAlgn="auto" latinLnBrk="0" hangingPunct="1">
-              <a:lnSpc>
-                <a:spcPct val="100000"/>
-              </a:lnSpc>
-              <a:spcBef>
-                <a:spcPts val="0"/>
-              </a:spcBef>
-              <a:spcAft>
-                <a:spcPts val="0"/>
-              </a:spcAft>
-              <a:buClrTx/>
-              <a:buSzTx/>
-              <a:buFontTx/>
-              <a:buNone/>
-              <a:tabLst/>
-              <a:defRPr/>
-            </a:pPr>
-            <a:r>
-              <a:rPr lang="en-US" sz="1200" dirty="0"/>
-              <a:t>let </a:t>
-            </a:r>
-            <a:r>
-              <a:rPr lang="en-US" sz="1200" b="1" dirty="0">
-                <a:latin typeface="Courier New"/>
-                <a:cs typeface="Courier New"/>
-              </a:rPr>
-              <a:t>{}</a:t>
-            </a:r>
-            <a:r>
-              <a:rPr lang="en-US" sz="1200" dirty="0"/>
-              <a:t> be the empty environment</a:t>
-            </a:r>
-          </a:p>
-          <a:p>
-            <a:pPr marL="0" marR="0" lvl="0" indent="0" algn="l" defTabSz="457200" rtl="0" eaLnBrk="1" fontAlgn="auto" latinLnBrk="0" hangingPunct="1">
-              <a:lnSpc>
-                <a:spcPct val="100000"/>
-              </a:lnSpc>
-              <a:spcBef>
-                <a:spcPts val="0"/>
-              </a:spcBef>
-              <a:spcAft>
-                <a:spcPts val="0"/>
-              </a:spcAft>
-              <a:buClrTx/>
-              <a:buSzTx/>
-              <a:buFontTx/>
-              <a:buNone/>
-              <a:tabLst/>
-              <a:defRPr/>
-            </a:pPr>
-            <a:r>
-              <a:rPr lang="en-US" sz="1200" dirty="0"/>
-              <a:t>let {x : 42} be the dictionary that maps x to 42 etc.</a:t>
-            </a:r>
-          </a:p>
-          <a:p>
-            <a:pPr marL="0" marR="0" lvl="0" indent="0" algn="l" defTabSz="457200" rtl="0" eaLnBrk="1" fontAlgn="auto" latinLnBrk="0" hangingPunct="1">
-              <a:lnSpc>
-                <a:spcPct val="100000"/>
-              </a:lnSpc>
-              <a:spcBef>
-                <a:spcPts val="0"/>
-              </a:spcBef>
-              <a:spcAft>
-                <a:spcPts val="0"/>
-              </a:spcAft>
-              <a:buClrTx/>
-              <a:buSzTx/>
-              <a:buFontTx/>
-              <a:buNone/>
-              <a:tabLst/>
-              <a:defRPr/>
-            </a:pPr>
-            <a:endParaRPr lang="en-US" sz="1200" dirty="0"/>
-          </a:p>
-          <a:p>
-            <a:pPr marL="0" marR="0" lvl="0" indent="0" algn="l" defTabSz="457200" rtl="0" eaLnBrk="1" fontAlgn="auto" latinLnBrk="0" hangingPunct="1">
-              <a:lnSpc>
-                <a:spcPct val="100000"/>
-              </a:lnSpc>
-              <a:spcBef>
-                <a:spcPts val="0"/>
-              </a:spcBef>
-              <a:spcAft>
-                <a:spcPts val="0"/>
-              </a:spcAft>
-              <a:buClrTx/>
-              <a:buSzTx/>
-              <a:buFontTx/>
-              <a:buNone/>
-              <a:tabLst/>
-              <a:defRPr/>
-            </a:pPr>
-            <a:r>
-              <a:rPr lang="en-US" sz="1200" dirty="0"/>
-              <a:t>&lt;{x:42}, x&gt; ==&gt; 42</a:t>
-            </a:r>
-          </a:p>
-          <a:p>
-            <a:pPr marL="0" marR="0" lvl="0" indent="0" algn="l" defTabSz="457200" rtl="0" eaLnBrk="1" fontAlgn="auto" latinLnBrk="0" hangingPunct="1">
-              <a:lnSpc>
-                <a:spcPct val="100000"/>
-              </a:lnSpc>
-              <a:spcBef>
-                <a:spcPts val="0"/>
-              </a:spcBef>
-              <a:spcAft>
-                <a:spcPts val="0"/>
-              </a:spcAft>
-              <a:buClrTx/>
-              <a:buSzTx/>
-              <a:buFontTx/>
-              <a:buNone/>
-              <a:tabLst/>
-              <a:defRPr/>
-            </a:pPr>
-            <a:r>
-              <a:rPr lang="en-US" sz="1200" dirty="0"/>
-              <a:t>&lt;{}, x&gt; =/=&gt;</a:t>
-            </a:r>
-          </a:p>
-          <a:p>
-            <a:pPr marL="0" marR="0" lvl="0" indent="0" algn="l" defTabSz="457200" rtl="0" eaLnBrk="1" fontAlgn="auto" latinLnBrk="0" hangingPunct="1">
-              <a:lnSpc>
-                <a:spcPct val="100000"/>
-              </a:lnSpc>
-              <a:spcBef>
-                <a:spcPts val="0"/>
-              </a:spcBef>
-              <a:spcAft>
-                <a:spcPts val="0"/>
-              </a:spcAft>
-              <a:buClrTx/>
-              <a:buSzTx/>
-              <a:buFontTx/>
-              <a:buNone/>
-              <a:tabLst/>
-              <a:defRPr/>
-            </a:pPr>
-            <a:endParaRPr lang="en-US" sz="1200" dirty="0"/>
+              <a:t>  </a:t>
+            </a:r>
+          </a:p>
+          <a:p>
+            <a:pPr lvl="1"/>
+            <a:r>
+              <a:rPr lang="en-US" dirty="0"/>
+              <a:t>Because </a:t>
+            </a:r>
+            <a:r>
+              <a:rPr lang="en-US" b="1" dirty="0">
+                <a:latin typeface="Courier"/>
+                <a:cs typeface="Courier"/>
+              </a:rPr>
+              <a:t>{x:42}(x)=42</a:t>
+            </a:r>
           </a:p>
           <a:p>
             <a:endParaRPr lang="en-US" dirty="0"/>
@@ -1317,17 +1111,16 @@
           <a:p>
             <a:fld id="{B7975FD5-AB21-4C45-BFE8-1D3F02B463E2}" type="slidenum">
               <a:rPr lang="en-US" smtClean="0"/>
-              <a:pPr/>
               <a:t>19</a:t>
             </a:fld>
-            <a:endParaRPr lang="en-US" dirty="0"/>
+            <a:endParaRPr lang="en-US"/>
           </a:p>
         </p:txBody>
       </p:sp>
     </p:spTree>
     <p:extLst>
       <p:ext uri="{BB962C8B-B14F-4D97-AF65-F5344CB8AC3E}">
-        <p14:creationId xmlns:p14="http://schemas.microsoft.com/office/powerpoint/2010/main" val="225561425"/>
+        <p14:creationId xmlns:p14="http://schemas.microsoft.com/office/powerpoint/2010/main" val="298678461"/>
       </p:ext>
     </p:extLst>
   </p:cSld>
@@ -1381,167 +1174,214 @@
           <a:bodyPr/>
           <a:lstStyle/>
           <a:p>
-            <a:pPr marL="0" indent="0">
-              <a:buNone/>
+            <a:pPr marL="0" marR="0" lvl="0" indent="0" algn="l" defTabSz="457200" rtl="0" eaLnBrk="1" fontAlgn="auto" latinLnBrk="0" hangingPunct="1">
+              <a:lnSpc>
+                <a:spcPct val="100000"/>
+              </a:lnSpc>
+              <a:spcBef>
+                <a:spcPts val="0"/>
+              </a:spcBef>
+              <a:spcAft>
+                <a:spcPts val="0"/>
+              </a:spcAft>
+              <a:buClrTx/>
+              <a:buSzTx/>
+              <a:buFontTx/>
+              <a:buNone/>
+              <a:tabLst/>
+              <a:defRPr/>
             </a:pPr>
             <a:r>
               <a:rPr lang="en-US" dirty="0"/>
-              <a:t>Example:</a:t>
-            </a:r>
-          </a:p>
-          <a:p>
-            <a:pPr marL="0" indent="0">
-              <a:buNone/>
+              <a:t>If variable not in dictionary, then we can't evaluate using this rule.  Implement with an error in interpreter.</a:t>
+            </a:r>
+          </a:p>
+          <a:p>
+            <a:pPr marL="0" marR="0" lvl="0" indent="0" algn="l" defTabSz="457200" rtl="0" eaLnBrk="1" fontAlgn="auto" latinLnBrk="0" hangingPunct="1">
+              <a:lnSpc>
+                <a:spcPct val="100000"/>
+              </a:lnSpc>
+              <a:spcBef>
+                <a:spcPts val="0"/>
+              </a:spcBef>
+              <a:spcAft>
+                <a:spcPts val="0"/>
+              </a:spcAft>
+              <a:buClrTx/>
+              <a:buSzTx/>
+              <a:buFontTx/>
+              <a:buNone/>
+              <a:tabLst/>
+              <a:defRPr/>
             </a:pPr>
             <a:r>
-              <a:rPr lang="en-US" b="1" dirty="0">
-                <a:latin typeface="Courier New"/>
-                <a:cs typeface="Courier New"/>
-              </a:rPr>
-              <a:t>⟨{},(fun x -&gt; x) 1⟩ </a:t>
-            </a:r>
-            <a:r>
-              <a:rPr lang="en-US" b="1" dirty="0">
-                <a:solidFill>
-                  <a:srgbClr val="1F497D"/>
-                </a:solidFill>
-                <a:latin typeface="Courier New"/>
-                <a:cs typeface="Courier New"/>
-              </a:rPr>
-              <a:t>⟹</a:t>
-            </a:r>
-            <a:r>
-              <a:rPr lang="en-US" b="1" dirty="0">
-                <a:latin typeface="Courier New"/>
-                <a:cs typeface="Courier New"/>
-              </a:rPr>
-              <a:t> 1</a:t>
-            </a:r>
-          </a:p>
-          <a:p>
-            <a:pPr marL="0" indent="0">
-              <a:buNone/>
+              <a:rPr lang="en-US" dirty="0"/>
+              <a:t>Type checking </a:t>
+            </a:r>
+            <a:r>
+              <a:rPr lang="en-US" dirty="0">
+                <a:solidFill>
+                  <a:srgbClr val="F79646"/>
+                </a:solidFill>
+              </a:rPr>
+              <a:t>guarantees that variable is bound</a:t>
+            </a:r>
+            <a:r>
+              <a:rPr lang="en-US" dirty="0"/>
+              <a:t>, so we can’t ever fail to find a binding in dynamic environment</a:t>
+            </a:r>
+          </a:p>
+          <a:p>
+            <a:endParaRPr lang="en-US" dirty="0"/>
+          </a:p>
+          <a:p>
+            <a:r>
+              <a:rPr lang="en-US" dirty="0"/>
+              <a:t>Notation:  let's use abstract dictionary notation we used earlier (same as Python)</a:t>
+            </a:r>
+          </a:p>
+          <a:p>
+            <a:pPr marL="0" marR="0" lvl="0" indent="0" algn="l" defTabSz="457200" rtl="0" eaLnBrk="1" fontAlgn="auto" latinLnBrk="0" hangingPunct="1">
+              <a:lnSpc>
+                <a:spcPct val="100000"/>
+              </a:lnSpc>
+              <a:spcBef>
+                <a:spcPts val="0"/>
+              </a:spcBef>
+              <a:spcAft>
+                <a:spcPts val="0"/>
+              </a:spcAft>
+              <a:buClrTx/>
+              <a:buSzTx/>
+              <a:buFontTx/>
+              <a:buNone/>
+              <a:tabLst/>
+              <a:defRPr/>
             </a:pPr>
             <a:r>
-              <a:rPr lang="en-US" dirty="0"/>
-              <a:t>	b/c </a:t>
-            </a:r>
-            <a:r>
-              <a:rPr lang="en-US" b="1" dirty="0">
-                <a:solidFill>
-                  <a:srgbClr val="000000"/>
-                </a:solidFill>
-                <a:latin typeface="Courier New"/>
-                <a:cs typeface="Courier New"/>
-              </a:rPr>
-              <a:t>⟨{},fun x -&gt; x⟩ </a:t>
-            </a:r>
-            <a:r>
-              <a:rPr lang="en-US" b="1" dirty="0">
-                <a:solidFill>
-                  <a:srgbClr val="1F497D"/>
-                </a:solidFill>
-                <a:latin typeface="Courier New"/>
-                <a:cs typeface="Courier New"/>
-              </a:rPr>
-              <a:t>⟹</a:t>
-            </a:r>
-            <a:r>
-              <a:rPr lang="en-US" b="1" dirty="0">
-                <a:solidFill>
-                  <a:srgbClr val="000000"/>
-                </a:solidFill>
-                <a:latin typeface="Courier New"/>
-                <a:cs typeface="Courier New"/>
-              </a:rPr>
-              <a:t> fun x -&gt; x</a:t>
-            </a:r>
-          </a:p>
-          <a:p>
-            <a:pPr marL="0" indent="0">
-              <a:buNone/>
+              <a:rPr lang="en-US" sz="1200" dirty="0"/>
+              <a:t>let </a:t>
+            </a:r>
+            <a:r>
+              <a:rPr lang="en-US" sz="1200" b="1" dirty="0">
+                <a:latin typeface="Courier New"/>
+                <a:cs typeface="Courier New"/>
+              </a:rPr>
+              <a:t>{}</a:t>
+            </a:r>
+            <a:r>
+              <a:rPr lang="en-US" sz="1200" dirty="0"/>
+              <a:t> be the empty environment</a:t>
+            </a:r>
+          </a:p>
+          <a:p>
+            <a:pPr marL="0" marR="0" lvl="0" indent="0" algn="l" defTabSz="457200" rtl="0" eaLnBrk="1" fontAlgn="auto" latinLnBrk="0" hangingPunct="1">
+              <a:lnSpc>
+                <a:spcPct val="100000"/>
+              </a:lnSpc>
+              <a:spcBef>
+                <a:spcPts val="0"/>
+              </a:spcBef>
+              <a:spcAft>
+                <a:spcPts val="0"/>
+              </a:spcAft>
+              <a:buClrTx/>
+              <a:buSzTx/>
+              <a:buFontTx/>
+              <a:buNone/>
+              <a:tabLst/>
+              <a:defRPr/>
             </a:pPr>
             <a:r>
-              <a:rPr lang="en-US" dirty="0">
-                <a:solidFill>
-                  <a:srgbClr val="000000"/>
-                </a:solidFill>
-              </a:rPr>
-              <a:t>	and </a:t>
-            </a:r>
-            <a:r>
-              <a:rPr lang="en-US" b="1" dirty="0">
-                <a:solidFill>
-                  <a:srgbClr val="000000"/>
-                </a:solidFill>
-                <a:latin typeface="Courier New"/>
-                <a:cs typeface="Courier New"/>
-              </a:rPr>
-              <a:t>⟨{},1⟩ </a:t>
-            </a:r>
-            <a:r>
-              <a:rPr lang="en-US" b="1" dirty="0">
-                <a:solidFill>
-                  <a:srgbClr val="1F497D"/>
-                </a:solidFill>
-                <a:latin typeface="Courier New"/>
-                <a:cs typeface="Courier New"/>
-              </a:rPr>
-              <a:t>⟹</a:t>
-            </a:r>
-            <a:r>
-              <a:rPr lang="en-US" b="1" dirty="0">
-                <a:solidFill>
-                  <a:srgbClr val="000000"/>
-                </a:solidFill>
-                <a:latin typeface="Courier New"/>
-                <a:cs typeface="Courier New"/>
-              </a:rPr>
-              <a:t> 1</a:t>
-            </a:r>
-          </a:p>
-          <a:p>
-            <a:pPr marL="0" indent="0">
-              <a:buNone/>
+              <a:rPr lang="en-US" sz="1200" dirty="0"/>
+              <a:t>let {x : 42} be the dictionary that maps x to 42 etc.</a:t>
+            </a:r>
+          </a:p>
+          <a:p>
+            <a:pPr marL="0" marR="0" lvl="0" indent="0" algn="l" defTabSz="457200" rtl="0" eaLnBrk="1" fontAlgn="auto" latinLnBrk="0" hangingPunct="1">
+              <a:lnSpc>
+                <a:spcPct val="100000"/>
+              </a:lnSpc>
+              <a:spcBef>
+                <a:spcPts val="0"/>
+              </a:spcBef>
+              <a:spcAft>
+                <a:spcPts val="0"/>
+              </a:spcAft>
+              <a:buClrTx/>
+              <a:buSzTx/>
+              <a:buFontTx/>
+              <a:buNone/>
+              <a:tabLst/>
+              <a:defRPr/>
             </a:pPr>
-            <a:r>
-              <a:rPr lang="en-US" dirty="0">
-                <a:solidFill>
-                  <a:srgbClr val="000000"/>
-                </a:solidFill>
-              </a:rPr>
-              <a:t>	and </a:t>
-            </a:r>
-            <a:r>
-              <a:rPr lang="en-US" b="1" dirty="0">
-                <a:solidFill>
-                  <a:srgbClr val="000000"/>
-                </a:solidFill>
-                <a:latin typeface="Courier New"/>
-                <a:cs typeface="Courier New"/>
-              </a:rPr>
-              <a:t>⟨{}[x ↦ 1], x⟩ </a:t>
-            </a:r>
-            <a:r>
-              <a:rPr lang="en-US" b="1" dirty="0">
-                <a:solidFill>
-                  <a:srgbClr val="1F497D"/>
-                </a:solidFill>
-                <a:latin typeface="Courier New"/>
-                <a:cs typeface="Courier New"/>
-              </a:rPr>
-              <a:t>⟹</a:t>
-            </a:r>
-            <a:r>
-              <a:rPr lang="en-US" b="1" dirty="0">
-                <a:solidFill>
-                  <a:srgbClr val="000000"/>
-                </a:solidFill>
-                <a:latin typeface="Courier New"/>
-                <a:cs typeface="Courier New"/>
-              </a:rPr>
-              <a:t> 1</a:t>
-            </a:r>
+            <a:endParaRPr lang="en-US" sz="1200" dirty="0"/>
+          </a:p>
+          <a:p>
+            <a:pPr marL="0" marR="0" lvl="0" indent="0" algn="l" defTabSz="457200" rtl="0" eaLnBrk="1" fontAlgn="auto" latinLnBrk="0" hangingPunct="1">
+              <a:lnSpc>
+                <a:spcPct val="100000"/>
+              </a:lnSpc>
+              <a:spcBef>
+                <a:spcPts val="0"/>
+              </a:spcBef>
+              <a:spcAft>
+                <a:spcPts val="0"/>
+              </a:spcAft>
+              <a:buClrTx/>
+              <a:buSzTx/>
+              <a:buFontTx/>
+              <a:buNone/>
+              <a:tabLst/>
+              <a:defRPr/>
+            </a:pPr>
+            <a:r>
+              <a:rPr lang="en-US" sz="1200" dirty="0"/>
+              <a:t>&lt;{x:42}, x&gt; ==&gt; 42</a:t>
+            </a:r>
+          </a:p>
+          <a:p>
+            <a:pPr marL="0" marR="0" lvl="0" indent="0" algn="l" defTabSz="457200" rtl="0" eaLnBrk="1" fontAlgn="auto" latinLnBrk="0" hangingPunct="1">
+              <a:lnSpc>
+                <a:spcPct val="100000"/>
+              </a:lnSpc>
+              <a:spcBef>
+                <a:spcPts val="0"/>
+              </a:spcBef>
+              <a:spcAft>
+                <a:spcPts val="0"/>
+              </a:spcAft>
+              <a:buClrTx/>
+              <a:buSzTx/>
+              <a:buFontTx/>
+              <a:buNone/>
+              <a:tabLst/>
+              <a:defRPr/>
+            </a:pPr>
+            <a:r>
+              <a:rPr lang="en-US" sz="1200" dirty="0"/>
+              <a:t>&lt;{}, x&gt; =/=&gt;</a:t>
+            </a:r>
+          </a:p>
+          <a:p>
+            <a:pPr marL="0" marR="0" lvl="0" indent="0" algn="l" defTabSz="457200" rtl="0" eaLnBrk="1" fontAlgn="auto" latinLnBrk="0" hangingPunct="1">
+              <a:lnSpc>
+                <a:spcPct val="100000"/>
+              </a:lnSpc>
+              <a:spcBef>
+                <a:spcPts val="0"/>
+              </a:spcBef>
+              <a:spcAft>
+                <a:spcPts val="0"/>
+              </a:spcAft>
+              <a:buClrTx/>
+              <a:buSzTx/>
+              <a:buFontTx/>
+              <a:buNone/>
+              <a:tabLst/>
+              <a:defRPr/>
+            </a:pPr>
+            <a:endParaRPr lang="en-US" sz="1200" dirty="0"/>
           </a:p>
           <a:p>
             <a:endParaRPr lang="en-US" dirty="0"/>
@@ -1565,16 +1405,17 @@
           <a:p>
             <a:fld id="{B7975FD5-AB21-4C45-BFE8-1D3F02B463E2}" type="slidenum">
               <a:rPr lang="en-US" smtClean="0"/>
-              <a:t>21</a:t>
+              <a:pPr/>
+              <a:t>20</a:t>
             </a:fld>
-            <a:endParaRPr lang="en-US"/>
+            <a:endParaRPr lang="en-US" dirty="0"/>
           </a:p>
         </p:txBody>
       </p:sp>
     </p:spTree>
     <p:extLst>
       <p:ext uri="{BB962C8B-B14F-4D97-AF65-F5344CB8AC3E}">
-        <p14:creationId xmlns:p14="http://schemas.microsoft.com/office/powerpoint/2010/main" val="2704758423"/>
+        <p14:creationId xmlns:p14="http://schemas.microsoft.com/office/powerpoint/2010/main" val="225561425"/>
       </p:ext>
     </p:extLst>
   </p:cSld>
@@ -1628,7 +1469,12 @@
           <a:bodyPr/>
           <a:lstStyle/>
           <a:p>
-            <a:endParaRPr lang="en-US" dirty="0"/>
+            <a:r>
+              <a:rPr lang="en-US" dirty="0">
+                <a:sym typeface="Wingdings" pitchFamily="2" charset="2"/>
+              </a:rPr>
+              <a:t>This is the language we reached at the end of last lecture.</a:t>
+            </a:r>
           </a:p>
         </p:txBody>
       </p:sp>
@@ -1649,17 +1495,16 @@
           <a:p>
             <a:fld id="{B7975FD5-AB21-4C45-BFE8-1D3F02B463E2}" type="slidenum">
               <a:rPr lang="en-US" smtClean="0"/>
-              <a:pPr/>
-              <a:t>24</a:t>
+              <a:t>22</a:t>
             </a:fld>
-            <a:endParaRPr lang="en-US" dirty="0"/>
+            <a:endParaRPr lang="en-US"/>
           </a:p>
         </p:txBody>
       </p:sp>
     </p:spTree>
     <p:extLst>
       <p:ext uri="{BB962C8B-B14F-4D97-AF65-F5344CB8AC3E}">
-        <p14:creationId xmlns:p14="http://schemas.microsoft.com/office/powerpoint/2010/main" val="1800698369"/>
+        <p14:creationId xmlns:p14="http://schemas.microsoft.com/office/powerpoint/2010/main" val="992961385"/>
       </p:ext>
     </p:extLst>
   </p:cSld>
@@ -1713,6 +1558,169 @@
           <a:bodyPr/>
           <a:lstStyle/>
           <a:p>
+            <a:pPr marL="0" indent="0">
+              <a:buNone/>
+            </a:pPr>
+            <a:r>
+              <a:rPr lang="en-US" dirty="0"/>
+              <a:t>Example:</a:t>
+            </a:r>
+          </a:p>
+          <a:p>
+            <a:pPr marL="0" indent="0">
+              <a:buNone/>
+            </a:pPr>
+            <a:r>
+              <a:rPr lang="en-US" b="1" dirty="0">
+                <a:latin typeface="Courier New"/>
+                <a:cs typeface="Courier New"/>
+              </a:rPr>
+              <a:t>⟨{},(fun x -&gt; x) 1⟩ </a:t>
+            </a:r>
+            <a:r>
+              <a:rPr lang="en-US" b="1" dirty="0">
+                <a:solidFill>
+                  <a:srgbClr val="1F497D"/>
+                </a:solidFill>
+                <a:latin typeface="Courier New"/>
+                <a:cs typeface="Courier New"/>
+              </a:rPr>
+              <a:t>⟹</a:t>
+            </a:r>
+            <a:r>
+              <a:rPr lang="en-US" b="1" dirty="0">
+                <a:latin typeface="Courier New"/>
+                <a:cs typeface="Courier New"/>
+              </a:rPr>
+              <a:t> 1</a:t>
+            </a:r>
+          </a:p>
+          <a:p>
+            <a:pPr marL="0" indent="0">
+              <a:buNone/>
+            </a:pPr>
+            <a:r>
+              <a:rPr lang="en-US" dirty="0"/>
+              <a:t>	b/c </a:t>
+            </a:r>
+            <a:r>
+              <a:rPr lang="en-US" b="1" dirty="0">
+                <a:solidFill>
+                  <a:srgbClr val="000000"/>
+                </a:solidFill>
+                <a:latin typeface="Courier New"/>
+                <a:cs typeface="Courier New"/>
+              </a:rPr>
+              <a:t>⟨{},fun x -&gt; x⟩ </a:t>
+            </a:r>
+            <a:r>
+              <a:rPr lang="en-US" b="1" dirty="0">
+                <a:solidFill>
+                  <a:srgbClr val="1F497D"/>
+                </a:solidFill>
+                <a:latin typeface="Courier New"/>
+                <a:cs typeface="Courier New"/>
+              </a:rPr>
+              <a:t>⟹</a:t>
+            </a:r>
+            <a:r>
+              <a:rPr lang="en-US" b="1" dirty="0">
+                <a:solidFill>
+                  <a:srgbClr val="000000"/>
+                </a:solidFill>
+                <a:latin typeface="Courier New"/>
+                <a:cs typeface="Courier New"/>
+              </a:rPr>
+              <a:t> fun x -&gt; x</a:t>
+            </a:r>
+          </a:p>
+          <a:p>
+            <a:pPr marL="0" indent="0">
+              <a:buNone/>
+            </a:pPr>
+            <a:r>
+              <a:rPr lang="en-US" dirty="0">
+                <a:solidFill>
+                  <a:srgbClr val="000000"/>
+                </a:solidFill>
+              </a:rPr>
+              <a:t>	and </a:t>
+            </a:r>
+            <a:r>
+              <a:rPr lang="en-US" b="1" dirty="0">
+                <a:solidFill>
+                  <a:srgbClr val="000000"/>
+                </a:solidFill>
+                <a:latin typeface="Courier New"/>
+                <a:cs typeface="Courier New"/>
+              </a:rPr>
+              <a:t>⟨{},1⟩ </a:t>
+            </a:r>
+            <a:r>
+              <a:rPr lang="en-US" b="1" dirty="0">
+                <a:solidFill>
+                  <a:srgbClr val="1F497D"/>
+                </a:solidFill>
+                <a:latin typeface="Courier New"/>
+                <a:cs typeface="Courier New"/>
+              </a:rPr>
+              <a:t>⟹</a:t>
+            </a:r>
+            <a:r>
+              <a:rPr lang="en-US" b="1" dirty="0">
+                <a:solidFill>
+                  <a:srgbClr val="000000"/>
+                </a:solidFill>
+                <a:latin typeface="Courier New"/>
+                <a:cs typeface="Courier New"/>
+              </a:rPr>
+              <a:t> 1</a:t>
+            </a:r>
+          </a:p>
+          <a:p>
+            <a:pPr marL="0" indent="0">
+              <a:buNone/>
+            </a:pPr>
+            <a:r>
+              <a:rPr lang="en-US" dirty="0">
+                <a:solidFill>
+                  <a:srgbClr val="000000"/>
+                </a:solidFill>
+              </a:rPr>
+              <a:t>	and </a:t>
+            </a:r>
+            <a:r>
+              <a:rPr lang="en-US" b="1" dirty="0">
+                <a:solidFill>
+                  <a:srgbClr val="000000"/>
+                </a:solidFill>
+                <a:latin typeface="Courier New"/>
+                <a:cs typeface="Courier New"/>
+              </a:rPr>
+              <a:t>⟨{}[x ↦ 1], x⟩ </a:t>
+            </a:r>
+            <a:r>
+              <a:rPr lang="en-US" b="1" dirty="0">
+                <a:solidFill>
+                  <a:srgbClr val="1F497D"/>
+                </a:solidFill>
+                <a:latin typeface="Courier New"/>
+                <a:cs typeface="Courier New"/>
+              </a:rPr>
+              <a:t>⟹</a:t>
+            </a:r>
+            <a:r>
+              <a:rPr lang="en-US" b="1" dirty="0">
+                <a:solidFill>
+                  <a:srgbClr val="000000"/>
+                </a:solidFill>
+                <a:latin typeface="Courier New"/>
+                <a:cs typeface="Courier New"/>
+              </a:rPr>
+              <a:t> 1</a:t>
+            </a:r>
+          </a:p>
+          <a:p>
             <a:endParaRPr lang="en-US" dirty="0"/>
           </a:p>
         </p:txBody>
@@ -1724,7 +1732,7 @@
             <a:spLocks noGrp="1"/>
           </p:cNvSpPr>
           <p:nvPr>
-            <p:ph type="sldNum" sz="quarter" idx="10"/>
+            <p:ph type="sldNum" sz="quarter" idx="5"/>
           </p:nvPr>
         </p:nvSpPr>
         <p:spPr/>
@@ -1734,7 +1742,176 @@
           <a:p>
             <a:fld id="{B7975FD5-AB21-4C45-BFE8-1D3F02B463E2}" type="slidenum">
               <a:rPr lang="en-US" smtClean="0"/>
-              <a:t>35</a:t>
+              <a:t>24</a:t>
+            </a:fld>
+            <a:endParaRPr lang="en-US"/>
+          </a:p>
+        </p:txBody>
+      </p:sp>
+    </p:spTree>
+    <p:extLst>
+      <p:ext uri="{BB962C8B-B14F-4D97-AF65-F5344CB8AC3E}">
+        <p14:creationId xmlns:p14="http://schemas.microsoft.com/office/powerpoint/2010/main" val="2704758423"/>
+      </p:ext>
+    </p:extLst>
+  </p:cSld>
+  <p:clrMapOvr>
+    <a:masterClrMapping/>
+  </p:clrMapOvr>
+</p:notes>
+</file>
+
+<file path=ppt/notesSlides/notesSlide17.xml><?xml version="1.0" encoding="utf-8"?>
+<p:notes xmlns:a="http://schemas.openxmlformats.org/drawingml/2006/main" xmlns:r="http://schemas.openxmlformats.org/officeDocument/2006/relationships" xmlns:p="http://schemas.openxmlformats.org/presentationml/2006/main">
+  <p:cSld>
+    <p:spTree>
+      <p:nvGrpSpPr>
+        <p:cNvPr id="1" name=""/>
+        <p:cNvGrpSpPr/>
+        <p:nvPr/>
+      </p:nvGrpSpPr>
+      <p:grpSpPr>
+        <a:xfrm>
+          <a:off x="0" y="0"/>
+          <a:ext cx="0" cy="0"/>
+          <a:chOff x="0" y="0"/>
+          <a:chExt cx="0" cy="0"/>
+        </a:xfrm>
+      </p:grpSpPr>
+      <p:sp>
+        <p:nvSpPr>
+          <p:cNvPr id="2" name="Slide Image Placeholder 1"/>
+          <p:cNvSpPr>
+            <a:spLocks noGrp="1" noRot="1" noChangeAspect="1"/>
+          </p:cNvSpPr>
+          <p:nvPr>
+            <p:ph type="sldImg"/>
+          </p:nvPr>
+        </p:nvSpPr>
+        <p:spPr/>
+      </p:sp>
+      <p:sp>
+        <p:nvSpPr>
+          <p:cNvPr id="3" name="Notes Placeholder 2"/>
+          <p:cNvSpPr>
+            <a:spLocks noGrp="1"/>
+          </p:cNvSpPr>
+          <p:nvPr>
+            <p:ph type="body" idx="1"/>
+          </p:nvPr>
+        </p:nvSpPr>
+        <p:spPr/>
+        <p:txBody>
+          <a:bodyPr/>
+          <a:lstStyle/>
+          <a:p>
+            <a:endParaRPr lang="en-US" dirty="0"/>
+          </a:p>
+        </p:txBody>
+      </p:sp>
+      <p:sp>
+        <p:nvSpPr>
+          <p:cNvPr id="4" name="Slide Number Placeholder 3"/>
+          <p:cNvSpPr>
+            <a:spLocks noGrp="1"/>
+          </p:cNvSpPr>
+          <p:nvPr>
+            <p:ph type="sldNum" sz="quarter" idx="5"/>
+          </p:nvPr>
+        </p:nvSpPr>
+        <p:spPr/>
+        <p:txBody>
+          <a:bodyPr/>
+          <a:lstStyle/>
+          <a:p>
+            <a:fld id="{B7975FD5-AB21-4C45-BFE8-1D3F02B463E2}" type="slidenum">
+              <a:rPr lang="en-US" smtClean="0"/>
+              <a:pPr/>
+              <a:t>27</a:t>
+            </a:fld>
+            <a:endParaRPr lang="en-US" dirty="0"/>
+          </a:p>
+        </p:txBody>
+      </p:sp>
+    </p:spTree>
+    <p:extLst>
+      <p:ext uri="{BB962C8B-B14F-4D97-AF65-F5344CB8AC3E}">
+        <p14:creationId xmlns:p14="http://schemas.microsoft.com/office/powerpoint/2010/main" val="1800698369"/>
+      </p:ext>
+    </p:extLst>
+  </p:cSld>
+  <p:clrMapOvr>
+    <a:masterClrMapping/>
+  </p:clrMapOvr>
+</p:notes>
+</file>
+
+<file path=ppt/notesSlides/notesSlide18.xml><?xml version="1.0" encoding="utf-8"?>
+<p:notes xmlns:a="http://schemas.openxmlformats.org/drawingml/2006/main" xmlns:r="http://schemas.openxmlformats.org/officeDocument/2006/relationships" xmlns:p="http://schemas.openxmlformats.org/presentationml/2006/main">
+  <p:cSld>
+    <p:spTree>
+      <p:nvGrpSpPr>
+        <p:cNvPr id="1" name=""/>
+        <p:cNvGrpSpPr/>
+        <p:nvPr/>
+      </p:nvGrpSpPr>
+      <p:grpSpPr>
+        <a:xfrm>
+          <a:off x="0" y="0"/>
+          <a:ext cx="0" cy="0"/>
+          <a:chOff x="0" y="0"/>
+          <a:chExt cx="0" cy="0"/>
+        </a:xfrm>
+      </p:grpSpPr>
+      <p:sp>
+        <p:nvSpPr>
+          <p:cNvPr id="2" name="Slide Image Placeholder 1"/>
+          <p:cNvSpPr>
+            <a:spLocks noGrp="1" noRot="1" noChangeAspect="1"/>
+          </p:cNvSpPr>
+          <p:nvPr>
+            <p:ph type="sldImg"/>
+          </p:nvPr>
+        </p:nvSpPr>
+        <p:spPr/>
+      </p:sp>
+      <p:sp>
+        <p:nvSpPr>
+          <p:cNvPr id="3" name="Notes Placeholder 2"/>
+          <p:cNvSpPr>
+            <a:spLocks noGrp="1"/>
+          </p:cNvSpPr>
+          <p:nvPr>
+            <p:ph type="body" idx="1"/>
+          </p:nvPr>
+        </p:nvSpPr>
+        <p:spPr/>
+        <p:txBody>
+          <a:bodyPr/>
+          <a:lstStyle/>
+          <a:p>
+            <a:endParaRPr lang="en-US" dirty="0"/>
+          </a:p>
+        </p:txBody>
+      </p:sp>
+      <p:sp>
+        <p:nvSpPr>
+          <p:cNvPr id="4" name="Slide Number Placeholder 3"/>
+          <p:cNvSpPr>
+            <a:spLocks noGrp="1"/>
+          </p:cNvSpPr>
+          <p:nvPr>
+            <p:ph type="sldNum" sz="quarter" idx="10"/>
+          </p:nvPr>
+        </p:nvSpPr>
+        <p:spPr/>
+        <p:txBody>
+          <a:bodyPr/>
+          <a:lstStyle/>
+          <a:p>
+            <a:fld id="{B7975FD5-AB21-4C45-BFE8-1D3F02B463E2}" type="slidenum">
+              <a:rPr lang="en-US" smtClean="0"/>
+              <a:t>38</a:t>
             </a:fld>
             <a:endParaRPr lang="en-US"/>
           </a:p>
@@ -9163,7 +9340,7 @@
               <a:buNone/>
             </a:pPr>
             <a:r>
-              <a:rPr lang="en-US" b="1" dirty="0">
+              <a:rPr lang="en-US" sz="3400" b="1" dirty="0">
                 <a:solidFill>
                   <a:srgbClr val="F79646"/>
                 </a:solidFill>
@@ -9173,9 +9350,9 @@
               <a:t>⟨</a:t>
             </a:r>
             <a:r>
-              <a:rPr lang="en-US" b="1" dirty="0" err="1">
-                <a:solidFill>
-                  <a:schemeClr val="accent6"/>
+              <a:rPr lang="en-US" sz="3400" b="1" dirty="0" err="1">
+                <a:solidFill>
+                  <a:srgbClr val="F79646"/>
                 </a:solidFill>
                 <a:latin typeface="Courier New"/>
                 <a:cs typeface="Courier New"/>
@@ -9183,7 +9360,7 @@
               <a:t>env</a:t>
             </a:r>
             <a:r>
-              <a:rPr lang="en-US" b="1" dirty="0">
+              <a:rPr lang="en-US" sz="3400" b="1" dirty="0">
                 <a:solidFill>
                   <a:srgbClr val="F79646"/>
                 </a:solidFill>
@@ -9193,16 +9370,46 @@
               <a:t>,</a:t>
             </a:r>
             <a:r>
-              <a:rPr lang="en-US" b="1" dirty="0">
+              <a:rPr lang="en-US" sz="3400" b="1" dirty="0">
                 <a:solidFill>
                   <a:srgbClr val="8064A2"/>
                 </a:solidFill>
                 <a:latin typeface="Courier New"/>
                 <a:cs typeface="Courier New"/>
               </a:rPr>
+              <a:t> e1 + e2</a:t>
+            </a:r>
+            <a:r>
+              <a:rPr lang="en-US" sz="3400" b="1" dirty="0">
+                <a:solidFill>
+                  <a:srgbClr val="F79646"/>
+                </a:solidFill>
+                <a:latin typeface="Courier New"/>
+                <a:cs typeface="Courier New"/>
+              </a:rPr>
+              <a:t>⟩</a:t>
+            </a:r>
+            <a:r>
+              <a:rPr lang="en-US" sz="3400" b="1" dirty="0">
+                <a:solidFill>
+                  <a:srgbClr val="8064A2"/>
+                </a:solidFill>
+                <a:latin typeface="Courier New"/>
+                <a:cs typeface="Courier New"/>
+              </a:rPr>
               <a:t> </a:t>
             </a:r>
             <a:r>
+              <a:rPr lang="en-US" sz="3600" b="1" dirty="0">
+                <a:solidFill>
+                  <a:srgbClr val="1F497D"/>
+                </a:solidFill>
+                <a:latin typeface="Courier New"/>
+                <a:cs typeface="Courier New"/>
+              </a:rPr>
+              <a:t>⟹</a:t>
+            </a:r>
+            <a:r>
               <a:rPr lang="en-US" sz="3400" b="1" dirty="0">
                 <a:solidFill>
                   <a:srgbClr val="8064A2"/>
@@ -9210,16 +9417,80 @@
                 <a:latin typeface="Courier New"/>
                 <a:cs typeface="Courier New"/>
               </a:rPr>
-              <a:t>v</a:t>
+              <a:t> v  </a:t>
+            </a:r>
+          </a:p>
+          <a:p>
+            <a:pPr marL="400050" lvl="1" indent="0">
+              <a:buNone/>
+            </a:pPr>
+            <a:r>
+              <a:rPr lang="en-US" sz="3400" i="1" dirty="0">
+                <a:solidFill>
+                  <a:srgbClr val="8064A2"/>
+                </a:solidFill>
+                <a:latin typeface="Cronos Pro" panose="020C0502030403020304" pitchFamily="34" charset="77"/>
+              </a:rPr>
+              <a:t>if</a:t>
             </a:r>
             <a:r>
               <a:rPr lang="en-US" sz="3400" b="1" dirty="0">
                 <a:solidFill>
+                  <a:srgbClr val="8064A2"/>
+                </a:solidFill>
+                <a:latin typeface="Courier New"/>
+                <a:cs typeface="Courier New"/>
+              </a:rPr>
+              <a:t> </a:t>
+            </a:r>
+            <a:r>
+              <a:rPr lang="en-US" sz="3400" b="1" dirty="0">
+                <a:solidFill>
                   <a:srgbClr val="F79646"/>
                 </a:solidFill>
                 <a:latin typeface="Courier New"/>
                 <a:cs typeface="Courier New"/>
               </a:rPr>
+              <a:t>⟨</a:t>
+            </a:r>
+            <a:r>
+              <a:rPr lang="en-US" sz="3400" b="1" dirty="0" err="1">
+                <a:solidFill>
+                  <a:srgbClr val="F79646"/>
+                </a:solidFill>
+                <a:latin typeface="Courier New"/>
+                <a:cs typeface="Courier New"/>
+              </a:rPr>
+              <a:t>env</a:t>
+            </a:r>
+            <a:r>
+              <a:rPr lang="en-US" sz="3400" b="1" dirty="0">
+                <a:solidFill>
+                  <a:srgbClr val="F79646"/>
+                </a:solidFill>
+                <a:latin typeface="Courier New"/>
+                <a:cs typeface="Courier New"/>
+              </a:rPr>
+              <a:t>,</a:t>
+            </a:r>
+            <a:r>
+              <a:rPr lang="en-US" sz="3400" b="1" dirty="0">
+                <a:solidFill>
+                  <a:srgbClr val="8064A2"/>
+                </a:solidFill>
+                <a:latin typeface="Courier New"/>
+                <a:cs typeface="Courier New"/>
+              </a:rPr>
+              <a:t> e1</a:t>
+            </a:r>
+            <a:r>
+              <a:rPr lang="en-US" sz="3400" b="1" dirty="0">
+                <a:solidFill>
+                  <a:srgbClr val="F79646"/>
+                </a:solidFill>
+                <a:latin typeface="Courier New"/>
+                <a:cs typeface="Courier New"/>
+              </a:rPr>
               <a:t>⟩</a:t>
             </a:r>
             <a:r>
@@ -9250,323 +9521,133 @@
                 <a:latin typeface="Courier New"/>
                 <a:cs typeface="Courier New"/>
               </a:rPr>
-              <a:t> v</a:t>
-            </a:r>
-          </a:p>
-          <a:p>
-            <a:pPr marL="0" indent="0">
+              <a:t> v1</a:t>
+            </a:r>
+          </a:p>
+          <a:p>
+            <a:pPr marL="400050" lvl="1" indent="0">
               <a:buNone/>
             </a:pPr>
-            <a:endParaRPr lang="en-US" sz="3400" b="1" dirty="0">
-              <a:solidFill>
-                <a:srgbClr val="8064A2"/>
-              </a:solidFill>
-              <a:latin typeface="Courier New"/>
-              <a:cs typeface="Courier New"/>
-            </a:endParaRPr>
-          </a:p>
-          <a:p>
-            <a:pPr marL="0" indent="0">
+            <a:r>
+              <a:rPr lang="en-US" sz="3400" i="1" dirty="0">
+                <a:solidFill>
+                  <a:srgbClr val="8064A2"/>
+                </a:solidFill>
+                <a:latin typeface="Cronos Pro" panose="020C0502030403020304" pitchFamily="34" charset="77"/>
+              </a:rPr>
+              <a:t>and</a:t>
+            </a:r>
+            <a:r>
+              <a:rPr lang="en-US" sz="3400" b="1" dirty="0">
+                <a:solidFill>
+                  <a:srgbClr val="8064A2"/>
+                </a:solidFill>
+                <a:latin typeface="Courier New"/>
+                <a:cs typeface="Courier New"/>
+              </a:rPr>
+              <a:t> </a:t>
+            </a:r>
+            <a:r>
+              <a:rPr lang="en-US" sz="3400" b="1" dirty="0">
+                <a:solidFill>
+                  <a:srgbClr val="F79646"/>
+                </a:solidFill>
+                <a:latin typeface="Courier New"/>
+                <a:cs typeface="Courier New"/>
+              </a:rPr>
+              <a:t>⟨</a:t>
+            </a:r>
+            <a:r>
+              <a:rPr lang="en-US" sz="3400" b="1" dirty="0" err="1">
+                <a:solidFill>
+                  <a:srgbClr val="F79646"/>
+                </a:solidFill>
+                <a:latin typeface="Courier New"/>
+                <a:cs typeface="Courier New"/>
+              </a:rPr>
+              <a:t>env</a:t>
+            </a:r>
+            <a:r>
+              <a:rPr lang="en-US" sz="3400" b="1" dirty="0">
+                <a:solidFill>
+                  <a:srgbClr val="F79646"/>
+                </a:solidFill>
+                <a:latin typeface="Courier New"/>
+                <a:cs typeface="Courier New"/>
+              </a:rPr>
+              <a:t>,</a:t>
+            </a:r>
+            <a:r>
+              <a:rPr lang="en-US" sz="3400" b="1" dirty="0">
+                <a:solidFill>
+                  <a:srgbClr val="8064A2"/>
+                </a:solidFill>
+                <a:latin typeface="Courier New"/>
+                <a:cs typeface="Courier New"/>
+              </a:rPr>
+              <a:t> e2</a:t>
+            </a:r>
+            <a:r>
+              <a:rPr lang="en-US" sz="3400" b="1" dirty="0">
+                <a:solidFill>
+                  <a:srgbClr val="F79646"/>
+                </a:solidFill>
+                <a:latin typeface="Courier New"/>
+                <a:cs typeface="Courier New"/>
+              </a:rPr>
+              <a:t>⟩</a:t>
+            </a:r>
+            <a:r>
+              <a:rPr lang="en-US" sz="3400" b="1" dirty="0">
+                <a:solidFill>
+                  <a:srgbClr val="8064A2"/>
+                </a:solidFill>
+                <a:latin typeface="Courier New"/>
+                <a:cs typeface="Courier New"/>
+              </a:rPr>
+              <a:t> </a:t>
+            </a:r>
+            <a:r>
+              <a:rPr lang="en-US" sz="3600" b="1" dirty="0">
+                <a:solidFill>
+                  <a:srgbClr val="1F497D"/>
+                </a:solidFill>
+                <a:latin typeface="Courier New"/>
+                <a:cs typeface="Courier New"/>
+              </a:rPr>
+              <a:t>⟹</a:t>
+            </a:r>
+            <a:r>
+              <a:rPr lang="en-US" sz="3400" b="1" dirty="0">
+                <a:solidFill>
+                  <a:srgbClr val="8064A2"/>
+                </a:solidFill>
+                <a:latin typeface="Courier New"/>
+                <a:cs typeface="Courier New"/>
+              </a:rPr>
+              <a:t> v2</a:t>
+            </a:r>
+          </a:p>
+          <a:p>
+            <a:pPr marL="400050" lvl="1" indent="0">
               <a:buNone/>
             </a:pPr>
             <a:r>
-              <a:rPr lang="en-US" sz="3400" b="1" dirty="0">
-                <a:solidFill>
-                  <a:srgbClr val="F79646"/>
-                </a:solidFill>
-                <a:latin typeface="Courier New"/>
-                <a:cs typeface="Courier New"/>
-              </a:rPr>
-              <a:t>⟨</a:t>
-            </a:r>
-            <a:r>
-              <a:rPr lang="en-US" sz="3400" b="1" dirty="0" err="1">
-                <a:solidFill>
-                  <a:srgbClr val="F79646"/>
-                </a:solidFill>
-                <a:latin typeface="Courier New"/>
-                <a:cs typeface="Courier New"/>
-              </a:rPr>
-              <a:t>env</a:t>
-            </a:r>
-            <a:r>
-              <a:rPr lang="en-US" sz="3400" b="1" dirty="0">
-                <a:solidFill>
-                  <a:srgbClr val="F79646"/>
-                </a:solidFill>
-                <a:latin typeface="Courier New"/>
-                <a:cs typeface="Courier New"/>
-              </a:rPr>
-              <a:t>,</a:t>
-            </a:r>
-            <a:r>
-              <a:rPr lang="en-US" sz="3400" b="1" dirty="0">
+              <a:rPr lang="en-US" sz="3400" i="1" dirty="0">
                 <a:solidFill>
                   <a:srgbClr val="8064A2"/>
                 </a:solidFill>
-                <a:latin typeface="Courier New"/>
-                <a:cs typeface="Courier New"/>
-              </a:rPr>
-              <a:t> e1 + e2</a:t>
-            </a:r>
-            <a:r>
-              <a:rPr lang="en-US" sz="3400" b="1" dirty="0">
-                <a:solidFill>
-                  <a:srgbClr val="F79646"/>
-                </a:solidFill>
-                <a:latin typeface="Courier New"/>
-                <a:cs typeface="Courier New"/>
-              </a:rPr>
-              <a:t>⟩</a:t>
-            </a:r>
-            <a:r>
-              <a:rPr lang="en-US" sz="3400" b="1" dirty="0">
+                <a:latin typeface="Cronos Pro" panose="020C0502030403020304" pitchFamily="34" charset="77"/>
+              </a:rPr>
+              <a:t>and</a:t>
+            </a:r>
+            <a:r>
+              <a:rPr lang="en-US" sz="3400" i="1" dirty="0">
                 <a:solidFill>
                   <a:srgbClr val="8064A2"/>
                 </a:solidFill>
-                <a:latin typeface="Courier New"/>
-                <a:cs typeface="Courier New"/>
               </a:rPr>
               <a:t> </a:t>
-            </a:r>
-            <a:r>
-              <a:rPr lang="en-US" sz="3600" b="1" dirty="0">
-                <a:solidFill>
-                  <a:srgbClr val="1F497D"/>
-                </a:solidFill>
-                <a:latin typeface="Courier New"/>
-                <a:cs typeface="Courier New"/>
-              </a:rPr>
-              <a:t>⟹</a:t>
-            </a:r>
-            <a:r>
-              <a:rPr lang="en-US" sz="3400" b="1" dirty="0">
-                <a:solidFill>
-                  <a:srgbClr val="8064A2"/>
-                </a:solidFill>
-                <a:latin typeface="Courier New"/>
-                <a:cs typeface="Courier New"/>
-              </a:rPr>
-              <a:t> v  </a:t>
-            </a:r>
-          </a:p>
-          <a:p>
-            <a:pPr marL="400050" lvl="1" indent="0">
-              <a:buNone/>
-            </a:pPr>
-            <a:r>
-              <a:rPr lang="en-US" sz="3400" i="1" dirty="0">
-                <a:solidFill>
-                  <a:srgbClr val="8064A2"/>
-                </a:solidFill>
-              </a:rPr>
-              <a:t>if</a:t>
-            </a:r>
-            <a:r>
-              <a:rPr lang="en-US" sz="3400" b="1" dirty="0">
-                <a:solidFill>
-                  <a:srgbClr val="8064A2"/>
-                </a:solidFill>
-                <a:latin typeface="Courier New"/>
-                <a:cs typeface="Courier New"/>
-              </a:rPr>
-              <a:t> </a:t>
-            </a:r>
-            <a:r>
-              <a:rPr lang="en-US" sz="3400" b="1" dirty="0">
-                <a:solidFill>
-                  <a:srgbClr val="F79646"/>
-                </a:solidFill>
-                <a:latin typeface="Courier New"/>
-                <a:cs typeface="Courier New"/>
-              </a:rPr>
-              <a:t>⟨</a:t>
-            </a:r>
-            <a:r>
-              <a:rPr lang="en-US" sz="3400" b="1" dirty="0" err="1">
-                <a:solidFill>
-                  <a:srgbClr val="F79646"/>
-                </a:solidFill>
-                <a:latin typeface="Courier New"/>
-                <a:cs typeface="Courier New"/>
-              </a:rPr>
-              <a:t>env</a:t>
-            </a:r>
-            <a:r>
-              <a:rPr lang="en-US" sz="3400" b="1" dirty="0">
-                <a:solidFill>
-                  <a:srgbClr val="F79646"/>
-                </a:solidFill>
-                <a:latin typeface="Courier New"/>
-                <a:cs typeface="Courier New"/>
-              </a:rPr>
-              <a:t>,</a:t>
-            </a:r>
-            <a:r>
-              <a:rPr lang="en-US" sz="3400" b="1" dirty="0">
-                <a:solidFill>
-                  <a:srgbClr val="8064A2"/>
-                </a:solidFill>
-                <a:latin typeface="Courier New"/>
-                <a:cs typeface="Courier New"/>
-              </a:rPr>
-              <a:t> e1</a:t>
-            </a:r>
-            <a:r>
-              <a:rPr lang="en-US" sz="3400" b="1" dirty="0">
-                <a:solidFill>
-                  <a:srgbClr val="F79646"/>
-                </a:solidFill>
-                <a:latin typeface="Courier New"/>
-                <a:cs typeface="Courier New"/>
-              </a:rPr>
-              <a:t>⟩</a:t>
-            </a:r>
-            <a:r>
-              <a:rPr lang="en-US" sz="3400" b="1" dirty="0">
-                <a:solidFill>
-                  <a:srgbClr val="8064A2"/>
-                </a:solidFill>
-                <a:latin typeface="Courier New"/>
-                <a:cs typeface="Courier New"/>
-              </a:rPr>
-              <a:t> </a:t>
-            </a:r>
-            <a:r>
-              <a:rPr lang="en-US" sz="3600" b="1" dirty="0">
-                <a:solidFill>
-                  <a:srgbClr val="1F497D"/>
-                </a:solidFill>
-                <a:latin typeface="Courier New"/>
-                <a:cs typeface="Courier New"/>
-              </a:rPr>
-              <a:t>⟹</a:t>
-            </a:r>
-            <a:r>
-              <a:rPr lang="en-US" sz="3400" b="1" dirty="0">
-                <a:solidFill>
-                  <a:srgbClr val="8064A2"/>
-                </a:solidFill>
-                <a:latin typeface="Courier New"/>
-                <a:cs typeface="Courier New"/>
-              </a:rPr>
-              <a:t> v1</a:t>
-            </a:r>
-          </a:p>
-          <a:p>
-            <a:pPr marL="400050" lvl="1" indent="0">
-              <a:buNone/>
-            </a:pPr>
-            <a:r>
-              <a:rPr lang="en-US" sz="3400" i="1" dirty="0">
-                <a:solidFill>
-                  <a:srgbClr val="8064A2"/>
-                </a:solidFill>
-              </a:rPr>
-              <a:t>and</a:t>
-            </a:r>
-            <a:r>
-              <a:rPr lang="en-US" sz="3400" b="1" dirty="0">
-                <a:solidFill>
-                  <a:srgbClr val="8064A2"/>
-                </a:solidFill>
-                <a:latin typeface="Courier New"/>
-                <a:cs typeface="Courier New"/>
-              </a:rPr>
-              <a:t> </a:t>
-            </a:r>
-            <a:r>
-              <a:rPr lang="en-US" sz="3400" b="1" dirty="0">
-                <a:solidFill>
-                  <a:srgbClr val="F79646"/>
-                </a:solidFill>
-                <a:latin typeface="Courier New"/>
-                <a:cs typeface="Courier New"/>
-              </a:rPr>
-              <a:t>⟨</a:t>
-            </a:r>
-            <a:r>
-              <a:rPr lang="en-US" sz="3400" b="1" dirty="0" err="1">
-                <a:solidFill>
-                  <a:srgbClr val="F79646"/>
-                </a:solidFill>
-                <a:latin typeface="Courier New"/>
-                <a:cs typeface="Courier New"/>
-              </a:rPr>
-              <a:t>env</a:t>
-            </a:r>
-            <a:r>
-              <a:rPr lang="en-US" sz="3400" b="1" dirty="0">
-                <a:solidFill>
-                  <a:srgbClr val="F79646"/>
-                </a:solidFill>
-                <a:latin typeface="Courier New"/>
-                <a:cs typeface="Courier New"/>
-              </a:rPr>
-              <a:t>,</a:t>
-            </a:r>
-            <a:r>
-              <a:rPr lang="en-US" sz="3400" b="1" dirty="0">
-                <a:solidFill>
-                  <a:srgbClr val="8064A2"/>
-                </a:solidFill>
-                <a:latin typeface="Courier New"/>
-                <a:cs typeface="Courier New"/>
-              </a:rPr>
-              <a:t> e2</a:t>
-            </a:r>
-            <a:r>
-              <a:rPr lang="en-US" sz="3400" b="1" dirty="0">
-                <a:solidFill>
-                  <a:srgbClr val="F79646"/>
-                </a:solidFill>
-                <a:latin typeface="Courier New"/>
-                <a:cs typeface="Courier New"/>
-              </a:rPr>
-              <a:t>⟩</a:t>
-            </a:r>
-            <a:r>
-              <a:rPr lang="en-US" sz="3400" b="1" dirty="0">
-                <a:solidFill>
-                  <a:srgbClr val="8064A2"/>
-                </a:solidFill>
-                <a:latin typeface="Courier New"/>
-                <a:cs typeface="Courier New"/>
-              </a:rPr>
-              <a:t> </a:t>
-            </a:r>
-            <a:r>
-              <a:rPr lang="en-US" sz="3600" b="1" dirty="0">
-                <a:solidFill>
-                  <a:srgbClr val="1F497D"/>
-                </a:solidFill>
-                <a:latin typeface="Courier New"/>
-                <a:cs typeface="Courier New"/>
-              </a:rPr>
-              <a:t>⟹</a:t>
-            </a:r>
-            <a:r>
-              <a:rPr lang="en-US" sz="3400" b="1" dirty="0">
-                <a:solidFill>
-                  <a:srgbClr val="8064A2"/>
-                </a:solidFill>
-                <a:latin typeface="Courier New"/>
-                <a:cs typeface="Courier New"/>
-              </a:rPr>
-              <a:t> v2</a:t>
-            </a:r>
-          </a:p>
-          <a:p>
-            <a:pPr marL="400050" lvl="1" indent="0">
-              <a:buNone/>
-            </a:pPr>
-            <a:r>
-              <a:rPr lang="en-US" sz="3400" i="1" dirty="0">
-                <a:solidFill>
-                  <a:srgbClr val="8064A2"/>
-                </a:solidFill>
-              </a:rPr>
-              <a:t>and </a:t>
             </a:r>
             <a:r>
               <a:rPr lang="en-US" sz="3400" b="1" dirty="0">
@@ -9584,22 +9665,16 @@
                   <a:srgbClr val="8064A2"/>
                 </a:solidFill>
               </a:rPr>
-              <a:t> is the result of </a:t>
-            </a:r>
-            <a:br>
+              <a:t> </a:t>
+            </a:r>
+            <a:r>
               <a:rPr lang="en-US" sz="3400" i="1" dirty="0">
                 <a:solidFill>
                   <a:srgbClr val="8064A2"/>
                 </a:solidFill>
-              </a:rPr>
-            </a:br>
-            <a:r>
-              <a:rPr lang="en-US" sz="3400" i="1" dirty="0">
-                <a:solidFill>
-                  <a:srgbClr val="8064A2"/>
-                </a:solidFill>
-              </a:rPr>
-              <a:t>primitive operation  </a:t>
+                <a:latin typeface="Cronos Pro" panose="020C0502030403020304" pitchFamily="34" charset="77"/>
+              </a:rPr>
+              <a:t>is  </a:t>
             </a:r>
             <a:r>
               <a:rPr lang="en-US" sz="3400" b="1" dirty="0">
@@ -9664,7 +9739,731 @@
           <a:p>
             <a:r>
               <a:rPr lang="en-US" dirty="0"/>
-              <a:t>Let</a:t>
+              <a:t>If expressions</a:t>
+            </a:r>
+          </a:p>
+        </p:txBody>
+      </p:sp>
+      <p:sp>
+        <p:nvSpPr>
+          <p:cNvPr id="3" name="Content Placeholder 2"/>
+          <p:cNvSpPr>
+            <a:spLocks noGrp="1"/>
+          </p:cNvSpPr>
+          <p:nvPr>
+            <p:ph idx="1"/>
+          </p:nvPr>
+        </p:nvSpPr>
+        <p:spPr/>
+        <p:txBody>
+          <a:bodyPr>
+            <a:normAutofit fontScale="92500"/>
+          </a:bodyPr>
+          <a:lstStyle/>
+          <a:p>
+            <a:pPr marL="0" indent="0">
+              <a:buNone/>
+            </a:pPr>
+            <a:r>
+              <a:rPr lang="en-US" b="1" dirty="0">
+                <a:solidFill>
+                  <a:schemeClr val="accent6"/>
+                </a:solidFill>
+                <a:latin typeface="Courier New"/>
+                <a:cs typeface="Courier New"/>
+              </a:rPr>
+              <a:t>⟨</a:t>
+            </a:r>
+            <a:r>
+              <a:rPr lang="en-US" b="1" dirty="0" err="1">
+                <a:solidFill>
+                  <a:schemeClr val="accent6"/>
+                </a:solidFill>
+                <a:latin typeface="Courier New"/>
+                <a:cs typeface="Courier New"/>
+              </a:rPr>
+              <a:t>env</a:t>
+            </a:r>
+            <a:r>
+              <a:rPr lang="en-US" b="1" dirty="0">
+                <a:solidFill>
+                  <a:schemeClr val="accent6"/>
+                </a:solidFill>
+                <a:latin typeface="Courier New"/>
+                <a:cs typeface="Courier New"/>
+              </a:rPr>
+              <a:t>, </a:t>
+            </a:r>
+            <a:r>
+              <a:rPr lang="en-US" b="1" dirty="0">
+                <a:solidFill>
+                  <a:schemeClr val="accent4"/>
+                </a:solidFill>
+                <a:latin typeface="Courier New"/>
+                <a:cs typeface="Courier New"/>
+              </a:rPr>
+              <a:t>if e1 then e2 else e3</a:t>
+            </a:r>
+            <a:r>
+              <a:rPr lang="en-US" b="1" dirty="0">
+                <a:solidFill>
+                  <a:schemeClr val="accent6"/>
+                </a:solidFill>
+                <a:latin typeface="Courier New"/>
+                <a:cs typeface="Courier New"/>
+              </a:rPr>
+              <a:t>⟩</a:t>
+            </a:r>
+            <a:r>
+              <a:rPr lang="en-US" b="1" dirty="0">
+                <a:solidFill>
+                  <a:schemeClr val="accent4"/>
+                </a:solidFill>
+                <a:latin typeface="Courier New"/>
+                <a:cs typeface="Courier New"/>
+              </a:rPr>
+              <a:t> </a:t>
+            </a:r>
+            <a:r>
+              <a:rPr lang="en-US" b="1" dirty="0">
+                <a:solidFill>
+                  <a:srgbClr val="1F497D"/>
+                </a:solidFill>
+                <a:latin typeface="Courier New"/>
+                <a:cs typeface="Courier New"/>
+              </a:rPr>
+              <a:t>⟹</a:t>
+            </a:r>
+            <a:r>
+              <a:rPr lang="en-US" b="1" dirty="0">
+                <a:solidFill>
+                  <a:schemeClr val="accent4"/>
+                </a:solidFill>
+                <a:latin typeface="Courier New"/>
+                <a:cs typeface="Courier New"/>
+              </a:rPr>
+              <a:t> v2</a:t>
+            </a:r>
+          </a:p>
+          <a:p>
+            <a:pPr marL="0" indent="0">
+              <a:buNone/>
+            </a:pPr>
+            <a:r>
+              <a:rPr lang="en-US" b="1" dirty="0">
+                <a:solidFill>
+                  <a:schemeClr val="accent4"/>
+                </a:solidFill>
+                <a:latin typeface="Courier New"/>
+                <a:cs typeface="Courier New"/>
+              </a:rPr>
+              <a:t>	</a:t>
+            </a:r>
+            <a:r>
+              <a:rPr lang="en-US" i="1" dirty="0">
+                <a:solidFill>
+                  <a:schemeClr val="accent4"/>
+                </a:solidFill>
+                <a:latin typeface="Cronos Pro" panose="020C0502030403020304" pitchFamily="34" charset="77"/>
+                <a:cs typeface="Courier New"/>
+              </a:rPr>
+              <a:t>if</a:t>
+            </a:r>
+            <a:r>
+              <a:rPr lang="en-US" b="1" dirty="0">
+                <a:solidFill>
+                  <a:schemeClr val="accent4"/>
+                </a:solidFill>
+                <a:latin typeface="Courier New"/>
+                <a:cs typeface="Courier New"/>
+              </a:rPr>
+              <a:t> </a:t>
+            </a:r>
+            <a:r>
+              <a:rPr lang="en-US" b="1" dirty="0">
+                <a:solidFill>
+                  <a:schemeClr val="accent6"/>
+                </a:solidFill>
+                <a:latin typeface="Courier New"/>
+                <a:cs typeface="Courier New"/>
+              </a:rPr>
+              <a:t>⟨</a:t>
+            </a:r>
+            <a:r>
+              <a:rPr lang="en-US" b="1" dirty="0" err="1">
+                <a:solidFill>
+                  <a:schemeClr val="accent6"/>
+                </a:solidFill>
+                <a:latin typeface="Courier New"/>
+                <a:cs typeface="Courier New"/>
+              </a:rPr>
+              <a:t>env</a:t>
+            </a:r>
+            <a:r>
+              <a:rPr lang="en-US" b="1" dirty="0">
+                <a:solidFill>
+                  <a:schemeClr val="accent6"/>
+                </a:solidFill>
+                <a:latin typeface="Courier New"/>
+                <a:cs typeface="Courier New"/>
+              </a:rPr>
+              <a:t>, </a:t>
+            </a:r>
+            <a:r>
+              <a:rPr lang="en-US" b="1" dirty="0">
+                <a:solidFill>
+                  <a:schemeClr val="accent4"/>
+                </a:solidFill>
+                <a:latin typeface="Courier New"/>
+                <a:cs typeface="Courier New"/>
+              </a:rPr>
+              <a:t>e1</a:t>
+            </a:r>
+            <a:r>
+              <a:rPr lang="en-US" b="1" dirty="0">
+                <a:solidFill>
+                  <a:schemeClr val="accent6"/>
+                </a:solidFill>
+                <a:latin typeface="Courier New"/>
+                <a:cs typeface="Courier New"/>
+              </a:rPr>
+              <a:t>⟩</a:t>
+            </a:r>
+            <a:r>
+              <a:rPr lang="en-US" b="1" dirty="0">
+                <a:solidFill>
+                  <a:schemeClr val="accent4"/>
+                </a:solidFill>
+                <a:latin typeface="Courier New"/>
+                <a:cs typeface="Courier New"/>
+              </a:rPr>
+              <a:t> </a:t>
+            </a:r>
+            <a:r>
+              <a:rPr lang="en-US" b="1" dirty="0">
+                <a:solidFill>
+                  <a:srgbClr val="1F497D"/>
+                </a:solidFill>
+                <a:latin typeface="Courier New"/>
+                <a:cs typeface="Courier New"/>
+              </a:rPr>
+              <a:t>⟹</a:t>
+            </a:r>
+            <a:r>
+              <a:rPr lang="en-US" b="1" dirty="0">
+                <a:solidFill>
+                  <a:schemeClr val="accent4"/>
+                </a:solidFill>
+                <a:latin typeface="Courier New"/>
+                <a:cs typeface="Courier New"/>
+              </a:rPr>
+              <a:t> true</a:t>
+            </a:r>
+          </a:p>
+          <a:p>
+            <a:pPr marL="0" indent="0">
+              <a:buNone/>
+            </a:pPr>
+            <a:r>
+              <a:rPr lang="en-US" b="1" dirty="0">
+                <a:solidFill>
+                  <a:schemeClr val="accent4"/>
+                </a:solidFill>
+                <a:latin typeface="Courier New"/>
+                <a:cs typeface="Courier New"/>
+              </a:rPr>
+              <a:t>	</a:t>
+            </a:r>
+            <a:r>
+              <a:rPr lang="en-US" i="1" dirty="0">
+                <a:solidFill>
+                  <a:schemeClr val="accent4"/>
+                </a:solidFill>
+                <a:latin typeface="Cronos Pro" panose="020C0502030403020304" pitchFamily="34" charset="77"/>
+                <a:cs typeface="Courier New"/>
+              </a:rPr>
+              <a:t>and</a:t>
+            </a:r>
+            <a:r>
+              <a:rPr lang="en-US" b="1" dirty="0">
+                <a:solidFill>
+                  <a:schemeClr val="accent4"/>
+                </a:solidFill>
+                <a:latin typeface="Courier New"/>
+                <a:cs typeface="Courier New"/>
+              </a:rPr>
+              <a:t> </a:t>
+            </a:r>
+            <a:r>
+              <a:rPr lang="en-US" b="1" dirty="0">
+                <a:solidFill>
+                  <a:schemeClr val="accent6"/>
+                </a:solidFill>
+                <a:latin typeface="Courier New"/>
+                <a:cs typeface="Courier New"/>
+              </a:rPr>
+              <a:t>⟨</a:t>
+            </a:r>
+            <a:r>
+              <a:rPr lang="en-US" b="1" dirty="0" err="1">
+                <a:solidFill>
+                  <a:schemeClr val="accent6"/>
+                </a:solidFill>
+                <a:latin typeface="Courier New"/>
+                <a:cs typeface="Courier New"/>
+              </a:rPr>
+              <a:t>env</a:t>
+            </a:r>
+            <a:r>
+              <a:rPr lang="en-US" b="1" dirty="0">
+                <a:solidFill>
+                  <a:schemeClr val="accent6"/>
+                </a:solidFill>
+                <a:latin typeface="Courier New"/>
+                <a:cs typeface="Courier New"/>
+              </a:rPr>
+              <a:t>, </a:t>
+            </a:r>
+            <a:r>
+              <a:rPr lang="en-US" b="1" dirty="0">
+                <a:solidFill>
+                  <a:schemeClr val="accent4"/>
+                </a:solidFill>
+                <a:latin typeface="Courier New"/>
+                <a:cs typeface="Courier New"/>
+              </a:rPr>
+              <a:t>e2</a:t>
+            </a:r>
+            <a:r>
+              <a:rPr lang="en-US" b="1" dirty="0">
+                <a:solidFill>
+                  <a:schemeClr val="accent6"/>
+                </a:solidFill>
+                <a:latin typeface="Courier New"/>
+                <a:cs typeface="Courier New"/>
+              </a:rPr>
+              <a:t>⟩</a:t>
+            </a:r>
+            <a:r>
+              <a:rPr lang="en-US" b="1" dirty="0">
+                <a:solidFill>
+                  <a:schemeClr val="accent4"/>
+                </a:solidFill>
+                <a:latin typeface="Courier New"/>
+                <a:cs typeface="Courier New"/>
+              </a:rPr>
+              <a:t> </a:t>
+            </a:r>
+            <a:r>
+              <a:rPr lang="en-US" b="1" dirty="0">
+                <a:solidFill>
+                  <a:srgbClr val="1F497D"/>
+                </a:solidFill>
+                <a:latin typeface="Courier New"/>
+                <a:cs typeface="Courier New"/>
+              </a:rPr>
+              <a:t>⟹</a:t>
+            </a:r>
+            <a:r>
+              <a:rPr lang="en-US" b="1" dirty="0">
+                <a:solidFill>
+                  <a:schemeClr val="accent4"/>
+                </a:solidFill>
+                <a:latin typeface="Courier New"/>
+                <a:cs typeface="Courier New"/>
+              </a:rPr>
+              <a:t> v2</a:t>
+            </a:r>
+          </a:p>
+          <a:p>
+            <a:pPr marL="0" indent="0">
+              <a:buNone/>
+            </a:pPr>
+            <a:endParaRPr lang="en-US" b="1" dirty="0">
+              <a:solidFill>
+                <a:schemeClr val="accent4"/>
+              </a:solidFill>
+              <a:latin typeface="Courier New"/>
+              <a:cs typeface="Courier New"/>
+            </a:endParaRPr>
+          </a:p>
+          <a:p>
+            <a:pPr marL="0" indent="0">
+              <a:buNone/>
+            </a:pPr>
+            <a:r>
+              <a:rPr lang="en-US" b="1" dirty="0">
+                <a:solidFill>
+                  <a:schemeClr val="accent6"/>
+                </a:solidFill>
+                <a:latin typeface="Courier New"/>
+                <a:cs typeface="Courier New"/>
+              </a:rPr>
+              <a:t>⟨</a:t>
+            </a:r>
+            <a:r>
+              <a:rPr lang="en-US" b="1" dirty="0" err="1">
+                <a:solidFill>
+                  <a:schemeClr val="accent6"/>
+                </a:solidFill>
+                <a:latin typeface="Courier New"/>
+                <a:cs typeface="Courier New"/>
+              </a:rPr>
+              <a:t>env</a:t>
+            </a:r>
+            <a:r>
+              <a:rPr lang="en-US" b="1" dirty="0">
+                <a:solidFill>
+                  <a:schemeClr val="accent6"/>
+                </a:solidFill>
+                <a:latin typeface="Courier New"/>
+                <a:cs typeface="Courier New"/>
+              </a:rPr>
+              <a:t>, </a:t>
+            </a:r>
+            <a:r>
+              <a:rPr lang="en-US" b="1" dirty="0">
+                <a:solidFill>
+                  <a:schemeClr val="accent4"/>
+                </a:solidFill>
+                <a:latin typeface="Courier New"/>
+                <a:cs typeface="Courier New"/>
+              </a:rPr>
+              <a:t>if e1 then e2 else e3</a:t>
+            </a:r>
+            <a:r>
+              <a:rPr lang="en-US" b="1" dirty="0">
+                <a:solidFill>
+                  <a:schemeClr val="accent6"/>
+                </a:solidFill>
+                <a:latin typeface="Courier New"/>
+                <a:cs typeface="Courier New"/>
+              </a:rPr>
+              <a:t>⟩</a:t>
+            </a:r>
+            <a:r>
+              <a:rPr lang="en-US" b="1" dirty="0">
+                <a:solidFill>
+                  <a:schemeClr val="accent4"/>
+                </a:solidFill>
+                <a:latin typeface="Courier New"/>
+                <a:cs typeface="Courier New"/>
+              </a:rPr>
+              <a:t> </a:t>
+            </a:r>
+            <a:r>
+              <a:rPr lang="en-US" b="1" dirty="0">
+                <a:solidFill>
+                  <a:srgbClr val="1F497D"/>
+                </a:solidFill>
+                <a:latin typeface="Courier New"/>
+                <a:cs typeface="Courier New"/>
+              </a:rPr>
+              <a:t>⟹</a:t>
+            </a:r>
+            <a:r>
+              <a:rPr lang="en-US" b="1" dirty="0">
+                <a:solidFill>
+                  <a:schemeClr val="accent4"/>
+                </a:solidFill>
+                <a:latin typeface="Courier New"/>
+                <a:cs typeface="Courier New"/>
+              </a:rPr>
+              <a:t> v3</a:t>
+            </a:r>
+          </a:p>
+          <a:p>
+            <a:pPr marL="0" indent="0">
+              <a:buNone/>
+            </a:pPr>
+            <a:r>
+              <a:rPr lang="en-US" b="1" dirty="0">
+                <a:solidFill>
+                  <a:schemeClr val="accent4"/>
+                </a:solidFill>
+                <a:latin typeface="Courier New"/>
+                <a:cs typeface="Courier New"/>
+              </a:rPr>
+              <a:t>	</a:t>
+            </a:r>
+            <a:r>
+              <a:rPr lang="en-US" i="1" dirty="0">
+                <a:solidFill>
+                  <a:schemeClr val="accent4"/>
+                </a:solidFill>
+                <a:latin typeface="Cronos Pro" panose="020C0502030403020304" pitchFamily="34" charset="77"/>
+                <a:cs typeface="Courier New"/>
+              </a:rPr>
+              <a:t>if</a:t>
+            </a:r>
+            <a:r>
+              <a:rPr lang="en-US" b="1" dirty="0">
+                <a:solidFill>
+                  <a:schemeClr val="accent4"/>
+                </a:solidFill>
+                <a:latin typeface="Courier New"/>
+                <a:cs typeface="Courier New"/>
+              </a:rPr>
+              <a:t> </a:t>
+            </a:r>
+            <a:r>
+              <a:rPr lang="en-US" b="1" dirty="0">
+                <a:solidFill>
+                  <a:schemeClr val="accent6"/>
+                </a:solidFill>
+                <a:latin typeface="Courier New"/>
+                <a:cs typeface="Courier New"/>
+              </a:rPr>
+              <a:t>⟨</a:t>
+            </a:r>
+            <a:r>
+              <a:rPr lang="en-US" b="1" dirty="0" err="1">
+                <a:solidFill>
+                  <a:schemeClr val="accent6"/>
+                </a:solidFill>
+                <a:latin typeface="Courier New"/>
+                <a:cs typeface="Courier New"/>
+              </a:rPr>
+              <a:t>env</a:t>
+            </a:r>
+            <a:r>
+              <a:rPr lang="en-US" b="1" dirty="0">
+                <a:solidFill>
+                  <a:schemeClr val="accent6"/>
+                </a:solidFill>
+                <a:latin typeface="Courier New"/>
+                <a:cs typeface="Courier New"/>
+              </a:rPr>
+              <a:t>, </a:t>
+            </a:r>
+            <a:r>
+              <a:rPr lang="en-US" b="1" dirty="0">
+                <a:solidFill>
+                  <a:schemeClr val="accent4"/>
+                </a:solidFill>
+                <a:latin typeface="Courier New"/>
+                <a:cs typeface="Courier New"/>
+              </a:rPr>
+              <a:t>e1</a:t>
+            </a:r>
+            <a:r>
+              <a:rPr lang="en-US" b="1" dirty="0">
+                <a:solidFill>
+                  <a:schemeClr val="accent6"/>
+                </a:solidFill>
+                <a:latin typeface="Courier New"/>
+                <a:cs typeface="Courier New"/>
+              </a:rPr>
+              <a:t>⟩</a:t>
+            </a:r>
+            <a:r>
+              <a:rPr lang="en-US" b="1" dirty="0">
+                <a:solidFill>
+                  <a:schemeClr val="accent4"/>
+                </a:solidFill>
+                <a:latin typeface="Courier New"/>
+                <a:cs typeface="Courier New"/>
+              </a:rPr>
+              <a:t> </a:t>
+            </a:r>
+            <a:r>
+              <a:rPr lang="en-US" b="1" dirty="0">
+                <a:solidFill>
+                  <a:srgbClr val="1F497D"/>
+                </a:solidFill>
+                <a:latin typeface="Courier New"/>
+                <a:cs typeface="Courier New"/>
+              </a:rPr>
+              <a:t>⟹</a:t>
+            </a:r>
+            <a:r>
+              <a:rPr lang="en-US" b="1" dirty="0">
+                <a:solidFill>
+                  <a:schemeClr val="accent4"/>
+                </a:solidFill>
+                <a:latin typeface="Courier New"/>
+                <a:cs typeface="Courier New"/>
+              </a:rPr>
+              <a:t> false</a:t>
+            </a:r>
+          </a:p>
+          <a:p>
+            <a:pPr marL="0" indent="0">
+              <a:buNone/>
+            </a:pPr>
+            <a:r>
+              <a:rPr lang="en-US" b="1" dirty="0">
+                <a:solidFill>
+                  <a:schemeClr val="accent4"/>
+                </a:solidFill>
+                <a:latin typeface="Courier New"/>
+                <a:cs typeface="Courier New"/>
+              </a:rPr>
+              <a:t>	</a:t>
+            </a:r>
+            <a:r>
+              <a:rPr lang="en-US" i="1" dirty="0">
+                <a:solidFill>
+                  <a:schemeClr val="accent4"/>
+                </a:solidFill>
+                <a:latin typeface="Cronos Pro" panose="020C0502030403020304" pitchFamily="34" charset="77"/>
+                <a:cs typeface="Courier New"/>
+              </a:rPr>
+              <a:t>and</a:t>
+            </a:r>
+            <a:r>
+              <a:rPr lang="en-US" b="1" dirty="0">
+                <a:solidFill>
+                  <a:schemeClr val="accent4"/>
+                </a:solidFill>
+                <a:latin typeface="Courier New"/>
+                <a:cs typeface="Courier New"/>
+              </a:rPr>
+              <a:t> </a:t>
+            </a:r>
+            <a:r>
+              <a:rPr lang="en-US" b="1" dirty="0">
+                <a:solidFill>
+                  <a:schemeClr val="accent6"/>
+                </a:solidFill>
+                <a:latin typeface="Courier New"/>
+                <a:cs typeface="Courier New"/>
+              </a:rPr>
+              <a:t>⟨</a:t>
+            </a:r>
+            <a:r>
+              <a:rPr lang="en-US" b="1" dirty="0" err="1">
+                <a:solidFill>
+                  <a:schemeClr val="accent6"/>
+                </a:solidFill>
+                <a:latin typeface="Courier New"/>
+                <a:cs typeface="Courier New"/>
+              </a:rPr>
+              <a:t>env</a:t>
+            </a:r>
+            <a:r>
+              <a:rPr lang="en-US" b="1" dirty="0">
+                <a:solidFill>
+                  <a:schemeClr val="accent6"/>
+                </a:solidFill>
+                <a:latin typeface="Courier New"/>
+                <a:cs typeface="Courier New"/>
+              </a:rPr>
+              <a:t>, </a:t>
+            </a:r>
+            <a:r>
+              <a:rPr lang="en-US" b="1" dirty="0">
+                <a:solidFill>
+                  <a:schemeClr val="accent4"/>
+                </a:solidFill>
+                <a:latin typeface="Courier New"/>
+                <a:cs typeface="Courier New"/>
+              </a:rPr>
+              <a:t>e3</a:t>
+            </a:r>
+            <a:r>
+              <a:rPr lang="en-US" b="1" dirty="0">
+                <a:solidFill>
+                  <a:schemeClr val="accent6"/>
+                </a:solidFill>
+                <a:latin typeface="Courier New"/>
+                <a:cs typeface="Courier New"/>
+              </a:rPr>
+              <a:t>⟩</a:t>
+            </a:r>
+            <a:r>
+              <a:rPr lang="en-US" b="1" dirty="0">
+                <a:solidFill>
+                  <a:schemeClr val="accent4"/>
+                </a:solidFill>
+                <a:latin typeface="Courier New"/>
+                <a:cs typeface="Courier New"/>
+              </a:rPr>
+              <a:t> </a:t>
+            </a:r>
+            <a:r>
+              <a:rPr lang="en-US" b="1" dirty="0">
+                <a:solidFill>
+                  <a:srgbClr val="1F497D"/>
+                </a:solidFill>
+                <a:latin typeface="Courier New"/>
+                <a:cs typeface="Courier New"/>
+              </a:rPr>
+              <a:t>⟹</a:t>
+            </a:r>
+            <a:r>
+              <a:rPr lang="en-US" b="1" dirty="0">
+                <a:solidFill>
+                  <a:schemeClr val="accent4"/>
+                </a:solidFill>
+                <a:latin typeface="Courier New"/>
+                <a:cs typeface="Courier New"/>
+              </a:rPr>
+              <a:t> v3</a:t>
+            </a:r>
+          </a:p>
+          <a:p>
+            <a:pPr marL="0" indent="0">
+              <a:buNone/>
+            </a:pPr>
+            <a:endParaRPr lang="en-US" b="1" dirty="0">
+              <a:solidFill>
+                <a:schemeClr val="accent4"/>
+              </a:solidFill>
+              <a:latin typeface="Courier New"/>
+              <a:cs typeface="Courier New"/>
+            </a:endParaRPr>
+          </a:p>
+        </p:txBody>
+      </p:sp>
+    </p:spTree>
+    <p:extLst>
+      <p:ext uri="{BB962C8B-B14F-4D97-AF65-F5344CB8AC3E}">
+        <p14:creationId xmlns:p14="http://schemas.microsoft.com/office/powerpoint/2010/main" val="2653445777"/>
+      </p:ext>
+    </p:extLst>
+  </p:cSld>
+  <p:clrMapOvr>
+    <a:masterClrMapping/>
+  </p:clrMapOvr>
+</p:sld>
+</file>
+
+<file path=ppt/slides/slide19.xml><?xml version="1.0" encoding="utf-8"?>
+<p:sld xmlns:a="http://schemas.openxmlformats.org/drawingml/2006/main" xmlns:r="http://schemas.openxmlformats.org/officeDocument/2006/relationships" xmlns:p="http://schemas.openxmlformats.org/presentationml/2006/main">
+  <p:cSld>
+    <p:spTree>
+      <p:nvGrpSpPr>
+        <p:cNvPr id="1" name=""/>
+        <p:cNvGrpSpPr/>
+        <p:nvPr/>
+      </p:nvGrpSpPr>
+      <p:grpSpPr>
+        <a:xfrm>
+          <a:off x="0" y="0"/>
+          <a:ext cx="0" cy="0"/>
+          <a:chOff x="0" y="0"/>
+          <a:chExt cx="0" cy="0"/>
+        </a:xfrm>
+      </p:grpSpPr>
+      <p:sp>
+        <p:nvSpPr>
+          <p:cNvPr id="2" name="Title 1"/>
+          <p:cNvSpPr>
+            <a:spLocks noGrp="1"/>
+          </p:cNvSpPr>
+          <p:nvPr>
+            <p:ph type="title"/>
+          </p:nvPr>
+        </p:nvSpPr>
+        <p:spPr/>
+        <p:txBody>
+          <a:bodyPr/>
+          <a:lstStyle/>
+          <a:p>
+            <a:r>
+              <a:rPr lang="en-US" dirty="0"/>
+              <a:t>Let expressions</a:t>
             </a:r>
           </a:p>
         </p:txBody>
@@ -9752,7 +10551,27 @@
                 <a:latin typeface="Courier New"/>
                 <a:cs typeface="Courier New"/>
               </a:rPr>
-              <a:t>  if ⟨</a:t>
+              <a:t>  </a:t>
+            </a:r>
+            <a:r>
+              <a:rPr lang="en-US" i="1" dirty="0">
+                <a:solidFill>
+                  <a:schemeClr val="accent4"/>
+                </a:solidFill>
+                <a:latin typeface="Cronos Pro" panose="020C0502030403020304" pitchFamily="34" charset="77"/>
+                <a:cs typeface="Courier New"/>
+              </a:rPr>
+              <a:t>if</a:t>
+            </a:r>
+            <a:r>
+              <a:rPr lang="en-US" b="1" dirty="0">
+                <a:solidFill>
+                  <a:schemeClr val="accent4"/>
+                </a:solidFill>
+                <a:latin typeface="Courier New"/>
+                <a:cs typeface="Courier New"/>
+              </a:rPr>
+              <a:t> ⟨</a:t>
             </a:r>
             <a:r>
               <a:rPr lang="en-US" b="1" dirty="0" err="1">
@@ -9807,7 +10626,27 @@
                 <a:latin typeface="Courier New"/>
                 <a:cs typeface="Courier New"/>
               </a:rPr>
-              <a:t>  and ⟨</a:t>
+              <a:t>  </a:t>
+            </a:r>
+            <a:r>
+              <a:rPr lang="en-US" i="1" dirty="0">
+                <a:solidFill>
+                  <a:schemeClr val="accent4"/>
+                </a:solidFill>
+                <a:latin typeface="Cronos Pro" panose="020C0502030403020304" pitchFamily="34" charset="77"/>
+                <a:cs typeface="Courier New"/>
+              </a:rPr>
+              <a:t>and</a:t>
+            </a:r>
+            <a:r>
+              <a:rPr lang="en-US" b="1" dirty="0">
+                <a:solidFill>
+                  <a:schemeClr val="accent4"/>
+                </a:solidFill>
+                <a:latin typeface="Courier New"/>
+                <a:cs typeface="Courier New"/>
+              </a:rPr>
+              <a:t> ⟨</a:t>
             </a:r>
             <a:r>
               <a:rPr lang="en-US" b="1" dirty="0" err="1">
@@ -10095,248 +10934,6 @@
 </p:sld>
 </file>
 
-<file path=ppt/slides/slide19.xml><?xml version="1.0" encoding="utf-8"?>
-<p:sld xmlns:a="http://schemas.openxmlformats.org/drawingml/2006/main" xmlns:r="http://schemas.openxmlformats.org/officeDocument/2006/relationships" xmlns:p="http://schemas.openxmlformats.org/presentationml/2006/main">
-  <p:cSld>
-    <p:spTree>
-      <p:nvGrpSpPr>
-        <p:cNvPr id="1" name=""/>
-        <p:cNvGrpSpPr/>
-        <p:nvPr/>
-      </p:nvGrpSpPr>
-      <p:grpSpPr>
-        <a:xfrm>
-          <a:off x="0" y="0"/>
-          <a:ext cx="0" cy="0"/>
-          <a:chOff x="0" y="0"/>
-          <a:chExt cx="0" cy="0"/>
-        </a:xfrm>
-      </p:grpSpPr>
-      <p:sp>
-        <p:nvSpPr>
-          <p:cNvPr id="2" name="Title 1"/>
-          <p:cNvSpPr>
-            <a:spLocks noGrp="1"/>
-          </p:cNvSpPr>
-          <p:nvPr>
-            <p:ph type="title"/>
-          </p:nvPr>
-        </p:nvSpPr>
-        <p:spPr/>
-        <p:txBody>
-          <a:bodyPr/>
-          <a:lstStyle/>
-          <a:p>
-            <a:r>
-              <a:rPr lang="en-US" dirty="0"/>
-              <a:t>Variables</a:t>
-            </a:r>
-          </a:p>
-        </p:txBody>
-      </p:sp>
-      <p:sp>
-        <p:nvSpPr>
-          <p:cNvPr id="3" name="Content Placeholder 2"/>
-          <p:cNvSpPr>
-            <a:spLocks noGrp="1"/>
-          </p:cNvSpPr>
-          <p:nvPr>
-            <p:ph idx="1"/>
-          </p:nvPr>
-        </p:nvSpPr>
-        <p:spPr/>
-        <p:txBody>
-          <a:bodyPr>
-            <a:normAutofit/>
-          </a:bodyPr>
-          <a:lstStyle/>
-          <a:p>
-            <a:pPr marL="0" indent="0">
-              <a:buNone/>
-            </a:pPr>
-            <a:r>
-              <a:rPr lang="en-US" b="1" dirty="0">
-                <a:solidFill>
-                  <a:schemeClr val="accent4"/>
-                </a:solidFill>
-                <a:latin typeface="Courier New"/>
-                <a:cs typeface="Courier New"/>
-              </a:rPr>
-              <a:t>⟨</a:t>
-            </a:r>
-            <a:r>
-              <a:rPr lang="en-US" b="1" dirty="0" err="1">
-                <a:solidFill>
-                  <a:schemeClr val="accent4"/>
-                </a:solidFill>
-                <a:latin typeface="Courier New"/>
-                <a:cs typeface="Courier New"/>
-              </a:rPr>
-              <a:t>env</a:t>
-            </a:r>
-            <a:r>
-              <a:rPr lang="en-US" b="1" dirty="0">
-                <a:solidFill>
-                  <a:schemeClr val="accent4"/>
-                </a:solidFill>
-                <a:latin typeface="Courier New"/>
-                <a:cs typeface="Courier New"/>
-              </a:rPr>
-              <a:t>, x⟩ </a:t>
-            </a:r>
-            <a:r>
-              <a:rPr lang="en-US" b="1" dirty="0">
-                <a:solidFill>
-                  <a:srgbClr val="1F497D"/>
-                </a:solidFill>
-                <a:latin typeface="Courier New"/>
-                <a:cs typeface="Courier New"/>
-              </a:rPr>
-              <a:t>⟹</a:t>
-            </a:r>
-            <a:r>
-              <a:rPr lang="en-US" b="1" dirty="0">
-                <a:solidFill>
-                  <a:schemeClr val="accent4"/>
-                </a:solidFill>
-                <a:latin typeface="Courier New"/>
-                <a:cs typeface="Courier New"/>
-              </a:rPr>
-              <a:t> v</a:t>
-            </a:r>
-          </a:p>
-          <a:p>
-            <a:pPr marL="0" indent="0">
-              <a:buNone/>
-            </a:pPr>
-            <a:r>
-              <a:rPr lang="en-US" dirty="0">
-                <a:solidFill>
-                  <a:schemeClr val="accent4"/>
-                </a:solidFill>
-              </a:rPr>
-              <a:t>	</a:t>
-            </a:r>
-            <a:r>
-              <a:rPr lang="en-US" i="1" dirty="0">
-                <a:solidFill>
-                  <a:schemeClr val="accent4"/>
-                </a:solidFill>
-              </a:rPr>
-              <a:t>if</a:t>
-            </a:r>
-            <a:r>
-              <a:rPr lang="en-US" b="1" dirty="0">
-                <a:solidFill>
-                  <a:schemeClr val="accent4"/>
-                </a:solidFill>
-                <a:latin typeface="Courier New"/>
-                <a:cs typeface="Courier New"/>
-              </a:rPr>
-              <a:t> v = </a:t>
-            </a:r>
-            <a:r>
-              <a:rPr lang="en-US" b="1" dirty="0" err="1">
-                <a:solidFill>
-                  <a:schemeClr val="accent4"/>
-                </a:solidFill>
-                <a:latin typeface="Courier New"/>
-                <a:cs typeface="Courier New"/>
-              </a:rPr>
-              <a:t>env</a:t>
-            </a:r>
-            <a:r>
-              <a:rPr lang="en-US" b="1" dirty="0">
-                <a:solidFill>
-                  <a:schemeClr val="accent4"/>
-                </a:solidFill>
-                <a:latin typeface="Courier New"/>
-                <a:cs typeface="Courier New"/>
-              </a:rPr>
-              <a:t>(x)</a:t>
-            </a:r>
-          </a:p>
-          <a:p>
-            <a:pPr marL="0" indent="0">
-              <a:buNone/>
-            </a:pPr>
-            <a:endParaRPr lang="en-US" b="1" dirty="0">
-              <a:solidFill>
-                <a:schemeClr val="accent4"/>
-              </a:solidFill>
-              <a:latin typeface="Courier New"/>
-              <a:cs typeface="Courier New"/>
-            </a:endParaRPr>
-          </a:p>
-          <a:p>
-            <a:pPr marL="0" indent="0">
-              <a:buNone/>
-            </a:pPr>
-            <a:endParaRPr lang="en-US" b="1" dirty="0">
-              <a:solidFill>
-                <a:schemeClr val="accent4"/>
-              </a:solidFill>
-              <a:latin typeface="Courier New"/>
-              <a:cs typeface="Courier New"/>
-            </a:endParaRPr>
-          </a:p>
-          <a:p>
-            <a:pPr marL="0" indent="0">
-              <a:buNone/>
-            </a:pPr>
-            <a:r>
-              <a:rPr lang="en-US" b="1" dirty="0" err="1">
-                <a:latin typeface="Courier New"/>
-                <a:cs typeface="Courier New"/>
-              </a:rPr>
-              <a:t>env</a:t>
-            </a:r>
-            <a:r>
-              <a:rPr lang="en-US" b="1" dirty="0">
-                <a:latin typeface="Courier New"/>
-                <a:cs typeface="Courier New"/>
-              </a:rPr>
-              <a:t>(x): </a:t>
-            </a:r>
-            <a:r>
-              <a:rPr lang="en-US" dirty="0"/>
-              <a:t>the value to which </a:t>
-            </a:r>
-            <a:r>
-              <a:rPr lang="en-US" b="1" dirty="0" err="1">
-                <a:latin typeface="Courier New"/>
-                <a:cs typeface="Courier New"/>
-              </a:rPr>
-              <a:t>env</a:t>
-            </a:r>
-            <a:r>
-              <a:rPr lang="en-US" dirty="0"/>
-              <a:t> binds </a:t>
-            </a:r>
-            <a:r>
-              <a:rPr lang="en-US" b="1" dirty="0">
-                <a:latin typeface="Courier New"/>
-                <a:cs typeface="Courier New"/>
-              </a:rPr>
-              <a:t>x</a:t>
-            </a:r>
-            <a:endParaRPr lang="en-US" dirty="0"/>
-          </a:p>
-        </p:txBody>
-      </p:sp>
-    </p:spTree>
-    <p:extLst>
-      <p:ext uri="{BB962C8B-B14F-4D97-AF65-F5344CB8AC3E}">
-        <p14:creationId xmlns:p14="http://schemas.microsoft.com/office/powerpoint/2010/main" val="943644049"/>
-      </p:ext>
-    </p:extLst>
-  </p:cSld>
-  <p:clrMapOvr>
-    <a:masterClrMapping/>
-  </p:clrMapOvr>
-</p:sld>
-</file>
-
 <file path=ppt/slides/slide2.xml><?xml version="1.0" encoding="utf-8"?>
 <p:sld xmlns:a="http://schemas.openxmlformats.org/drawingml/2006/main" xmlns:r="http://schemas.openxmlformats.org/officeDocument/2006/relationships" xmlns:p="http://schemas.openxmlformats.org/presentationml/2006/main">
   <p:cSld>
@@ -10454,7 +11051,7 @@
           <a:p>
             <a:r>
               <a:rPr lang="en-US" dirty="0"/>
-              <a:t>Function values v1.0</a:t>
+              <a:t>Variables</a:t>
             </a:r>
           </a:p>
         </p:txBody>
@@ -10480,89 +11077,184 @@
               <a:buNone/>
             </a:pPr>
             <a:r>
-              <a:rPr lang="en-US" dirty="0"/>
-              <a:t>Since functions are values:</a:t>
+              <a:rPr lang="en-US" b="1" dirty="0">
+                <a:solidFill>
+                  <a:schemeClr val="accent4"/>
+                </a:solidFill>
+                <a:latin typeface="Courier New"/>
+                <a:cs typeface="Courier New"/>
+              </a:rPr>
+              <a:t>⟨</a:t>
+            </a:r>
+            <a:r>
+              <a:rPr lang="en-US" b="1" dirty="0" err="1">
+                <a:solidFill>
+                  <a:schemeClr val="accent4"/>
+                </a:solidFill>
+                <a:latin typeface="Courier New"/>
+                <a:cs typeface="Courier New"/>
+              </a:rPr>
+              <a:t>env</a:t>
+            </a:r>
+            <a:r>
+              <a:rPr lang="en-US" b="1" dirty="0">
+                <a:solidFill>
+                  <a:schemeClr val="accent4"/>
+                </a:solidFill>
+                <a:latin typeface="Courier New"/>
+                <a:cs typeface="Courier New"/>
+              </a:rPr>
+              <a:t>, x⟩ </a:t>
+            </a:r>
+            <a:r>
+              <a:rPr lang="en-US" b="1" dirty="0">
+                <a:solidFill>
+                  <a:srgbClr val="1F497D"/>
+                </a:solidFill>
+                <a:latin typeface="Courier New"/>
+                <a:cs typeface="Courier New"/>
+              </a:rPr>
+              <a:t>⟹</a:t>
+            </a:r>
+            <a:r>
+              <a:rPr lang="en-US" b="1" dirty="0">
+                <a:solidFill>
+                  <a:schemeClr val="accent4"/>
+                </a:solidFill>
+                <a:latin typeface="Courier New"/>
+                <a:cs typeface="Courier New"/>
+              </a:rPr>
+              <a:t> </a:t>
+            </a:r>
+            <a:r>
+              <a:rPr lang="en-US" b="1" dirty="0" err="1">
+                <a:solidFill>
+                  <a:schemeClr val="accent4"/>
+                </a:solidFill>
+                <a:latin typeface="Courier New"/>
+                <a:cs typeface="Courier New"/>
+              </a:rPr>
+              <a:t>env</a:t>
+            </a:r>
+            <a:r>
+              <a:rPr lang="en-US" b="1" dirty="0">
+                <a:solidFill>
+                  <a:schemeClr val="accent4"/>
+                </a:solidFill>
+                <a:latin typeface="Courier New"/>
+                <a:cs typeface="Courier New"/>
+              </a:rPr>
+              <a:t>(x)</a:t>
             </a:r>
           </a:p>
           <a:p>
             <a:pPr marL="0" indent="0">
               <a:buNone/>
             </a:pPr>
-            <a:endParaRPr lang="en-US" dirty="0"/>
-          </a:p>
-          <a:p>
-            <a:pPr marL="0" indent="0">
-              <a:buNone/>
-            </a:pPr>
-            <a:r>
-              <a:rPr lang="en-US" sz="2800" b="1" dirty="0">
-                <a:solidFill>
-                  <a:srgbClr val="8064A2"/>
-                </a:solidFill>
-                <a:latin typeface="Courier New"/>
-                <a:cs typeface="Courier New"/>
-              </a:rPr>
-              <a:t>⟨</a:t>
-            </a:r>
-            <a:r>
-              <a:rPr lang="en-US" sz="2800" b="1" dirty="0" err="1">
-                <a:solidFill>
-                  <a:srgbClr val="8064A2"/>
-                </a:solidFill>
-                <a:latin typeface="Courier New"/>
-                <a:cs typeface="Courier New"/>
-              </a:rPr>
-              <a:t>env</a:t>
-            </a:r>
-            <a:r>
-              <a:rPr lang="en-US" sz="2800" b="1" dirty="0">
-                <a:solidFill>
-                  <a:srgbClr val="8064A2"/>
-                </a:solidFill>
-                <a:latin typeface="Courier New"/>
-                <a:cs typeface="Courier New"/>
-              </a:rPr>
-              <a:t>, fun x -&gt; e⟩ </a:t>
-            </a:r>
-            <a:r>
-              <a:rPr lang="en-US" sz="2800" b="1" dirty="0">
-                <a:solidFill>
-                  <a:srgbClr val="1F497D"/>
-                </a:solidFill>
-                <a:latin typeface="Courier New"/>
-                <a:cs typeface="Courier New"/>
-              </a:rPr>
-              <a:t>⟹</a:t>
-            </a:r>
-            <a:r>
-              <a:rPr lang="en-US" sz="2800" b="1" dirty="0">
-                <a:solidFill>
-                  <a:srgbClr val="8064A2"/>
-                </a:solidFill>
-                <a:latin typeface="Courier New"/>
-                <a:cs typeface="Courier New"/>
-              </a:rPr>
-              <a:t> fun x -&gt; e</a:t>
-            </a:r>
-          </a:p>
-          <a:p>
-            <a:pPr marL="0" indent="0">
-              <a:buNone/>
-            </a:pPr>
-            <a:endParaRPr lang="en-US" sz="2800" b="1" dirty="0">
+            <a:endParaRPr lang="en-US" b="1" dirty="0">
               <a:solidFill>
-                <a:srgbClr val="8064A2"/>
+                <a:schemeClr val="accent4"/>
               </a:solidFill>
               <a:latin typeface="Courier New"/>
               <a:cs typeface="Courier New"/>
             </a:endParaRPr>
           </a:p>
+          <a:p>
+            <a:pPr marL="0" indent="0">
+              <a:buNone/>
+            </a:pPr>
+            <a:endParaRPr lang="en-US" b="1" dirty="0">
+              <a:solidFill>
+                <a:schemeClr val="accent4"/>
+              </a:solidFill>
+              <a:latin typeface="Courier New"/>
+              <a:cs typeface="Courier New"/>
+            </a:endParaRPr>
+          </a:p>
+          <a:p>
+            <a:pPr marL="0" indent="0">
+              <a:buNone/>
+            </a:pPr>
+            <a:endParaRPr lang="en-US" b="1" dirty="0">
+              <a:solidFill>
+                <a:schemeClr val="accent4"/>
+              </a:solidFill>
+              <a:latin typeface="Courier New"/>
+              <a:cs typeface="Courier New"/>
+            </a:endParaRPr>
+          </a:p>
+          <a:p>
+            <a:pPr marL="0" indent="0">
+              <a:buNone/>
+            </a:pPr>
+            <a:endParaRPr lang="en-US" b="1" dirty="0">
+              <a:solidFill>
+                <a:schemeClr val="accent4"/>
+              </a:solidFill>
+              <a:latin typeface="Courier New"/>
+              <a:cs typeface="Courier New"/>
+            </a:endParaRPr>
+          </a:p>
+          <a:p>
+            <a:pPr marL="0" indent="0">
+              <a:buNone/>
+            </a:pPr>
+            <a:endParaRPr lang="en-US" b="1" dirty="0">
+              <a:solidFill>
+                <a:schemeClr val="accent4"/>
+              </a:solidFill>
+              <a:latin typeface="Courier New"/>
+              <a:cs typeface="Courier New"/>
+            </a:endParaRPr>
+          </a:p>
+          <a:p>
+            <a:pPr marL="0" indent="0">
+              <a:buNone/>
+            </a:pPr>
+            <a:r>
+              <a:rPr lang="en-US" b="1" dirty="0" err="1">
+                <a:latin typeface="Courier New"/>
+                <a:cs typeface="Courier New"/>
+              </a:rPr>
+              <a:t>env</a:t>
+            </a:r>
+            <a:r>
+              <a:rPr lang="en-US" b="1" dirty="0">
+                <a:latin typeface="Courier New"/>
+                <a:cs typeface="Courier New"/>
+              </a:rPr>
+              <a:t>(x): </a:t>
+            </a:r>
+            <a:r>
+              <a:rPr lang="en-US" dirty="0"/>
+              <a:t>the value to which </a:t>
+            </a:r>
+            <a:r>
+              <a:rPr lang="en-US" b="1" dirty="0" err="1">
+                <a:latin typeface="Courier New"/>
+                <a:cs typeface="Courier New"/>
+              </a:rPr>
+              <a:t>env</a:t>
+            </a:r>
+            <a:r>
+              <a:rPr lang="en-US" dirty="0"/>
+              <a:t> binds </a:t>
+            </a:r>
+            <a:r>
+              <a:rPr lang="en-US" b="1" dirty="0">
+                <a:latin typeface="Courier New"/>
+                <a:cs typeface="Courier New"/>
+              </a:rPr>
+              <a:t>x</a:t>
+            </a:r>
+            <a:endParaRPr lang="en-US" dirty="0"/>
+          </a:p>
         </p:txBody>
       </p:sp>
     </p:spTree>
     <p:extLst>
       <p:ext uri="{BB962C8B-B14F-4D97-AF65-F5344CB8AC3E}">
-        <p14:creationId xmlns:p14="http://schemas.microsoft.com/office/powerpoint/2010/main" val="438861936"/>
+        <p14:creationId xmlns:p14="http://schemas.microsoft.com/office/powerpoint/2010/main" val="943644049"/>
       </p:ext>
     </p:extLst>
   </p:cSld>
@@ -10591,7 +11283,13 @@
       </p:grpSpPr>
       <p:sp>
         <p:nvSpPr>
-          <p:cNvPr id="2" name="Title 1"/>
+          <p:cNvPr id="4" name="Title 3">
+            <a:extLst>
+              <a:ext uri="{FF2B5EF4-FFF2-40B4-BE49-F238E27FC236}">
+                <a16:creationId xmlns:a16="http://schemas.microsoft.com/office/drawing/2014/main" id="{4D9C7240-1935-7343-A9DC-6A17BC4C1DCE}"/>
+              </a:ext>
+            </a:extLst>
+          </p:cNvPr>
           <p:cNvSpPr>
             <a:spLocks noGrp="1"/>
           </p:cNvSpPr>
@@ -10601,242 +11299,45 @@
         </p:nvSpPr>
         <p:spPr/>
         <p:txBody>
-          <a:bodyPr>
-            <a:normAutofit/>
-          </a:bodyPr>
+          <a:bodyPr/>
           <a:lstStyle/>
           <a:p>
             <a:r>
               <a:rPr lang="en-US" dirty="0"/>
-              <a:t>Function application rule v1.0</a:t>
-            </a:r>
-          </a:p>
-        </p:txBody>
-      </p:sp>
-      <p:sp>
-        <p:nvSpPr>
-          <p:cNvPr id="3" name="Content Placeholder 2"/>
+              <a:t>Functions</a:t>
+            </a:r>
+          </a:p>
+        </p:txBody>
+      </p:sp>
+      <p:sp>
+        <p:nvSpPr>
+          <p:cNvPr id="5" name="Text Placeholder 4">
+            <a:extLst>
+              <a:ext uri="{FF2B5EF4-FFF2-40B4-BE49-F238E27FC236}">
+                <a16:creationId xmlns:a16="http://schemas.microsoft.com/office/drawing/2014/main" id="{F2A00B7D-1189-C54B-8673-6E23E90D232C}"/>
+              </a:ext>
+            </a:extLst>
+          </p:cNvPr>
           <p:cNvSpPr>
             <a:spLocks noGrp="1"/>
           </p:cNvSpPr>
           <p:nvPr>
-            <p:ph idx="1"/>
+            <p:ph type="body" idx="1"/>
           </p:nvPr>
         </p:nvSpPr>
         <p:spPr/>
         <p:txBody>
-          <a:bodyPr>
-            <a:normAutofit/>
-          </a:bodyPr>
+          <a:bodyPr/>
           <a:lstStyle/>
           <a:p>
-            <a:pPr marL="0" indent="0">
-              <a:buNone/>
-            </a:pPr>
-            <a:r>
-              <a:rPr lang="en-US" b="1" dirty="0">
-                <a:solidFill>
-                  <a:schemeClr val="accent4"/>
-                </a:solidFill>
-                <a:latin typeface="Courier New"/>
-                <a:cs typeface="Courier New"/>
-              </a:rPr>
-              <a:t>⟨env,e1 e2⟩ </a:t>
-            </a:r>
-            <a:r>
-              <a:rPr lang="en-US" b="1" dirty="0">
-                <a:solidFill>
-                  <a:srgbClr val="1F497D"/>
-                </a:solidFill>
-                <a:latin typeface="Courier New"/>
-                <a:cs typeface="Courier New"/>
-              </a:rPr>
-              <a:t>⟹</a:t>
-            </a:r>
-            <a:r>
-              <a:rPr lang="en-US" b="1" dirty="0">
-                <a:solidFill>
-                  <a:schemeClr val="accent4"/>
-                </a:solidFill>
-                <a:latin typeface="Courier New"/>
-                <a:cs typeface="Courier New"/>
-              </a:rPr>
-              <a:t> v</a:t>
-            </a:r>
-          </a:p>
-          <a:p>
-            <a:pPr marL="0" indent="0">
-              <a:buNone/>
-            </a:pPr>
-            <a:r>
-              <a:rPr lang="en-US" dirty="0">
-                <a:solidFill>
-                  <a:schemeClr val="accent4"/>
-                </a:solidFill>
-              </a:rPr>
-              <a:t>	if </a:t>
-            </a:r>
-            <a:r>
-              <a:rPr lang="en-US" b="1" dirty="0">
-                <a:solidFill>
-                  <a:schemeClr val="accent4"/>
-                </a:solidFill>
-                <a:latin typeface="Courier New"/>
-                <a:cs typeface="Courier New"/>
-              </a:rPr>
-              <a:t>⟨env,e1⟩ </a:t>
-            </a:r>
-            <a:r>
-              <a:rPr lang="en-US" b="1" dirty="0">
-                <a:solidFill>
-                  <a:srgbClr val="1F497D"/>
-                </a:solidFill>
-                <a:latin typeface="Courier New"/>
-                <a:cs typeface="Courier New"/>
-              </a:rPr>
-              <a:t>⟹</a:t>
-            </a:r>
-            <a:r>
-              <a:rPr lang="en-US" b="1" dirty="0">
-                <a:solidFill>
-                  <a:schemeClr val="accent4"/>
-                </a:solidFill>
-                <a:latin typeface="Courier New"/>
-                <a:cs typeface="Courier New"/>
-              </a:rPr>
-              <a:t> fun x -&gt; e</a:t>
-            </a:r>
-          </a:p>
-          <a:p>
-            <a:pPr marL="0" indent="0">
-              <a:buNone/>
-            </a:pPr>
-            <a:r>
-              <a:rPr lang="en-US" dirty="0">
-                <a:solidFill>
-                  <a:schemeClr val="accent4"/>
-                </a:solidFill>
-              </a:rPr>
-              <a:t>	and </a:t>
-            </a:r>
-            <a:r>
-              <a:rPr lang="en-US" b="1" dirty="0">
-                <a:solidFill>
-                  <a:schemeClr val="accent4"/>
-                </a:solidFill>
-                <a:latin typeface="Courier New"/>
-                <a:cs typeface="Courier New"/>
-              </a:rPr>
-              <a:t>⟨env,e2⟩ </a:t>
-            </a:r>
-            <a:r>
-              <a:rPr lang="en-US" b="1" dirty="0">
-                <a:solidFill>
-                  <a:srgbClr val="1F497D"/>
-                </a:solidFill>
-                <a:latin typeface="Courier New"/>
-                <a:cs typeface="Courier New"/>
-              </a:rPr>
-              <a:t>⟹</a:t>
-            </a:r>
-            <a:r>
-              <a:rPr lang="en-US" b="1" dirty="0">
-                <a:solidFill>
-                  <a:schemeClr val="accent4"/>
-                </a:solidFill>
-                <a:latin typeface="Courier New"/>
-                <a:cs typeface="Courier New"/>
-              </a:rPr>
-              <a:t> v2</a:t>
-            </a:r>
-          </a:p>
-          <a:p>
-            <a:pPr marL="0" indent="0">
-              <a:buNone/>
-            </a:pPr>
-            <a:r>
-              <a:rPr lang="en-US" dirty="0">
-                <a:solidFill>
-                  <a:schemeClr val="accent4"/>
-                </a:solidFill>
-              </a:rPr>
-              <a:t>	and </a:t>
-            </a:r>
-            <a:r>
-              <a:rPr lang="en-US" b="1" dirty="0">
-                <a:solidFill>
-                  <a:schemeClr val="accent4"/>
-                </a:solidFill>
-                <a:latin typeface="Courier New"/>
-                <a:cs typeface="Courier New"/>
-              </a:rPr>
-              <a:t>⟨</a:t>
-            </a:r>
-            <a:r>
-              <a:rPr lang="en-US" b="1" dirty="0" err="1">
-                <a:solidFill>
-                  <a:schemeClr val="accent4"/>
-                </a:solidFill>
-                <a:latin typeface="Courier New"/>
-                <a:cs typeface="Courier New"/>
-              </a:rPr>
-              <a:t>env</a:t>
-            </a:r>
-            <a:r>
-              <a:rPr lang="en-US" b="1" dirty="0">
-                <a:solidFill>
-                  <a:schemeClr val="accent4"/>
-                </a:solidFill>
-                <a:latin typeface="Courier New"/>
-                <a:cs typeface="Courier New"/>
-              </a:rPr>
-              <a:t>[x ↦ v2],e⟩ </a:t>
-            </a:r>
-            <a:r>
-              <a:rPr lang="en-US" b="1" dirty="0">
-                <a:solidFill>
-                  <a:srgbClr val="1F497D"/>
-                </a:solidFill>
-                <a:latin typeface="Courier New"/>
-                <a:cs typeface="Courier New"/>
-              </a:rPr>
-              <a:t>⟹</a:t>
-            </a:r>
-            <a:r>
-              <a:rPr lang="en-US" b="1" dirty="0">
-                <a:solidFill>
-                  <a:schemeClr val="accent4"/>
-                </a:solidFill>
-                <a:latin typeface="Courier New"/>
-                <a:cs typeface="Courier New"/>
-              </a:rPr>
-              <a:t> v</a:t>
-            </a:r>
-          </a:p>
-          <a:p>
-            <a:pPr marL="0" indent="0">
-              <a:buNone/>
-            </a:pPr>
-            <a:endParaRPr lang="en-US" b="1" dirty="0">
-              <a:solidFill>
-                <a:schemeClr val="accent4"/>
-              </a:solidFill>
-              <a:latin typeface="Courier New"/>
-              <a:cs typeface="Courier New"/>
-            </a:endParaRPr>
-          </a:p>
-          <a:p>
-            <a:pPr marL="0" indent="0">
-              <a:buNone/>
-            </a:pPr>
-            <a:endParaRPr lang="en-US" dirty="0"/>
+            <a:endParaRPr lang="en-US"/>
           </a:p>
         </p:txBody>
       </p:sp>
     </p:spTree>
     <p:extLst>
       <p:ext uri="{BB962C8B-B14F-4D97-AF65-F5344CB8AC3E}">
-        <p14:creationId xmlns:p14="http://schemas.microsoft.com/office/powerpoint/2010/main" val="746294505"/>
+        <p14:creationId xmlns:p14="http://schemas.microsoft.com/office/powerpoint/2010/main" val="1307807106"/>
       </p:ext>
     </p:extLst>
   </p:cSld>
@@ -10865,6 +11366,860 @@
       </p:grpSpPr>
       <p:sp>
         <p:nvSpPr>
+          <p:cNvPr id="2" name="Title 1"/>
+          <p:cNvSpPr>
+            <a:spLocks noGrp="1"/>
+          </p:cNvSpPr>
+          <p:nvPr>
+            <p:ph type="title"/>
+          </p:nvPr>
+        </p:nvSpPr>
+        <p:spPr/>
+        <p:txBody>
+          <a:bodyPr/>
+          <a:lstStyle/>
+          <a:p>
+            <a:r>
+              <a:rPr lang="en-US" dirty="0" err="1"/>
+              <a:t>SimPL</a:t>
+            </a:r>
+            <a:r>
+              <a:rPr lang="en-US" dirty="0"/>
+              <a:t> + functions</a:t>
+            </a:r>
+          </a:p>
+        </p:txBody>
+      </p:sp>
+      <p:sp>
+        <p:nvSpPr>
+          <p:cNvPr id="3" name="Content Placeholder 2"/>
+          <p:cNvSpPr>
+            <a:spLocks noGrp="1"/>
+          </p:cNvSpPr>
+          <p:nvPr>
+            <p:ph idx="1"/>
+          </p:nvPr>
+        </p:nvSpPr>
+        <p:spPr/>
+        <p:txBody>
+          <a:bodyPr>
+            <a:normAutofit lnSpcReduction="10000"/>
+          </a:bodyPr>
+          <a:lstStyle/>
+          <a:p>
+            <a:pPr marL="0" indent="0">
+              <a:buNone/>
+            </a:pPr>
+            <a:r>
+              <a:rPr lang="en-US" b="1" dirty="0">
+                <a:latin typeface="Courier New"/>
+                <a:cs typeface="Courier New"/>
+              </a:rPr>
+              <a:t>e </a:t>
+            </a:r>
+            <a:r>
+              <a:rPr lang="en-US" b="1" dirty="0">
+                <a:solidFill>
+                  <a:schemeClr val="tx2">
+                    <a:lumMod val="60000"/>
+                    <a:lumOff val="40000"/>
+                  </a:schemeClr>
+                </a:solidFill>
+                <a:latin typeface="Courier New"/>
+                <a:cs typeface="Courier New"/>
+              </a:rPr>
+              <a:t>::=</a:t>
+            </a:r>
+            <a:r>
+              <a:rPr lang="en-US" b="1" dirty="0">
+                <a:latin typeface="Courier New"/>
+                <a:cs typeface="Courier New"/>
+              </a:rPr>
+              <a:t> x </a:t>
+            </a:r>
+            <a:r>
+              <a:rPr lang="en-US" b="1" dirty="0">
+                <a:solidFill>
+                  <a:schemeClr val="tx2">
+                    <a:lumMod val="60000"/>
+                    <a:lumOff val="40000"/>
+                  </a:schemeClr>
+                </a:solidFill>
+                <a:latin typeface="Courier New"/>
+                <a:cs typeface="Courier New"/>
+              </a:rPr>
+              <a:t>|</a:t>
+            </a:r>
+            <a:r>
+              <a:rPr lang="en-US" b="1" dirty="0">
+                <a:latin typeface="Courier New"/>
+                <a:cs typeface="Courier New"/>
+              </a:rPr>
+              <a:t> </a:t>
+            </a:r>
+            <a:r>
+              <a:rPr lang="en-US" b="1" dirty="0" err="1">
+                <a:latin typeface="Courier New"/>
+                <a:cs typeface="Courier New"/>
+              </a:rPr>
+              <a:t>i</a:t>
+            </a:r>
+            <a:r>
+              <a:rPr lang="en-US" b="1" dirty="0">
+                <a:latin typeface="Courier New"/>
+                <a:cs typeface="Courier New"/>
+              </a:rPr>
+              <a:t> </a:t>
+            </a:r>
+            <a:r>
+              <a:rPr lang="en-US" b="1" dirty="0">
+                <a:solidFill>
+                  <a:schemeClr val="tx2">
+                    <a:lumMod val="60000"/>
+                    <a:lumOff val="40000"/>
+                  </a:schemeClr>
+                </a:solidFill>
+                <a:latin typeface="Courier New"/>
+                <a:cs typeface="Courier New"/>
+              </a:rPr>
+              <a:t>|</a:t>
+            </a:r>
+            <a:r>
+              <a:rPr lang="en-US" b="1" dirty="0">
+                <a:latin typeface="Courier New"/>
+                <a:cs typeface="Courier New"/>
+              </a:rPr>
+              <a:t> b </a:t>
+            </a:r>
+          </a:p>
+          <a:p>
+            <a:pPr marL="0" indent="0">
+              <a:buNone/>
+            </a:pPr>
+            <a:r>
+              <a:rPr lang="en-US" b="1" dirty="0">
+                <a:latin typeface="Courier New"/>
+                <a:cs typeface="Courier New"/>
+              </a:rPr>
+              <a:t>    </a:t>
+            </a:r>
+            <a:r>
+              <a:rPr lang="en-US" b="1" dirty="0">
+                <a:solidFill>
+                  <a:schemeClr val="tx2">
+                    <a:lumMod val="60000"/>
+                    <a:lumOff val="40000"/>
+                  </a:schemeClr>
+                </a:solidFill>
+                <a:latin typeface="Courier New"/>
+                <a:cs typeface="Courier New"/>
+              </a:rPr>
+              <a:t>|</a:t>
+            </a:r>
+            <a:r>
+              <a:rPr lang="en-US" b="1" dirty="0">
+                <a:latin typeface="Courier New"/>
+                <a:cs typeface="Courier New"/>
+              </a:rPr>
+              <a:t> e1 bop e2</a:t>
+            </a:r>
+            <a:endParaRPr lang="en-US" b="1" dirty="0">
+              <a:solidFill>
+                <a:srgbClr val="F79646"/>
+              </a:solidFill>
+              <a:latin typeface="Courier New"/>
+              <a:cs typeface="Courier New"/>
+            </a:endParaRPr>
+          </a:p>
+          <a:p>
+            <a:pPr marL="0" indent="0">
+              <a:buNone/>
+            </a:pPr>
+            <a:r>
+              <a:rPr lang="en-US" b="1" dirty="0">
+                <a:latin typeface="Courier New"/>
+                <a:cs typeface="Courier New"/>
+              </a:rPr>
+              <a:t>    </a:t>
+            </a:r>
+            <a:r>
+              <a:rPr lang="en-US" b="1" dirty="0">
+                <a:solidFill>
+                  <a:schemeClr val="tx2">
+                    <a:lumMod val="60000"/>
+                    <a:lumOff val="40000"/>
+                  </a:schemeClr>
+                </a:solidFill>
+                <a:latin typeface="Courier New"/>
+                <a:cs typeface="Courier New"/>
+              </a:rPr>
+              <a:t>|</a:t>
+            </a:r>
+            <a:r>
+              <a:rPr lang="en-US" b="1" dirty="0">
+                <a:latin typeface="Courier New"/>
+                <a:cs typeface="Courier New"/>
+              </a:rPr>
+              <a:t> let x = e1 in e2</a:t>
+            </a:r>
+          </a:p>
+          <a:p>
+            <a:pPr marL="0" indent="0">
+              <a:buNone/>
+            </a:pPr>
+            <a:r>
+              <a:rPr lang="en-US" b="1" dirty="0">
+                <a:latin typeface="Courier New"/>
+                <a:cs typeface="Courier New"/>
+              </a:rPr>
+              <a:t>    </a:t>
+            </a:r>
+            <a:r>
+              <a:rPr lang="en-US" b="1" dirty="0">
+                <a:solidFill>
+                  <a:schemeClr val="tx2">
+                    <a:lumMod val="60000"/>
+                    <a:lumOff val="40000"/>
+                  </a:schemeClr>
+                </a:solidFill>
+                <a:latin typeface="Courier New"/>
+                <a:cs typeface="Courier New"/>
+              </a:rPr>
+              <a:t>|</a:t>
+            </a:r>
+            <a:r>
+              <a:rPr lang="en-US" b="1" dirty="0">
+                <a:latin typeface="Courier New"/>
+                <a:cs typeface="Courier New"/>
+              </a:rPr>
+              <a:t> if e1 then e2 else e3</a:t>
+            </a:r>
+          </a:p>
+          <a:p>
+            <a:pPr marL="0" indent="0">
+              <a:buNone/>
+            </a:pPr>
+            <a:r>
+              <a:rPr lang="en-US" b="1" dirty="0">
+                <a:latin typeface="Courier New"/>
+                <a:cs typeface="Courier New"/>
+              </a:rPr>
+              <a:t>    </a:t>
+            </a:r>
+            <a:r>
+              <a:rPr lang="en-US" b="1" dirty="0">
+                <a:solidFill>
+                  <a:schemeClr val="tx2">
+                    <a:lumMod val="60000"/>
+                    <a:lumOff val="40000"/>
+                  </a:schemeClr>
+                </a:solidFill>
+                <a:latin typeface="Courier New"/>
+                <a:cs typeface="Courier New"/>
+              </a:rPr>
+              <a:t>|</a:t>
+            </a:r>
+            <a:r>
+              <a:rPr lang="en-US" b="1" dirty="0">
+                <a:latin typeface="Courier New"/>
+                <a:cs typeface="Courier New"/>
+              </a:rPr>
+              <a:t> </a:t>
+            </a:r>
+            <a:r>
+              <a:rPr lang="en-US" b="1" dirty="0">
+                <a:solidFill>
+                  <a:schemeClr val="accent6"/>
+                </a:solidFill>
+                <a:latin typeface="Courier New"/>
+                <a:cs typeface="Courier New"/>
+              </a:rPr>
+              <a:t>fun x -&gt; e</a:t>
+            </a:r>
+          </a:p>
+          <a:p>
+            <a:pPr marL="0" indent="0">
+              <a:buNone/>
+            </a:pPr>
+            <a:r>
+              <a:rPr lang="en-US" b="1" dirty="0">
+                <a:latin typeface="Courier New"/>
+                <a:cs typeface="Courier New"/>
+              </a:rPr>
+              <a:t>    </a:t>
+            </a:r>
+            <a:r>
+              <a:rPr lang="en-US" b="1" dirty="0">
+                <a:solidFill>
+                  <a:schemeClr val="tx2">
+                    <a:lumMod val="60000"/>
+                    <a:lumOff val="40000"/>
+                  </a:schemeClr>
+                </a:solidFill>
+                <a:latin typeface="Courier New"/>
+                <a:cs typeface="Courier New"/>
+              </a:rPr>
+              <a:t>|</a:t>
+            </a:r>
+            <a:r>
+              <a:rPr lang="en-US" b="1" dirty="0">
+                <a:latin typeface="Courier New"/>
+                <a:cs typeface="Courier New"/>
+              </a:rPr>
+              <a:t> </a:t>
+            </a:r>
+            <a:r>
+              <a:rPr lang="en-US" b="1" dirty="0">
+                <a:solidFill>
+                  <a:schemeClr val="accent6"/>
+                </a:solidFill>
+                <a:latin typeface="Courier New"/>
+                <a:cs typeface="Courier New"/>
+              </a:rPr>
+              <a:t>e1 e2</a:t>
+            </a:r>
+          </a:p>
+          <a:p>
+            <a:pPr marL="0" indent="0">
+              <a:buNone/>
+            </a:pPr>
+            <a:endParaRPr lang="en-US" b="1" dirty="0">
+              <a:latin typeface="Courier New"/>
+              <a:cs typeface="Courier New"/>
+            </a:endParaRPr>
+          </a:p>
+          <a:p>
+            <a:pPr marL="0" indent="0">
+              <a:buNone/>
+            </a:pPr>
+            <a:r>
+              <a:rPr lang="en-US" b="1" dirty="0">
+                <a:latin typeface="Courier New"/>
+                <a:cs typeface="Courier New"/>
+              </a:rPr>
+              <a:t>bop </a:t>
+            </a:r>
+            <a:r>
+              <a:rPr lang="en-US" b="1" dirty="0">
+                <a:solidFill>
+                  <a:schemeClr val="tx2">
+                    <a:lumMod val="60000"/>
+                    <a:lumOff val="40000"/>
+                  </a:schemeClr>
+                </a:solidFill>
+                <a:latin typeface="Courier New"/>
+                <a:cs typeface="Courier New"/>
+              </a:rPr>
+              <a:t>::=</a:t>
+            </a:r>
+            <a:r>
+              <a:rPr lang="en-US" b="1" dirty="0">
+                <a:latin typeface="Courier New"/>
+                <a:cs typeface="Courier New"/>
+              </a:rPr>
+              <a:t> + </a:t>
+            </a:r>
+            <a:r>
+              <a:rPr lang="en-US" b="1" dirty="0">
+                <a:solidFill>
+                  <a:schemeClr val="tx2">
+                    <a:lumMod val="60000"/>
+                    <a:lumOff val="40000"/>
+                  </a:schemeClr>
+                </a:solidFill>
+                <a:latin typeface="Courier New"/>
+                <a:cs typeface="Courier New"/>
+              </a:rPr>
+              <a:t>|</a:t>
+            </a:r>
+            <a:r>
+              <a:rPr lang="en-US" b="1" dirty="0">
+                <a:latin typeface="Courier New"/>
+                <a:cs typeface="Courier New"/>
+              </a:rPr>
+              <a:t> * </a:t>
+            </a:r>
+            <a:r>
+              <a:rPr lang="en-US" b="1" dirty="0">
+                <a:solidFill>
+                  <a:schemeClr val="tx2">
+                    <a:lumMod val="60000"/>
+                    <a:lumOff val="40000"/>
+                  </a:schemeClr>
+                </a:solidFill>
+                <a:latin typeface="Courier New"/>
+                <a:cs typeface="Courier New"/>
+              </a:rPr>
+              <a:t>|</a:t>
+            </a:r>
+            <a:r>
+              <a:rPr lang="en-US" b="1" dirty="0">
+                <a:latin typeface="Courier New"/>
+                <a:cs typeface="Courier New"/>
+              </a:rPr>
+              <a:t> &lt;=</a:t>
+            </a:r>
+          </a:p>
+        </p:txBody>
+      </p:sp>
+    </p:spTree>
+    <p:extLst>
+      <p:ext uri="{BB962C8B-B14F-4D97-AF65-F5344CB8AC3E}">
+        <p14:creationId xmlns:p14="http://schemas.microsoft.com/office/powerpoint/2010/main" val="1495883233"/>
+      </p:ext>
+    </p:extLst>
+  </p:cSld>
+  <p:clrMapOvr>
+    <a:masterClrMapping/>
+  </p:clrMapOvr>
+</p:sld>
+</file>
+
+<file path=ppt/slides/slide23.xml><?xml version="1.0" encoding="utf-8"?>
+<p:sld xmlns:a="http://schemas.openxmlformats.org/drawingml/2006/main" xmlns:r="http://schemas.openxmlformats.org/officeDocument/2006/relationships" xmlns:p="http://schemas.openxmlformats.org/presentationml/2006/main">
+  <p:cSld>
+    <p:spTree>
+      <p:nvGrpSpPr>
+        <p:cNvPr id="1" name=""/>
+        <p:cNvGrpSpPr/>
+        <p:nvPr/>
+      </p:nvGrpSpPr>
+      <p:grpSpPr>
+        <a:xfrm>
+          <a:off x="0" y="0"/>
+          <a:ext cx="0" cy="0"/>
+          <a:chOff x="0" y="0"/>
+          <a:chExt cx="0" cy="0"/>
+        </a:xfrm>
+      </p:grpSpPr>
+      <p:sp>
+        <p:nvSpPr>
+          <p:cNvPr id="2" name="Title 1"/>
+          <p:cNvSpPr>
+            <a:spLocks noGrp="1"/>
+          </p:cNvSpPr>
+          <p:nvPr>
+            <p:ph type="title"/>
+          </p:nvPr>
+        </p:nvSpPr>
+        <p:spPr/>
+        <p:txBody>
+          <a:bodyPr/>
+          <a:lstStyle/>
+          <a:p>
+            <a:r>
+              <a:rPr lang="en-US" dirty="0"/>
+              <a:t>Function values v1.0</a:t>
+            </a:r>
+          </a:p>
+        </p:txBody>
+      </p:sp>
+      <p:sp>
+        <p:nvSpPr>
+          <p:cNvPr id="3" name="Content Placeholder 2"/>
+          <p:cNvSpPr>
+            <a:spLocks noGrp="1"/>
+          </p:cNvSpPr>
+          <p:nvPr>
+            <p:ph idx="1"/>
+          </p:nvPr>
+        </p:nvSpPr>
+        <p:spPr/>
+        <p:txBody>
+          <a:bodyPr>
+            <a:normAutofit/>
+          </a:bodyPr>
+          <a:lstStyle/>
+          <a:p>
+            <a:pPr marL="0" indent="0">
+              <a:buNone/>
+            </a:pPr>
+            <a:r>
+              <a:rPr lang="en-US" dirty="0"/>
+              <a:t>Since functions are values:</a:t>
+            </a:r>
+          </a:p>
+          <a:p>
+            <a:pPr marL="0" indent="0">
+              <a:buNone/>
+            </a:pPr>
+            <a:endParaRPr lang="en-US" dirty="0"/>
+          </a:p>
+          <a:p>
+            <a:pPr marL="0" indent="0">
+              <a:buNone/>
+            </a:pPr>
+            <a:r>
+              <a:rPr lang="en-US" sz="2800" b="1" dirty="0">
+                <a:solidFill>
+                  <a:srgbClr val="8064A2"/>
+                </a:solidFill>
+                <a:latin typeface="Courier New"/>
+                <a:cs typeface="Courier New"/>
+              </a:rPr>
+              <a:t>⟨</a:t>
+            </a:r>
+            <a:r>
+              <a:rPr lang="en-US" sz="2800" b="1" dirty="0" err="1">
+                <a:solidFill>
+                  <a:srgbClr val="8064A2"/>
+                </a:solidFill>
+                <a:latin typeface="Courier New"/>
+                <a:cs typeface="Courier New"/>
+              </a:rPr>
+              <a:t>env</a:t>
+            </a:r>
+            <a:r>
+              <a:rPr lang="en-US" sz="2800" b="1" dirty="0">
+                <a:solidFill>
+                  <a:srgbClr val="8064A2"/>
+                </a:solidFill>
+                <a:latin typeface="Courier New"/>
+                <a:cs typeface="Courier New"/>
+              </a:rPr>
+              <a:t>, fun x -&gt; e⟩ </a:t>
+            </a:r>
+            <a:r>
+              <a:rPr lang="en-US" sz="2800" b="1" dirty="0">
+                <a:solidFill>
+                  <a:srgbClr val="1F497D"/>
+                </a:solidFill>
+                <a:latin typeface="Courier New"/>
+                <a:cs typeface="Courier New"/>
+              </a:rPr>
+              <a:t>⟹</a:t>
+            </a:r>
+            <a:r>
+              <a:rPr lang="en-US" sz="2800" b="1" dirty="0">
+                <a:solidFill>
+                  <a:srgbClr val="8064A2"/>
+                </a:solidFill>
+                <a:latin typeface="Courier New"/>
+                <a:cs typeface="Courier New"/>
+              </a:rPr>
+              <a:t> fun x -&gt; e</a:t>
+            </a:r>
+          </a:p>
+          <a:p>
+            <a:pPr marL="0" indent="0">
+              <a:buNone/>
+            </a:pPr>
+            <a:endParaRPr lang="en-US" sz="2800" b="1" dirty="0">
+              <a:solidFill>
+                <a:srgbClr val="8064A2"/>
+              </a:solidFill>
+              <a:latin typeface="Courier New"/>
+              <a:cs typeface="Courier New"/>
+            </a:endParaRPr>
+          </a:p>
+        </p:txBody>
+      </p:sp>
+    </p:spTree>
+    <p:extLst>
+      <p:ext uri="{BB962C8B-B14F-4D97-AF65-F5344CB8AC3E}">
+        <p14:creationId xmlns:p14="http://schemas.microsoft.com/office/powerpoint/2010/main" val="438861936"/>
+      </p:ext>
+    </p:extLst>
+  </p:cSld>
+  <p:clrMapOvr>
+    <a:masterClrMapping/>
+  </p:clrMapOvr>
+</p:sld>
+</file>
+
+<file path=ppt/slides/slide24.xml><?xml version="1.0" encoding="utf-8"?>
+<p:sld xmlns:a="http://schemas.openxmlformats.org/drawingml/2006/main" xmlns:r="http://schemas.openxmlformats.org/officeDocument/2006/relationships" xmlns:p="http://schemas.openxmlformats.org/presentationml/2006/main">
+  <p:cSld>
+    <p:spTree>
+      <p:nvGrpSpPr>
+        <p:cNvPr id="1" name=""/>
+        <p:cNvGrpSpPr/>
+        <p:nvPr/>
+      </p:nvGrpSpPr>
+      <p:grpSpPr>
+        <a:xfrm>
+          <a:off x="0" y="0"/>
+          <a:ext cx="0" cy="0"/>
+          <a:chOff x="0" y="0"/>
+          <a:chExt cx="0" cy="0"/>
+        </a:xfrm>
+      </p:grpSpPr>
+      <p:sp>
+        <p:nvSpPr>
+          <p:cNvPr id="2" name="Title 1"/>
+          <p:cNvSpPr>
+            <a:spLocks noGrp="1"/>
+          </p:cNvSpPr>
+          <p:nvPr>
+            <p:ph type="title"/>
+          </p:nvPr>
+        </p:nvSpPr>
+        <p:spPr/>
+        <p:txBody>
+          <a:bodyPr>
+            <a:normAutofit/>
+          </a:bodyPr>
+          <a:lstStyle/>
+          <a:p>
+            <a:r>
+              <a:rPr lang="en-US" dirty="0"/>
+              <a:t>Function application rule v1.0</a:t>
+            </a:r>
+          </a:p>
+        </p:txBody>
+      </p:sp>
+      <p:sp>
+        <p:nvSpPr>
+          <p:cNvPr id="3" name="Content Placeholder 2"/>
+          <p:cNvSpPr>
+            <a:spLocks noGrp="1"/>
+          </p:cNvSpPr>
+          <p:nvPr>
+            <p:ph idx="1"/>
+          </p:nvPr>
+        </p:nvSpPr>
+        <p:spPr/>
+        <p:txBody>
+          <a:bodyPr>
+            <a:normAutofit/>
+          </a:bodyPr>
+          <a:lstStyle/>
+          <a:p>
+            <a:pPr marL="0" indent="0">
+              <a:buNone/>
+            </a:pPr>
+            <a:r>
+              <a:rPr lang="en-US" b="1" dirty="0">
+                <a:solidFill>
+                  <a:schemeClr val="accent4"/>
+                </a:solidFill>
+                <a:latin typeface="Courier New"/>
+                <a:cs typeface="Courier New"/>
+              </a:rPr>
+              <a:t>⟨env,e1 e2⟩ </a:t>
+            </a:r>
+            <a:r>
+              <a:rPr lang="en-US" b="1" dirty="0">
+                <a:solidFill>
+                  <a:srgbClr val="1F497D"/>
+                </a:solidFill>
+                <a:latin typeface="Courier New"/>
+                <a:cs typeface="Courier New"/>
+              </a:rPr>
+              <a:t>⟹</a:t>
+            </a:r>
+            <a:r>
+              <a:rPr lang="en-US" b="1" dirty="0">
+                <a:solidFill>
+                  <a:schemeClr val="accent4"/>
+                </a:solidFill>
+                <a:latin typeface="Courier New"/>
+                <a:cs typeface="Courier New"/>
+              </a:rPr>
+              <a:t> v</a:t>
+            </a:r>
+          </a:p>
+          <a:p>
+            <a:pPr marL="0" indent="0">
+              <a:buNone/>
+            </a:pPr>
+            <a:r>
+              <a:rPr lang="en-US" dirty="0">
+                <a:solidFill>
+                  <a:schemeClr val="accent4"/>
+                </a:solidFill>
+              </a:rPr>
+              <a:t>	if </a:t>
+            </a:r>
+            <a:r>
+              <a:rPr lang="en-US" b="1" dirty="0">
+                <a:solidFill>
+                  <a:schemeClr val="accent4"/>
+                </a:solidFill>
+                <a:latin typeface="Courier New"/>
+                <a:cs typeface="Courier New"/>
+              </a:rPr>
+              <a:t>⟨env,e1⟩ </a:t>
+            </a:r>
+            <a:r>
+              <a:rPr lang="en-US" b="1" dirty="0">
+                <a:solidFill>
+                  <a:srgbClr val="1F497D"/>
+                </a:solidFill>
+                <a:latin typeface="Courier New"/>
+                <a:cs typeface="Courier New"/>
+              </a:rPr>
+              <a:t>⟹</a:t>
+            </a:r>
+            <a:r>
+              <a:rPr lang="en-US" b="1" dirty="0">
+                <a:solidFill>
+                  <a:schemeClr val="accent4"/>
+                </a:solidFill>
+                <a:latin typeface="Courier New"/>
+                <a:cs typeface="Courier New"/>
+              </a:rPr>
+              <a:t> fun x -&gt; e</a:t>
+            </a:r>
+          </a:p>
+          <a:p>
+            <a:pPr marL="0" indent="0">
+              <a:buNone/>
+            </a:pPr>
+            <a:r>
+              <a:rPr lang="en-US" dirty="0">
+                <a:solidFill>
+                  <a:schemeClr val="accent4"/>
+                </a:solidFill>
+              </a:rPr>
+              <a:t>	and </a:t>
+            </a:r>
+            <a:r>
+              <a:rPr lang="en-US" b="1" dirty="0">
+                <a:solidFill>
+                  <a:schemeClr val="accent4"/>
+                </a:solidFill>
+                <a:latin typeface="Courier New"/>
+                <a:cs typeface="Courier New"/>
+              </a:rPr>
+              <a:t>⟨env,e2⟩ </a:t>
+            </a:r>
+            <a:r>
+              <a:rPr lang="en-US" b="1" dirty="0">
+                <a:solidFill>
+                  <a:srgbClr val="1F497D"/>
+                </a:solidFill>
+                <a:latin typeface="Courier New"/>
+                <a:cs typeface="Courier New"/>
+              </a:rPr>
+              <a:t>⟹</a:t>
+            </a:r>
+            <a:r>
+              <a:rPr lang="en-US" b="1" dirty="0">
+                <a:solidFill>
+                  <a:schemeClr val="accent4"/>
+                </a:solidFill>
+                <a:latin typeface="Courier New"/>
+                <a:cs typeface="Courier New"/>
+              </a:rPr>
+              <a:t> v2</a:t>
+            </a:r>
+          </a:p>
+          <a:p>
+            <a:pPr marL="0" indent="0">
+              <a:buNone/>
+            </a:pPr>
+            <a:r>
+              <a:rPr lang="en-US" dirty="0">
+                <a:solidFill>
+                  <a:schemeClr val="accent4"/>
+                </a:solidFill>
+              </a:rPr>
+              <a:t>	and </a:t>
+            </a:r>
+            <a:r>
+              <a:rPr lang="en-US" b="1" dirty="0">
+                <a:solidFill>
+                  <a:schemeClr val="accent4"/>
+                </a:solidFill>
+                <a:latin typeface="Courier New"/>
+                <a:cs typeface="Courier New"/>
+              </a:rPr>
+              <a:t>⟨</a:t>
+            </a:r>
+            <a:r>
+              <a:rPr lang="en-US" b="1" dirty="0" err="1">
+                <a:solidFill>
+                  <a:schemeClr val="accent4"/>
+                </a:solidFill>
+                <a:latin typeface="Courier New"/>
+                <a:cs typeface="Courier New"/>
+              </a:rPr>
+              <a:t>env</a:t>
+            </a:r>
+            <a:r>
+              <a:rPr lang="en-US" b="1" dirty="0">
+                <a:solidFill>
+                  <a:schemeClr val="accent4"/>
+                </a:solidFill>
+                <a:latin typeface="Courier New"/>
+                <a:cs typeface="Courier New"/>
+              </a:rPr>
+              <a:t>[x ↦ v2],e⟩ </a:t>
+            </a:r>
+            <a:r>
+              <a:rPr lang="en-US" b="1" dirty="0">
+                <a:solidFill>
+                  <a:srgbClr val="1F497D"/>
+                </a:solidFill>
+                <a:latin typeface="Courier New"/>
+                <a:cs typeface="Courier New"/>
+              </a:rPr>
+              <a:t>⟹</a:t>
+            </a:r>
+            <a:r>
+              <a:rPr lang="en-US" b="1" dirty="0">
+                <a:solidFill>
+                  <a:schemeClr val="accent4"/>
+                </a:solidFill>
+                <a:latin typeface="Courier New"/>
+                <a:cs typeface="Courier New"/>
+              </a:rPr>
+              <a:t> v</a:t>
+            </a:r>
+          </a:p>
+          <a:p>
+            <a:pPr marL="0" indent="0">
+              <a:buNone/>
+            </a:pPr>
+            <a:endParaRPr lang="en-US" b="1" dirty="0">
+              <a:solidFill>
+                <a:schemeClr val="accent4"/>
+              </a:solidFill>
+              <a:latin typeface="Courier New"/>
+              <a:cs typeface="Courier New"/>
+            </a:endParaRPr>
+          </a:p>
+          <a:p>
+            <a:pPr marL="0" indent="0">
+              <a:buNone/>
+            </a:pPr>
+            <a:endParaRPr lang="en-US" dirty="0"/>
+          </a:p>
+        </p:txBody>
+      </p:sp>
+    </p:spTree>
+    <p:extLst>
+      <p:ext uri="{BB962C8B-B14F-4D97-AF65-F5344CB8AC3E}">
+        <p14:creationId xmlns:p14="http://schemas.microsoft.com/office/powerpoint/2010/main" val="746294505"/>
+      </p:ext>
+    </p:extLst>
+  </p:cSld>
+  <p:clrMapOvr>
+    <a:masterClrMapping/>
+  </p:clrMapOvr>
+</p:sld>
+</file>
+
+<file path=ppt/slides/slide25.xml><?xml version="1.0" encoding="utf-8"?>
+<p:sld xmlns:a="http://schemas.openxmlformats.org/drawingml/2006/main" xmlns:r="http://schemas.openxmlformats.org/officeDocument/2006/relationships" xmlns:p="http://schemas.openxmlformats.org/presentationml/2006/main">
+  <p:cSld>
+    <p:spTree>
+      <p:nvGrpSpPr>
+        <p:cNvPr id="1" name=""/>
+        <p:cNvGrpSpPr/>
+        <p:nvPr/>
+      </p:nvGrpSpPr>
+      <p:grpSpPr>
+        <a:xfrm>
+          <a:off x="0" y="0"/>
+          <a:ext cx="0" cy="0"/>
+          <a:chOff x="0" y="0"/>
+          <a:chExt cx="0" cy="0"/>
+        </a:xfrm>
+      </p:grpSpPr>
+      <p:sp>
+        <p:nvSpPr>
           <p:cNvPr id="4" name="Title 3">
             <a:extLst>
               <a:ext uri="{FF2B5EF4-FFF2-40B4-BE49-F238E27FC236}">
@@ -10929,7 +12284,7 @@
 </p:sld>
 </file>
 
-<file path=ppt/slides/slide23.xml><?xml version="1.0" encoding="utf-8"?>
+<file path=ppt/slides/slide26.xml><?xml version="1.0" encoding="utf-8"?>
 <p:sld xmlns:a="http://schemas.openxmlformats.org/drawingml/2006/main" xmlns:r="http://schemas.openxmlformats.org/officeDocument/2006/relationships" xmlns:p="http://schemas.openxmlformats.org/presentationml/2006/main">
   <p:cSld>
     <p:spTree>
@@ -11189,7 +12544,7 @@
 </p:sld>
 </file>
 
-<file path=ppt/slides/slide24.xml><?xml version="1.0" encoding="utf-8"?>
+<file path=ppt/slides/slide27.xml><?xml version="1.0" encoding="utf-8"?>
 <p:sld xmlns:a="http://schemas.openxmlformats.org/drawingml/2006/main" xmlns:r="http://schemas.openxmlformats.org/officeDocument/2006/relationships" xmlns:p="http://schemas.openxmlformats.org/presentationml/2006/main">
   <p:cSld>
     <p:spTree>
@@ -11924,7 +13279,7 @@
 </p:sld>
 </file>
 
-<file path=ppt/slides/slide25.xml><?xml version="1.0" encoding="utf-8"?>
+<file path=ppt/slides/slide28.xml><?xml version="1.0" encoding="utf-8"?>
 <p:sld xmlns:a="http://schemas.openxmlformats.org/drawingml/2006/main" xmlns:r="http://schemas.openxmlformats.org/officeDocument/2006/relationships" xmlns:p="http://schemas.openxmlformats.org/presentationml/2006/main">
   <p:cSld>
     <p:spTree>
@@ -12039,7 +13394,7 @@
 </p:sld>
 </file>
 
-<file path=ppt/slides/slide26.xml><?xml version="1.0" encoding="utf-8"?>
+<file path=ppt/slides/slide29.xml><?xml version="1.0" encoding="utf-8"?>
 <p:sld xmlns:a="http://schemas.openxmlformats.org/drawingml/2006/main" xmlns:r="http://schemas.openxmlformats.org/officeDocument/2006/relationships" xmlns:p="http://schemas.openxmlformats.org/presentationml/2006/main">
   <p:cSld>
     <p:spTree>
@@ -12159,7 +13514,7 @@
 </p:sld>
 </file>
 
-<file path=ppt/slides/slide27.xml><?xml version="1.0" encoding="utf-8"?>
+<file path=ppt/slides/slide3.xml><?xml version="1.0" encoding="utf-8"?>
 <p:sld xmlns:a="http://schemas.openxmlformats.org/drawingml/2006/main" xmlns:r="http://schemas.openxmlformats.org/officeDocument/2006/relationships" xmlns:p="http://schemas.openxmlformats.org/presentationml/2006/main">
   <p:cSld>
     <p:spTree>
@@ -12193,6 +13548,130 @@
           <a:p>
             <a:r>
               <a:rPr lang="en-US" dirty="0"/>
+              <a:t>Review</a:t>
+            </a:r>
+          </a:p>
+        </p:txBody>
+      </p:sp>
+      <p:sp>
+        <p:nvSpPr>
+          <p:cNvPr id="3" name="Content Placeholder 2"/>
+          <p:cNvSpPr>
+            <a:spLocks noGrp="1"/>
+          </p:cNvSpPr>
+          <p:nvPr>
+            <p:ph idx="1"/>
+          </p:nvPr>
+        </p:nvSpPr>
+        <p:spPr/>
+        <p:txBody>
+          <a:bodyPr>
+            <a:normAutofit lnSpcReduction="10000"/>
+          </a:bodyPr>
+          <a:lstStyle/>
+          <a:p>
+            <a:pPr marL="0" indent="0">
+              <a:buNone/>
+            </a:pPr>
+            <a:r>
+              <a:rPr lang="en-US" b="1" dirty="0"/>
+              <a:t>Previously in 3110:</a:t>
+            </a:r>
+          </a:p>
+          <a:p>
+            <a:r>
+              <a:rPr lang="en-US" dirty="0"/>
+              <a:t>Interpreters</a:t>
+            </a:r>
+          </a:p>
+          <a:p>
+            <a:r>
+              <a:rPr lang="en-US" dirty="0"/>
+              <a:t>Substitution model</a:t>
+            </a:r>
+          </a:p>
+          <a:p>
+            <a:pPr marL="0" indent="0">
+              <a:buNone/>
+            </a:pPr>
+            <a:endParaRPr lang="en-US" dirty="0"/>
+          </a:p>
+          <a:p>
+            <a:pPr marL="0" indent="0">
+              <a:buNone/>
+            </a:pPr>
+            <a:r>
+              <a:rPr lang="en-US" b="1" dirty="0"/>
+              <a:t>Today:</a:t>
+            </a:r>
+          </a:p>
+          <a:p>
+            <a:r>
+              <a:rPr lang="en-US" dirty="0"/>
+              <a:t>Small-step vs. big-step evaluation</a:t>
+            </a:r>
+          </a:p>
+          <a:p>
+            <a:r>
+              <a:rPr lang="en-US" dirty="0"/>
+              <a:t>Environment model</a:t>
+            </a:r>
+          </a:p>
+          <a:p>
+            <a:r>
+              <a:rPr lang="en-US" dirty="0"/>
+              <a:t>Dynamic vs. static scope</a:t>
+            </a:r>
+          </a:p>
+        </p:txBody>
+      </p:sp>
+    </p:spTree>
+    <p:extLst>
+      <p:ext uri="{BB962C8B-B14F-4D97-AF65-F5344CB8AC3E}">
+        <p14:creationId xmlns:p14="http://schemas.microsoft.com/office/powerpoint/2010/main" val="3102393654"/>
+      </p:ext>
+    </p:extLst>
+  </p:cSld>
+  <p:clrMapOvr>
+    <a:masterClrMapping/>
+  </p:clrMapOvr>
+</p:sld>
+</file>
+
+<file path=ppt/slides/slide30.xml><?xml version="1.0" encoding="utf-8"?>
+<p:sld xmlns:a="http://schemas.openxmlformats.org/drawingml/2006/main" xmlns:r="http://schemas.openxmlformats.org/officeDocument/2006/relationships" xmlns:p="http://schemas.openxmlformats.org/presentationml/2006/main">
+  <p:cSld>
+    <p:spTree>
+      <p:nvGrpSpPr>
+        <p:cNvPr id="1" name=""/>
+        <p:cNvGrpSpPr/>
+        <p:nvPr/>
+      </p:nvGrpSpPr>
+      <p:grpSpPr>
+        <a:xfrm>
+          <a:off x="0" y="0"/>
+          <a:ext cx="0" cy="0"/>
+          <a:chOff x="0" y="0"/>
+          <a:chExt cx="0" cy="0"/>
+        </a:xfrm>
+      </p:grpSpPr>
+      <p:sp>
+        <p:nvSpPr>
+          <p:cNvPr id="2" name="Title 1"/>
+          <p:cNvSpPr>
+            <a:spLocks noGrp="1"/>
+          </p:cNvSpPr>
+          <p:nvPr>
+            <p:ph type="title"/>
+          </p:nvPr>
+        </p:nvSpPr>
+        <p:spPr/>
+        <p:txBody>
+          <a:bodyPr/>
+          <a:lstStyle/>
+          <a:p>
+            <a:r>
+              <a:rPr lang="en-US" dirty="0"/>
               <a:t>Lexical scope</a:t>
             </a:r>
           </a:p>
@@ -12283,7 +13762,7 @@
 </p:sld>
 </file>
 
-<file path=ppt/slides/slide28.xml><?xml version="1.0" encoding="utf-8"?>
+<file path=ppt/slides/slide31.xml><?xml version="1.0" encoding="utf-8"?>
 <p:sld xmlns:a="http://schemas.openxmlformats.org/drawingml/2006/main" xmlns:r="http://schemas.openxmlformats.org/officeDocument/2006/relationships" xmlns:p="http://schemas.openxmlformats.org/presentationml/2006/main">
   <p:cSld>
     <p:spTree>
@@ -12434,7 +13913,7 @@
 </p:sld>
 </file>
 
-<file path=ppt/slides/slide29.xml><?xml version="1.0" encoding="utf-8"?>
+<file path=ppt/slides/slide32.xml><?xml version="1.0" encoding="utf-8"?>
 <p:sld xmlns:a="http://schemas.openxmlformats.org/drawingml/2006/main" xmlns:r="http://schemas.openxmlformats.org/officeDocument/2006/relationships" xmlns:p="http://schemas.openxmlformats.org/presentationml/2006/main">
   <p:cSld>
     <p:spTree>
@@ -12546,7 +14025,7 @@
             <a:fld id="{3B048AC8-D41E-4C7B-8EE3-A52489AA1F05}" type="slidenum">
               <a:rPr lang="en-US" smtClean="0"/>
               <a:pPr/>
-              <a:t>29</a:t>
+              <a:t>32</a:t>
             </a:fld>
             <a:endParaRPr lang="en-US" dirty="0"/>
           </a:p>
@@ -12644,131 +14123,7 @@
 </p:sld>
 </file>
 
-<file path=ppt/slides/slide3.xml><?xml version="1.0" encoding="utf-8"?>
-<p:sld xmlns:a="http://schemas.openxmlformats.org/drawingml/2006/main" xmlns:r="http://schemas.openxmlformats.org/officeDocument/2006/relationships" xmlns:p="http://schemas.openxmlformats.org/presentationml/2006/main">
-  <p:cSld>
-    <p:spTree>
-      <p:nvGrpSpPr>
-        <p:cNvPr id="1" name=""/>
-        <p:cNvGrpSpPr/>
-        <p:nvPr/>
-      </p:nvGrpSpPr>
-      <p:grpSpPr>
-        <a:xfrm>
-          <a:off x="0" y="0"/>
-          <a:ext cx="0" cy="0"/>
-          <a:chOff x="0" y="0"/>
-          <a:chExt cx="0" cy="0"/>
-        </a:xfrm>
-      </p:grpSpPr>
-      <p:sp>
-        <p:nvSpPr>
-          <p:cNvPr id="2" name="Title 1"/>
-          <p:cNvSpPr>
-            <a:spLocks noGrp="1"/>
-          </p:cNvSpPr>
-          <p:nvPr>
-            <p:ph type="title"/>
-          </p:nvPr>
-        </p:nvSpPr>
-        <p:spPr/>
-        <p:txBody>
-          <a:bodyPr/>
-          <a:lstStyle/>
-          <a:p>
-            <a:r>
-              <a:rPr lang="en-US" dirty="0"/>
-              <a:t>Review</a:t>
-            </a:r>
-          </a:p>
-        </p:txBody>
-      </p:sp>
-      <p:sp>
-        <p:nvSpPr>
-          <p:cNvPr id="3" name="Content Placeholder 2"/>
-          <p:cNvSpPr>
-            <a:spLocks noGrp="1"/>
-          </p:cNvSpPr>
-          <p:nvPr>
-            <p:ph idx="1"/>
-          </p:nvPr>
-        </p:nvSpPr>
-        <p:spPr/>
-        <p:txBody>
-          <a:bodyPr>
-            <a:normAutofit lnSpcReduction="10000"/>
-          </a:bodyPr>
-          <a:lstStyle/>
-          <a:p>
-            <a:pPr marL="0" indent="0">
-              <a:buNone/>
-            </a:pPr>
-            <a:r>
-              <a:rPr lang="en-US" b="1" dirty="0"/>
-              <a:t>Previously in 3110:</a:t>
-            </a:r>
-          </a:p>
-          <a:p>
-            <a:r>
-              <a:rPr lang="en-US" dirty="0"/>
-              <a:t>Interpreters</a:t>
-            </a:r>
-          </a:p>
-          <a:p>
-            <a:r>
-              <a:rPr lang="en-US" dirty="0"/>
-              <a:t>Substitution model</a:t>
-            </a:r>
-          </a:p>
-          <a:p>
-            <a:pPr marL="0" indent="0">
-              <a:buNone/>
-            </a:pPr>
-            <a:endParaRPr lang="en-US" dirty="0"/>
-          </a:p>
-          <a:p>
-            <a:pPr marL="0" indent="0">
-              <a:buNone/>
-            </a:pPr>
-            <a:r>
-              <a:rPr lang="en-US" b="1" dirty="0"/>
-              <a:t>Today:</a:t>
-            </a:r>
-          </a:p>
-          <a:p>
-            <a:r>
-              <a:rPr lang="en-US" dirty="0"/>
-              <a:t>Small-step vs. big-step evaluation</a:t>
-            </a:r>
-          </a:p>
-          <a:p>
-            <a:r>
-              <a:rPr lang="en-US" dirty="0"/>
-              <a:t>Environment model</a:t>
-            </a:r>
-          </a:p>
-          <a:p>
-            <a:r>
-              <a:rPr lang="en-US" dirty="0"/>
-              <a:t>Dynamic vs. static scope</a:t>
-            </a:r>
-          </a:p>
-        </p:txBody>
-      </p:sp>
-    </p:spTree>
-    <p:extLst>
-      <p:ext uri="{BB962C8B-B14F-4D97-AF65-F5344CB8AC3E}">
-        <p14:creationId xmlns:p14="http://schemas.microsoft.com/office/powerpoint/2010/main" val="3102393654"/>
-      </p:ext>
-    </p:extLst>
-  </p:cSld>
-  <p:clrMapOvr>
-    <a:masterClrMapping/>
-  </p:clrMapOvr>
-</p:sld>
-</file>
-
-<file path=ppt/slides/slide30.xml><?xml version="1.0" encoding="utf-8"?>
+<file path=ppt/slides/slide33.xml><?xml version="1.0" encoding="utf-8"?>
 <p:sld xmlns:a="http://schemas.openxmlformats.org/drawingml/2006/main" xmlns:r="http://schemas.openxmlformats.org/officeDocument/2006/relationships" xmlns:p="http://schemas.openxmlformats.org/presentationml/2006/main">
   <p:cSld>
     <p:spTree>
@@ -13166,7 +14521,7 @@
 </p:sld>
 </file>
 
-<file path=ppt/slides/slide31.xml><?xml version="1.0" encoding="utf-8"?>
+<file path=ppt/slides/slide34.xml><?xml version="1.0" encoding="utf-8"?>
 <p:sld xmlns:a="http://schemas.openxmlformats.org/drawingml/2006/main" xmlns:r="http://schemas.openxmlformats.org/officeDocument/2006/relationships" xmlns:p="http://schemas.openxmlformats.org/presentationml/2006/main">
   <p:cSld>
     <p:spTree>
@@ -13305,7 +14660,7 @@
 </p:sld>
 </file>
 
-<file path=ppt/slides/slide32.xml><?xml version="1.0" encoding="utf-8"?>
+<file path=ppt/slides/slide35.xml><?xml version="1.0" encoding="utf-8"?>
 <p:sld xmlns:a="http://schemas.openxmlformats.org/drawingml/2006/main" xmlns:r="http://schemas.openxmlformats.org/officeDocument/2006/relationships" xmlns:p="http://schemas.openxmlformats.org/presentationml/2006/main">
   <p:cSld>
     <p:spTree>
@@ -13334,42 +14689,80 @@
         </p:nvSpPr>
         <p:spPr/>
         <p:txBody>
+          <a:bodyPr/>
+          <a:lstStyle/>
+          <a:p>
+            <a:r>
+              <a:rPr lang="en-US" dirty="0"/>
+              <a:t>Function values v2.0</a:t>
+            </a:r>
+          </a:p>
+        </p:txBody>
+      </p:sp>
+      <p:sp>
+        <p:nvSpPr>
+          <p:cNvPr id="3" name="Content Placeholder 2"/>
+          <p:cNvSpPr>
+            <a:spLocks noGrp="1"/>
+          </p:cNvSpPr>
+          <p:nvPr>
+            <p:ph idx="1"/>
+          </p:nvPr>
+        </p:nvSpPr>
+        <p:spPr/>
+        <p:txBody>
           <a:bodyPr>
             <a:normAutofit/>
           </a:bodyPr>
           <a:lstStyle/>
           <a:p>
+            <a:pPr marL="0" indent="0">
+              <a:buNone/>
+            </a:pPr>
             <a:r>
               <a:rPr lang="en-US" dirty="0"/>
-              <a:t>Function application rule v2.0</a:t>
-            </a:r>
-          </a:p>
-        </p:txBody>
-      </p:sp>
-      <p:sp>
-        <p:nvSpPr>
-          <p:cNvPr id="3" name="Content Placeholder 2"/>
-          <p:cNvSpPr>
-            <a:spLocks noGrp="1"/>
-          </p:cNvSpPr>
-          <p:nvPr>
-            <p:ph idx="1"/>
-          </p:nvPr>
-        </p:nvSpPr>
-        <p:spPr/>
-        <p:txBody>
-          <a:bodyPr>
-            <a:normAutofit/>
-          </a:bodyPr>
-          <a:lstStyle/>
+              <a:t>Anonymous functions </a:t>
+            </a:r>
+            <a:r>
+              <a:rPr lang="en-US" b="1" dirty="0">
+                <a:latin typeface="Courier New"/>
+                <a:cs typeface="Courier New"/>
+              </a:rPr>
+              <a:t>fun x -&gt; e </a:t>
+            </a:r>
+            <a:r>
+              <a:rPr lang="en-US" dirty="0"/>
+              <a:t>are </a:t>
+            </a:r>
+            <a:r>
+              <a:rPr lang="en-US" dirty="0">
+                <a:solidFill>
+                  <a:schemeClr val="accent6"/>
+                </a:solidFill>
+              </a:rPr>
+              <a:t>closures:</a:t>
+            </a:r>
+          </a:p>
           <a:p>
             <a:pPr marL="0" indent="0">
               <a:buNone/>
             </a:pPr>
+            <a:endParaRPr lang="en-US" sz="2800" b="1" dirty="0">
+              <a:solidFill>
+                <a:srgbClr val="8064A2"/>
+              </a:solidFill>
+              <a:latin typeface="Courier New"/>
+              <a:cs typeface="Courier New"/>
+            </a:endParaRPr>
+          </a:p>
+          <a:p>
+            <a:pPr marL="0" indent="0">
+              <a:buNone/>
+            </a:pPr>
             <a:r>
               <a:rPr lang="en-US" sz="2800" b="1" dirty="0">
                 <a:solidFill>
-                  <a:schemeClr val="accent4"/>
+                  <a:srgbClr val="8064A2"/>
                 </a:solidFill>
                 <a:latin typeface="Courier New"/>
                 <a:cs typeface="Courier New"/>
@@ -13379,7 +14772,7 @@
             <a:r>
               <a:rPr lang="en-US" sz="2800" b="1" dirty="0" err="1">
                 <a:solidFill>
-                  <a:schemeClr val="accent4"/>
+                  <a:srgbClr val="8064A2"/>
                 </a:solidFill>
                 <a:latin typeface="Courier New"/>
                 <a:cs typeface="Courier New"/>
@@ -13389,13 +14782,18 @@
             <a:r>
               <a:rPr lang="en-US" sz="2800" b="1" dirty="0">
                 <a:solidFill>
-                  <a:schemeClr val="accent4"/>
-                </a:solidFill>
-                <a:latin typeface="Courier New"/>
-                <a:cs typeface="Courier New"/>
-              </a:rPr>
-              <a:t>, e1 e2⟩ </a:t>
-            </a:r>
+                  <a:srgbClr val="8064A2"/>
+                </a:solidFill>
+                <a:latin typeface="Courier New"/>
+                <a:cs typeface="Courier New"/>
+              </a:rPr>
+              <a:t>, fun x -&gt; e⟩ </a:t>
+            </a:r>
+          </a:p>
+          <a:p>
+            <a:pPr marL="0" indent="0">
+              <a:buNone/>
+            </a:pPr>
             <a:r>
               <a:rPr lang="en-US" sz="2800" b="1" dirty="0">
                 <a:solidFill>
@@ -13409,40 +14807,47 @@
             <a:r>
               <a:rPr lang="en-US" sz="2800" b="1" dirty="0">
                 <a:solidFill>
-                  <a:schemeClr val="accent4"/>
-                </a:solidFill>
-                <a:latin typeface="Courier New"/>
-                <a:cs typeface="Courier New"/>
-              </a:rPr>
-              <a:t> v</a:t>
-            </a:r>
-          </a:p>
-          <a:p>
-            <a:pPr marL="0" indent="0">
-              <a:buNone/>
-            </a:pPr>
-            <a:r>
-              <a:rPr lang="en-US" sz="2800" dirty="0">
-                <a:solidFill>
-                  <a:schemeClr val="accent4"/>
-                </a:solidFill>
-              </a:rPr>
-              <a:t>	if </a:t>
+                  <a:srgbClr val="8064A2"/>
+                </a:solidFill>
+                <a:latin typeface="Courier New"/>
+                <a:cs typeface="Courier New"/>
+              </a:rPr>
+              <a:t> </a:t>
             </a:r>
             <a:r>
               <a:rPr lang="en-US" sz="2800" b="1" dirty="0">
                 <a:solidFill>
-                  <a:schemeClr val="accent4"/>
-                </a:solidFill>
-                <a:latin typeface="Courier New"/>
-                <a:cs typeface="Courier New"/>
-              </a:rPr>
-              <a:t>⟨</a:t>
+                  <a:srgbClr val="F79646"/>
+                </a:solidFill>
+                <a:latin typeface="Courier New"/>
+                <a:cs typeface="Courier New"/>
+              </a:rPr>
+              <a:t>(|</a:t>
+            </a:r>
+            <a:r>
+              <a:rPr lang="en-US" sz="2800" b="1" dirty="0">
+                <a:solidFill>
+                  <a:srgbClr val="8064A2"/>
+                </a:solidFill>
+                <a:latin typeface="Courier New"/>
+                <a:cs typeface="Courier New"/>
+              </a:rPr>
+              <a:t>fun x -&gt; e </a:t>
+            </a:r>
+            <a:r>
+              <a:rPr lang="en-US" sz="2800" b="1" dirty="0">
+                <a:solidFill>
+                  <a:srgbClr val="F79646"/>
+                </a:solidFill>
+                <a:latin typeface="Courier New"/>
+                <a:cs typeface="Courier New"/>
+              </a:rPr>
+              <a:t>, </a:t>
             </a:r>
             <a:r>
               <a:rPr lang="en-US" sz="2800" b="1" dirty="0" err="1">
                 <a:solidFill>
-                  <a:schemeClr val="accent4"/>
+                  <a:srgbClr val="F79646"/>
                 </a:solidFill>
                 <a:latin typeface="Courier New"/>
                 <a:cs typeface="Courier New"/>
@@ -13452,217 +14857,12 @@
             <a:r>
               <a:rPr lang="en-US" sz="2800" b="1" dirty="0">
                 <a:solidFill>
-                  <a:schemeClr val="accent4"/>
-                </a:solidFill>
-                <a:latin typeface="Courier New"/>
-                <a:cs typeface="Courier New"/>
-              </a:rPr>
-              <a:t>, e1⟩ </a:t>
-            </a:r>
-            <a:r>
-              <a:rPr lang="en-US" sz="2800" b="1" dirty="0">
-                <a:solidFill>
-                  <a:srgbClr val="1F497D"/>
-                </a:solidFill>
-                <a:latin typeface="Courier New"/>
-                <a:cs typeface="Courier New"/>
-              </a:rPr>
-              <a:t>⟹</a:t>
-            </a:r>
-            <a:r>
-              <a:rPr lang="en-US" sz="2800" b="1" dirty="0">
-                <a:solidFill>
-                  <a:schemeClr val="accent4"/>
-                </a:solidFill>
-                <a:latin typeface="Courier New"/>
-                <a:cs typeface="Courier New"/>
-              </a:rPr>
-              <a:t> </a:t>
-            </a:r>
-            <a:br>
-              <a:rPr lang="en-US" sz="2800" b="1" dirty="0">
-                <a:solidFill>
-                  <a:schemeClr val="accent4"/>
-                </a:solidFill>
-                <a:latin typeface="Courier New"/>
-                <a:cs typeface="Courier New"/>
-              </a:rPr>
-            </a:br>
-            <a:r>
-              <a:rPr lang="en-US" sz="2800" b="1" dirty="0">
-                <a:solidFill>
-                  <a:schemeClr val="accent4"/>
-                </a:solidFill>
-                <a:latin typeface="Courier New"/>
-                <a:cs typeface="Courier New"/>
-              </a:rPr>
-              <a:t>     </a:t>
-            </a:r>
-            <a:r>
-              <a:rPr lang="en-US" sz="2800" b="1" dirty="0">
-                <a:solidFill>
-                  <a:schemeClr val="accent6"/>
-                </a:solidFill>
-                <a:latin typeface="Courier New"/>
-                <a:cs typeface="Courier New"/>
-              </a:rPr>
-              <a:t>(|</a:t>
-            </a:r>
-            <a:r>
-              <a:rPr lang="en-US" sz="2800" b="1" dirty="0">
-                <a:solidFill>
-                  <a:schemeClr val="accent4"/>
-                </a:solidFill>
-                <a:latin typeface="Courier New"/>
-                <a:cs typeface="Courier New"/>
-              </a:rPr>
-              <a:t>fun x -&gt; e , </a:t>
-            </a:r>
-            <a:r>
-              <a:rPr lang="en-US" sz="2800" b="1" dirty="0" err="1">
-                <a:solidFill>
-                  <a:schemeClr val="accent6"/>
-                </a:solidFill>
-                <a:latin typeface="Courier New"/>
-                <a:cs typeface="Courier New"/>
-              </a:rPr>
-              <a:t>defenv</a:t>
-            </a:r>
-            <a:r>
-              <a:rPr lang="en-US" sz="2800" b="1" dirty="0">
-                <a:solidFill>
-                  <a:schemeClr val="accent6"/>
+                  <a:srgbClr val="F79646"/>
                 </a:solidFill>
                 <a:latin typeface="Courier New"/>
                 <a:cs typeface="Courier New"/>
               </a:rPr>
               <a:t>|)</a:t>
-            </a:r>
-          </a:p>
-          <a:p>
-            <a:pPr marL="0" indent="0">
-              <a:buNone/>
-            </a:pPr>
-            <a:r>
-              <a:rPr lang="en-US" sz="2800" dirty="0">
-                <a:solidFill>
-                  <a:schemeClr val="accent4"/>
-                </a:solidFill>
-              </a:rPr>
-              <a:t>	and </a:t>
-            </a:r>
-            <a:r>
-              <a:rPr lang="en-US" sz="2800" b="1" dirty="0">
-                <a:solidFill>
-                  <a:schemeClr val="accent4"/>
-                </a:solidFill>
-                <a:latin typeface="Courier New"/>
-                <a:cs typeface="Courier New"/>
-              </a:rPr>
-              <a:t>⟨</a:t>
-            </a:r>
-            <a:r>
-              <a:rPr lang="en-US" sz="2800" b="1" dirty="0" err="1">
-                <a:solidFill>
-                  <a:schemeClr val="accent4"/>
-                </a:solidFill>
-                <a:latin typeface="Courier New"/>
-                <a:cs typeface="Courier New"/>
-              </a:rPr>
-              <a:t>env</a:t>
-            </a:r>
-            <a:r>
-              <a:rPr lang="en-US" sz="2800" b="1" dirty="0">
-                <a:solidFill>
-                  <a:schemeClr val="accent4"/>
-                </a:solidFill>
-                <a:latin typeface="Courier New"/>
-                <a:cs typeface="Courier New"/>
-              </a:rPr>
-              <a:t>, e2⟩ </a:t>
-            </a:r>
-            <a:r>
-              <a:rPr lang="en-US" sz="2800" b="1" dirty="0">
-                <a:solidFill>
-                  <a:srgbClr val="1F497D"/>
-                </a:solidFill>
-                <a:latin typeface="Courier New"/>
-                <a:cs typeface="Courier New"/>
-              </a:rPr>
-              <a:t>⟹</a:t>
-            </a:r>
-            <a:r>
-              <a:rPr lang="en-US" sz="2800" b="1" dirty="0">
-                <a:solidFill>
-                  <a:schemeClr val="accent4"/>
-                </a:solidFill>
-                <a:latin typeface="Courier New"/>
-                <a:cs typeface="Courier New"/>
-              </a:rPr>
-              <a:t> v2</a:t>
-            </a:r>
-          </a:p>
-          <a:p>
-            <a:pPr marL="0" indent="0">
-              <a:buNone/>
-            </a:pPr>
-            <a:r>
-              <a:rPr lang="en-US" sz="2800" dirty="0">
-                <a:solidFill>
-                  <a:schemeClr val="accent4"/>
-                </a:solidFill>
-              </a:rPr>
-              <a:t>	and </a:t>
-            </a:r>
-            <a:r>
-              <a:rPr lang="en-US" sz="2800" b="1" dirty="0">
-                <a:solidFill>
-                  <a:schemeClr val="accent4"/>
-                </a:solidFill>
-                <a:latin typeface="Courier New"/>
-                <a:cs typeface="Courier New"/>
-              </a:rPr>
-              <a:t>⟨</a:t>
-            </a:r>
-            <a:r>
-              <a:rPr lang="en-US" sz="2800" b="1" dirty="0" err="1">
-                <a:solidFill>
-                  <a:schemeClr val="accent6"/>
-                </a:solidFill>
-                <a:latin typeface="Courier New"/>
-                <a:cs typeface="Courier New"/>
-              </a:rPr>
-              <a:t>defenv</a:t>
-            </a:r>
-            <a:r>
-              <a:rPr lang="en-US" sz="2800" b="1" dirty="0">
-                <a:solidFill>
-                  <a:schemeClr val="accent4"/>
-                </a:solidFill>
-                <a:latin typeface="Courier New"/>
-                <a:cs typeface="Courier New"/>
-              </a:rPr>
-              <a:t>[x ↦ v2], e⟩ </a:t>
-            </a:r>
-            <a:r>
-              <a:rPr lang="en-US" sz="2800" b="1" dirty="0">
-                <a:solidFill>
-                  <a:srgbClr val="1F497D"/>
-                </a:solidFill>
-                <a:latin typeface="Courier New"/>
-                <a:cs typeface="Courier New"/>
-              </a:rPr>
-              <a:t>⟹</a:t>
-            </a:r>
-            <a:r>
-              <a:rPr lang="en-US" sz="2800" b="1" dirty="0">
-                <a:solidFill>
-                  <a:schemeClr val="accent4"/>
-                </a:solidFill>
-                <a:latin typeface="Courier New"/>
-                <a:cs typeface="Courier New"/>
-              </a:rPr>
-              <a:t> v</a:t>
             </a:r>
           </a:p>
         </p:txBody>
@@ -13670,7 +14870,7 @@
     </p:spTree>
     <p:extLst>
       <p:ext uri="{BB962C8B-B14F-4D97-AF65-F5344CB8AC3E}">
-        <p14:creationId xmlns:p14="http://schemas.microsoft.com/office/powerpoint/2010/main" val="1437892150"/>
+        <p14:creationId xmlns:p14="http://schemas.microsoft.com/office/powerpoint/2010/main" val="1889477936"/>
       </p:ext>
     </p:extLst>
   </p:cSld>
@@ -13680,7 +14880,7 @@
 </p:sld>
 </file>
 
-<file path=ppt/slides/slide33.xml><?xml version="1.0" encoding="utf-8"?>
+<file path=ppt/slides/slide36.xml><?xml version="1.0" encoding="utf-8"?>
 <p:sld xmlns:a="http://schemas.openxmlformats.org/drawingml/2006/main" xmlns:r="http://schemas.openxmlformats.org/officeDocument/2006/relationships" xmlns:p="http://schemas.openxmlformats.org/presentationml/2006/main">
   <p:cSld>
     <p:spTree>
@@ -13709,80 +14909,290 @@
         </p:nvSpPr>
         <p:spPr/>
         <p:txBody>
-          <a:bodyPr/>
-          <a:lstStyle/>
-          <a:p>
-            <a:r>
-              <a:rPr lang="en-US" dirty="0"/>
-              <a:t>Function values v2.0</a:t>
-            </a:r>
-          </a:p>
-        </p:txBody>
-      </p:sp>
-      <p:sp>
-        <p:nvSpPr>
-          <p:cNvPr id="3" name="Content Placeholder 2"/>
-          <p:cNvSpPr>
-            <a:spLocks noGrp="1"/>
-          </p:cNvSpPr>
-          <p:nvPr>
-            <p:ph idx="1"/>
-          </p:nvPr>
-        </p:nvSpPr>
-        <p:spPr/>
-        <p:txBody>
           <a:bodyPr>
             <a:normAutofit/>
           </a:bodyPr>
           <a:lstStyle/>
           <a:p>
+            <a:r>
+              <a:rPr lang="en-US" dirty="0"/>
+              <a:t>Function application rule v2.0</a:t>
+            </a:r>
+          </a:p>
+        </p:txBody>
+      </p:sp>
+      <p:sp>
+        <p:nvSpPr>
+          <p:cNvPr id="3" name="Content Placeholder 2"/>
+          <p:cNvSpPr>
+            <a:spLocks noGrp="1"/>
+          </p:cNvSpPr>
+          <p:nvPr>
+            <p:ph idx="1"/>
+          </p:nvPr>
+        </p:nvSpPr>
+        <p:spPr/>
+        <p:txBody>
+          <a:bodyPr>
+            <a:normAutofit/>
+          </a:bodyPr>
+          <a:lstStyle/>
+          <a:p>
             <a:pPr marL="0" indent="0">
               <a:buNone/>
             </a:pPr>
             <a:r>
-              <a:rPr lang="en-US" dirty="0"/>
-              <a:t>Anonymous functions </a:t>
-            </a:r>
-            <a:r>
-              <a:rPr lang="en-US" b="1" dirty="0">
-                <a:latin typeface="Courier New"/>
-                <a:cs typeface="Courier New"/>
-              </a:rPr>
-              <a:t>fun x -&gt; e </a:t>
-            </a:r>
-            <a:r>
-              <a:rPr lang="en-US" dirty="0"/>
-              <a:t>are </a:t>
-            </a:r>
-            <a:r>
-              <a:rPr lang="en-US" dirty="0">
+              <a:rPr lang="en-US" sz="2800" b="1" dirty="0">
+                <a:solidFill>
+                  <a:schemeClr val="accent4"/>
+                </a:solidFill>
+                <a:latin typeface="Courier New"/>
+                <a:cs typeface="Courier New"/>
+              </a:rPr>
+              <a:t>⟨</a:t>
+            </a:r>
+            <a:r>
+              <a:rPr lang="en-US" sz="2800" b="1" dirty="0" err="1">
+                <a:solidFill>
+                  <a:schemeClr val="accent4"/>
+                </a:solidFill>
+                <a:latin typeface="Courier New"/>
+                <a:cs typeface="Courier New"/>
+              </a:rPr>
+              <a:t>env</a:t>
+            </a:r>
+            <a:r>
+              <a:rPr lang="en-US" sz="2800" b="1" dirty="0">
+                <a:solidFill>
+                  <a:schemeClr val="accent4"/>
+                </a:solidFill>
+                <a:latin typeface="Courier New"/>
+                <a:cs typeface="Courier New"/>
+              </a:rPr>
+              <a:t>, e1 e2⟩ </a:t>
+            </a:r>
+            <a:r>
+              <a:rPr lang="en-US" sz="2800" b="1" dirty="0">
+                <a:solidFill>
+                  <a:srgbClr val="1F497D"/>
+                </a:solidFill>
+                <a:latin typeface="Courier New"/>
+                <a:cs typeface="Courier New"/>
+              </a:rPr>
+              <a:t>⟹</a:t>
+            </a:r>
+            <a:r>
+              <a:rPr lang="en-US" sz="2800" b="1" dirty="0">
+                <a:solidFill>
+                  <a:schemeClr val="accent4"/>
+                </a:solidFill>
+                <a:latin typeface="Courier New"/>
+                <a:cs typeface="Courier New"/>
+              </a:rPr>
+              <a:t> v</a:t>
+            </a:r>
+          </a:p>
+          <a:p>
+            <a:pPr marL="0" indent="0">
+              <a:buNone/>
+            </a:pPr>
+            <a:r>
+              <a:rPr lang="en-US" sz="2800" dirty="0">
+                <a:solidFill>
+                  <a:schemeClr val="accent4"/>
+                </a:solidFill>
+              </a:rPr>
+              <a:t>	if </a:t>
+            </a:r>
+            <a:r>
+              <a:rPr lang="en-US" sz="2800" b="1" dirty="0">
+                <a:solidFill>
+                  <a:schemeClr val="accent4"/>
+                </a:solidFill>
+                <a:latin typeface="Courier New"/>
+                <a:cs typeface="Courier New"/>
+              </a:rPr>
+              <a:t>⟨</a:t>
+            </a:r>
+            <a:r>
+              <a:rPr lang="en-US" sz="2800" b="1" dirty="0" err="1">
+                <a:solidFill>
+                  <a:schemeClr val="accent4"/>
+                </a:solidFill>
+                <a:latin typeface="Courier New"/>
+                <a:cs typeface="Courier New"/>
+              </a:rPr>
+              <a:t>env</a:t>
+            </a:r>
+            <a:r>
+              <a:rPr lang="en-US" sz="2800" b="1" dirty="0">
+                <a:solidFill>
+                  <a:schemeClr val="accent4"/>
+                </a:solidFill>
+                <a:latin typeface="Courier New"/>
+                <a:cs typeface="Courier New"/>
+              </a:rPr>
+              <a:t>, e1⟩ </a:t>
+            </a:r>
+            <a:r>
+              <a:rPr lang="en-US" sz="2800" b="1" dirty="0">
+                <a:solidFill>
+                  <a:srgbClr val="1F497D"/>
+                </a:solidFill>
+                <a:latin typeface="Courier New"/>
+                <a:cs typeface="Courier New"/>
+              </a:rPr>
+              <a:t>⟹</a:t>
+            </a:r>
+            <a:r>
+              <a:rPr lang="en-US" sz="2800" b="1" dirty="0">
+                <a:solidFill>
+                  <a:schemeClr val="accent4"/>
+                </a:solidFill>
+                <a:latin typeface="Courier New"/>
+                <a:cs typeface="Courier New"/>
+              </a:rPr>
+              <a:t> </a:t>
+            </a:r>
+            <a:br>
+              <a:rPr lang="en-US" sz="2800" b="1" dirty="0">
+                <a:solidFill>
+                  <a:schemeClr val="accent4"/>
+                </a:solidFill>
+                <a:latin typeface="Courier New"/>
+                <a:cs typeface="Courier New"/>
+              </a:rPr>
+            </a:br>
+            <a:r>
+              <a:rPr lang="en-US" sz="2800" b="1" dirty="0">
+                <a:solidFill>
+                  <a:schemeClr val="accent4"/>
+                </a:solidFill>
+                <a:latin typeface="Courier New"/>
+                <a:cs typeface="Courier New"/>
+              </a:rPr>
+              <a:t>     </a:t>
+            </a:r>
+            <a:r>
+              <a:rPr lang="en-US" sz="2800" b="1" dirty="0">
                 <a:solidFill>
                   <a:schemeClr val="accent6"/>
                 </a:solidFill>
-              </a:rPr>
-              <a:t>closures:</a:t>
+                <a:latin typeface="Courier New"/>
+                <a:cs typeface="Courier New"/>
+              </a:rPr>
+              <a:t>(|</a:t>
+            </a:r>
+            <a:r>
+              <a:rPr lang="en-US" sz="2800" b="1" dirty="0">
+                <a:solidFill>
+                  <a:schemeClr val="accent4"/>
+                </a:solidFill>
+                <a:latin typeface="Courier New"/>
+                <a:cs typeface="Courier New"/>
+              </a:rPr>
+              <a:t>fun x -&gt; e , </a:t>
+            </a:r>
+            <a:r>
+              <a:rPr lang="en-US" sz="2800" b="1" dirty="0" err="1">
+                <a:solidFill>
+                  <a:schemeClr val="accent6"/>
+                </a:solidFill>
+                <a:latin typeface="Courier New"/>
+                <a:cs typeface="Courier New"/>
+              </a:rPr>
+              <a:t>defenv</a:t>
+            </a:r>
+            <a:r>
+              <a:rPr lang="en-US" sz="2800" b="1" dirty="0">
+                <a:solidFill>
+                  <a:schemeClr val="accent6"/>
+                </a:solidFill>
+                <a:latin typeface="Courier New"/>
+                <a:cs typeface="Courier New"/>
+              </a:rPr>
+              <a:t>|)</a:t>
             </a:r>
           </a:p>
           <a:p>
             <a:pPr marL="0" indent="0">
               <a:buNone/>
             </a:pPr>
-            <a:endParaRPr lang="en-US" sz="2800" b="1" dirty="0">
-              <a:solidFill>
-                <a:srgbClr val="8064A2"/>
-              </a:solidFill>
-              <a:latin typeface="Courier New"/>
-              <a:cs typeface="Courier New"/>
-            </a:endParaRPr>
+            <a:r>
+              <a:rPr lang="en-US" sz="2800" dirty="0">
+                <a:solidFill>
+                  <a:schemeClr val="accent4"/>
+                </a:solidFill>
+              </a:rPr>
+              <a:t>	and </a:t>
+            </a:r>
+            <a:r>
+              <a:rPr lang="en-US" sz="2800" b="1" dirty="0">
+                <a:solidFill>
+                  <a:schemeClr val="accent4"/>
+                </a:solidFill>
+                <a:latin typeface="Courier New"/>
+                <a:cs typeface="Courier New"/>
+              </a:rPr>
+              <a:t>⟨</a:t>
+            </a:r>
+            <a:r>
+              <a:rPr lang="en-US" sz="2800" b="1" dirty="0" err="1">
+                <a:solidFill>
+                  <a:schemeClr val="accent4"/>
+                </a:solidFill>
+                <a:latin typeface="Courier New"/>
+                <a:cs typeface="Courier New"/>
+              </a:rPr>
+              <a:t>env</a:t>
+            </a:r>
+            <a:r>
+              <a:rPr lang="en-US" sz="2800" b="1" dirty="0">
+                <a:solidFill>
+                  <a:schemeClr val="accent4"/>
+                </a:solidFill>
+                <a:latin typeface="Courier New"/>
+                <a:cs typeface="Courier New"/>
+              </a:rPr>
+              <a:t>, e2⟩ </a:t>
+            </a:r>
+            <a:r>
+              <a:rPr lang="en-US" sz="2800" b="1" dirty="0">
+                <a:solidFill>
+                  <a:srgbClr val="1F497D"/>
+                </a:solidFill>
+                <a:latin typeface="Courier New"/>
+                <a:cs typeface="Courier New"/>
+              </a:rPr>
+              <a:t>⟹</a:t>
+            </a:r>
+            <a:r>
+              <a:rPr lang="en-US" sz="2800" b="1" dirty="0">
+                <a:solidFill>
+                  <a:schemeClr val="accent4"/>
+                </a:solidFill>
+                <a:latin typeface="Courier New"/>
+                <a:cs typeface="Courier New"/>
+              </a:rPr>
+              <a:t> v2</a:t>
+            </a:r>
           </a:p>
           <a:p>
             <a:pPr marL="0" indent="0">
               <a:buNone/>
             </a:pPr>
             <a:r>
+              <a:rPr lang="en-US" sz="2800" dirty="0">
+                <a:solidFill>
+                  <a:schemeClr val="accent4"/>
+                </a:solidFill>
+              </a:rPr>
+              <a:t>	and </a:t>
+            </a:r>
+            <a:r>
               <a:rPr lang="en-US" sz="2800" b="1" dirty="0">
                 <a:solidFill>
-                  <a:srgbClr val="8064A2"/>
+                  <a:schemeClr val="accent4"/>
                 </a:solidFill>
                 <a:latin typeface="Courier New"/>
                 <a:cs typeface="Courier New"/>
@@ -13792,28 +15202,23 @@
             <a:r>
               <a:rPr lang="en-US" sz="2800" b="1" dirty="0" err="1">
                 <a:solidFill>
-                  <a:srgbClr val="8064A2"/>
-                </a:solidFill>
-                <a:latin typeface="Courier New"/>
-                <a:cs typeface="Courier New"/>
-              </a:rPr>
-              <a:t>env</a:t>
+                  <a:schemeClr val="accent6"/>
+                </a:solidFill>
+                <a:latin typeface="Courier New"/>
+                <a:cs typeface="Courier New"/>
+              </a:rPr>
+              <a:t>defenv</a:t>
             </a:r>
             <a:r>
               <a:rPr lang="en-US" sz="2800" b="1" dirty="0">
                 <a:solidFill>
-                  <a:srgbClr val="8064A2"/>
-                </a:solidFill>
-                <a:latin typeface="Courier New"/>
-                <a:cs typeface="Courier New"/>
-              </a:rPr>
-              <a:t>, fun x -&gt; e⟩ </a:t>
-            </a:r>
-          </a:p>
-          <a:p>
-            <a:pPr marL="0" indent="0">
-              <a:buNone/>
-            </a:pPr>
+                  <a:schemeClr val="accent4"/>
+                </a:solidFill>
+                <a:latin typeface="Courier New"/>
+                <a:cs typeface="Courier New"/>
+              </a:rPr>
+              <a:t>[x ↦ v2], e⟩ </a:t>
+            </a:r>
             <a:r>
               <a:rPr lang="en-US" sz="2800" b="1" dirty="0">
                 <a:solidFill>
@@ -13827,62 +15232,12 @@
             <a:r>
               <a:rPr lang="en-US" sz="2800" b="1" dirty="0">
                 <a:solidFill>
-                  <a:srgbClr val="8064A2"/>
-                </a:solidFill>
-                <a:latin typeface="Courier New"/>
-                <a:cs typeface="Courier New"/>
-              </a:rPr>
-              <a:t> </a:t>
-            </a:r>
-            <a:r>
-              <a:rPr lang="en-US" sz="2800" b="1" dirty="0">
-                <a:solidFill>
-                  <a:srgbClr val="F79646"/>
-                </a:solidFill>
-                <a:latin typeface="Courier New"/>
-                <a:cs typeface="Courier New"/>
-              </a:rPr>
-              <a:t>(|</a:t>
-            </a:r>
-            <a:r>
-              <a:rPr lang="en-US" sz="2800" b="1" dirty="0">
-                <a:solidFill>
-                  <a:srgbClr val="8064A2"/>
-                </a:solidFill>
-                <a:latin typeface="Courier New"/>
-                <a:cs typeface="Courier New"/>
-              </a:rPr>
-              <a:t>fun x -&gt; e </a:t>
-            </a:r>
-            <a:r>
-              <a:rPr lang="en-US" sz="2800" b="1" dirty="0">
-                <a:solidFill>
-                  <a:srgbClr val="F79646"/>
-                </a:solidFill>
-                <a:latin typeface="Courier New"/>
-                <a:cs typeface="Courier New"/>
-              </a:rPr>
-              <a:t>, </a:t>
-            </a:r>
-            <a:r>
-              <a:rPr lang="en-US" sz="2800" b="1" dirty="0" err="1">
-                <a:solidFill>
-                  <a:srgbClr val="F79646"/>
-                </a:solidFill>
-                <a:latin typeface="Courier New"/>
-                <a:cs typeface="Courier New"/>
-              </a:rPr>
-              <a:t>env</a:t>
-            </a:r>
-            <a:r>
-              <a:rPr lang="en-US" sz="2800" b="1" dirty="0">
-                <a:solidFill>
-                  <a:srgbClr val="F79646"/>
-                </a:solidFill>
-                <a:latin typeface="Courier New"/>
-                <a:cs typeface="Courier New"/>
-              </a:rPr>
-              <a:t>|)</a:t>
+                  <a:schemeClr val="accent4"/>
+                </a:solidFill>
+                <a:latin typeface="Courier New"/>
+                <a:cs typeface="Courier New"/>
+              </a:rPr>
+              <a:t> v</a:t>
             </a:r>
           </a:p>
         </p:txBody>
@@ -13892,7 +15247,7 @@
           <p:cNvPr id="4" name="TextBox 3">
             <a:extLst>
               <a:ext uri="{FF2B5EF4-FFF2-40B4-BE49-F238E27FC236}">
-                <a16:creationId xmlns:a16="http://schemas.microsoft.com/office/drawing/2014/main" id="{40E525A4-F2B0-EA4E-B0C3-59F136E7F468}"/>
+                <a16:creationId xmlns:a16="http://schemas.microsoft.com/office/drawing/2014/main" id="{8981A066-C22A-C542-B2CC-33E1CEAD9F06}"/>
               </a:ext>
             </a:extLst>
           </p:cNvPr>
@@ -13932,7 +15287,7 @@
     </p:spTree>
     <p:extLst>
       <p:ext uri="{BB962C8B-B14F-4D97-AF65-F5344CB8AC3E}">
-        <p14:creationId xmlns:p14="http://schemas.microsoft.com/office/powerpoint/2010/main" val="1889477936"/>
+        <p14:creationId xmlns:p14="http://schemas.microsoft.com/office/powerpoint/2010/main" val="4227478479"/>
       </p:ext>
     </p:extLst>
   </p:cSld>
@@ -14020,7 +15375,7 @@
 </p:sld>
 </file>
 
-<file path=ppt/slides/slide34.xml><?xml version="1.0" encoding="utf-8"?>
+<file path=ppt/slides/slide37.xml><?xml version="1.0" encoding="utf-8"?>
 <p:sld xmlns:a="http://schemas.openxmlformats.org/drawingml/2006/main" xmlns:r="http://schemas.openxmlformats.org/officeDocument/2006/relationships" xmlns:p="http://schemas.openxmlformats.org/presentationml/2006/main">
   <p:cSld>
     <p:spTree>
@@ -14180,30 +15535,6 @@
               <a:rPr lang="en-US" dirty="0"/>
               <a:t>like how dynamic scope uses “most recent” binding of variable</a:t>
             </a:r>
-          </a:p>
-        </p:txBody>
-      </p:sp>
-      <p:sp>
-        <p:nvSpPr>
-          <p:cNvPr id="5" name="Slide Number Placeholder 4"/>
-          <p:cNvSpPr>
-            <a:spLocks noGrp="1"/>
-          </p:cNvSpPr>
-          <p:nvPr>
-            <p:ph type="sldNum" sz="quarter" idx="11"/>
-          </p:nvPr>
-        </p:nvSpPr>
-        <p:spPr/>
-        <p:txBody>
-          <a:bodyPr/>
-          <a:lstStyle/>
-          <a:p>
-            <a:fld id="{3B048AC8-D41E-4C7B-8EE3-A52489AA1F05}" type="slidenum">
-              <a:rPr lang="en-US" smtClean="0"/>
-              <a:pPr/>
-              <a:t>34</a:t>
-            </a:fld>
-            <a:endParaRPr lang="en-US"/>
           </a:p>
         </p:txBody>
       </p:sp>
@@ -14503,7 +15834,7 @@
 </p:sld>
 </file>
 
-<file path=ppt/slides/slide35.xml><?xml version="1.0" encoding="utf-8"?>
+<file path=ppt/slides/slide38.xml><?xml version="1.0" encoding="utf-8"?>
 <p:sld xmlns:a="http://schemas.openxmlformats.org/drawingml/2006/main" xmlns:r="http://schemas.openxmlformats.org/officeDocument/2006/relationships" xmlns:p="http://schemas.openxmlformats.org/presentationml/2006/main">
   <p:cSld>
     <p:spTree>

--- a/18-env-model/lec.pptx
+++ b/18-env-model/lec.pptx
@@ -250,7 +250,7 @@
             <a:fld id="{5367F125-181F-9A48-A24E-AAD89CB055B5}" type="datetimeFigureOut">
               <a:rPr lang="en-US" smtClean="0"/>
               <a:pPr/>
-              <a:t>11/3/19</a:t>
+              <a:t>11/5/19</a:t>
             </a:fld>
             <a:endParaRPr lang="en-US" dirty="0"/>
           </a:p>
@@ -1890,6 +1890,154 @@
           <a:bodyPr/>
           <a:lstStyle/>
           <a:p>
+            <a:r>
+              <a:rPr lang="en-US" dirty="0"/>
+              <a:t>Why is lexical scope right?</a:t>
+            </a:r>
+          </a:p>
+          <a:p>
+            <a:pPr lvl="1"/>
+            <a:r>
+              <a:rPr lang="en-US" dirty="0"/>
+              <a:t>it supports the Principle of Name Irrelevance:  name of variable shouldn't matter to meaning of program</a:t>
+            </a:r>
+          </a:p>
+          <a:p>
+            <a:pPr lvl="1"/>
+            <a:r>
+              <a:rPr lang="en-US" dirty="0"/>
+              <a:t>programmers free to change names of local variables</a:t>
+            </a:r>
+          </a:p>
+          <a:p>
+            <a:pPr lvl="1"/>
+            <a:r>
+              <a:rPr lang="en-US" dirty="0"/>
+              <a:t>type checker can prevent more run-time errors</a:t>
+            </a:r>
+          </a:p>
+          <a:p>
+            <a:pPr lvl="0"/>
+            <a:r>
+              <a:rPr lang="en-US" dirty="0"/>
+              <a:t>Dynamic scope:</a:t>
+            </a:r>
+          </a:p>
+          <a:p>
+            <a:pPr lvl="1"/>
+            <a:r>
+              <a:rPr lang="en-US" dirty="0"/>
+              <a:t>Some languages use it as the norm (e.g., Emacs LISP, </a:t>
+            </a:r>
+            <a:r>
+              <a:rPr lang="en-US" dirty="0" err="1"/>
+              <a:t>LaTeX</a:t>
+            </a:r>
+            <a:r>
+              <a:rPr lang="en-US" dirty="0"/>
+              <a:t>)</a:t>
+            </a:r>
+          </a:p>
+          <a:p>
+            <a:pPr lvl="1"/>
+            <a:r>
+              <a:rPr lang="en-US" dirty="0"/>
+              <a:t>Some languages have special ways to do it (e.g., Perl, Racket) </a:t>
+            </a:r>
+          </a:p>
+          <a:p>
+            <a:pPr lvl="1"/>
+            <a:r>
+              <a:rPr lang="en-US" dirty="0"/>
+              <a:t>But most languages just don’t have it</a:t>
+            </a:r>
+          </a:p>
+          <a:p>
+            <a:endParaRPr lang="en-US" dirty="0"/>
+          </a:p>
+        </p:txBody>
+      </p:sp>
+      <p:sp>
+        <p:nvSpPr>
+          <p:cNvPr id="4" name="Slide Number Placeholder 3"/>
+          <p:cNvSpPr>
+            <a:spLocks noGrp="1"/>
+          </p:cNvSpPr>
+          <p:nvPr>
+            <p:ph type="sldNum" sz="quarter" idx="5"/>
+          </p:nvPr>
+        </p:nvSpPr>
+        <p:spPr/>
+        <p:txBody>
+          <a:bodyPr/>
+          <a:lstStyle/>
+          <a:p>
+            <a:fld id="{B7975FD5-AB21-4C45-BFE8-1D3F02B463E2}" type="slidenum">
+              <a:rPr lang="en-US" smtClean="0"/>
+              <a:pPr/>
+              <a:t>37</a:t>
+            </a:fld>
+            <a:endParaRPr lang="en-US" dirty="0"/>
+          </a:p>
+        </p:txBody>
+      </p:sp>
+    </p:spTree>
+    <p:extLst>
+      <p:ext uri="{BB962C8B-B14F-4D97-AF65-F5344CB8AC3E}">
+        <p14:creationId xmlns:p14="http://schemas.microsoft.com/office/powerpoint/2010/main" val="4109315907"/>
+      </p:ext>
+    </p:extLst>
+  </p:cSld>
+  <p:clrMapOvr>
+    <a:masterClrMapping/>
+  </p:clrMapOvr>
+</p:notes>
+</file>
+
+<file path=ppt/notesSlides/notesSlide19.xml><?xml version="1.0" encoding="utf-8"?>
+<p:notes xmlns:a="http://schemas.openxmlformats.org/drawingml/2006/main" xmlns:r="http://schemas.openxmlformats.org/officeDocument/2006/relationships" xmlns:p="http://schemas.openxmlformats.org/presentationml/2006/main">
+  <p:cSld>
+    <p:spTree>
+      <p:nvGrpSpPr>
+        <p:cNvPr id="1" name=""/>
+        <p:cNvGrpSpPr/>
+        <p:nvPr/>
+      </p:nvGrpSpPr>
+      <p:grpSpPr>
+        <a:xfrm>
+          <a:off x="0" y="0"/>
+          <a:ext cx="0" cy="0"/>
+          <a:chOff x="0" y="0"/>
+          <a:chExt cx="0" cy="0"/>
+        </a:xfrm>
+      </p:grpSpPr>
+      <p:sp>
+        <p:nvSpPr>
+          <p:cNvPr id="2" name="Slide Image Placeholder 1"/>
+          <p:cNvSpPr>
+            <a:spLocks noGrp="1" noRot="1" noChangeAspect="1"/>
+          </p:cNvSpPr>
+          <p:nvPr>
+            <p:ph type="sldImg"/>
+          </p:nvPr>
+        </p:nvSpPr>
+        <p:spPr/>
+      </p:sp>
+      <p:sp>
+        <p:nvSpPr>
+          <p:cNvPr id="3" name="Notes Placeholder 2"/>
+          <p:cNvSpPr>
+            <a:spLocks noGrp="1"/>
+          </p:cNvSpPr>
+          <p:nvPr>
+            <p:ph type="body" idx="1"/>
+          </p:nvPr>
+        </p:nvSpPr>
+        <p:spPr/>
+        <p:txBody>
+          <a:bodyPr/>
+          <a:lstStyle/>
+          <a:p>
             <a:endParaRPr lang="en-US" dirty="0"/>
           </a:p>
         </p:txBody>
@@ -3053,7 +3201,7 @@
           <a:p>
             <a:fld id="{96331252-4874-F047-84B8-3D3EF8743E79}" type="datetimeFigureOut">
               <a:rPr lang="en-US" smtClean="0"/>
-              <a:t>11/3/19</a:t>
+              <a:t>11/5/19</a:t>
             </a:fld>
             <a:endParaRPr lang="en-US"/>
           </a:p>
@@ -3320,7 +3468,7 @@
           <a:p>
             <a:fld id="{96331252-4874-F047-84B8-3D3EF8743E79}" type="datetimeFigureOut">
               <a:rPr lang="en-US" smtClean="0"/>
-              <a:t>11/3/19</a:t>
+              <a:t>11/5/19</a:t>
             </a:fld>
             <a:endParaRPr lang="en-US"/>
           </a:p>
@@ -3498,7 +3646,7 @@
           <a:p>
             <a:fld id="{96331252-4874-F047-84B8-3D3EF8743E79}" type="datetimeFigureOut">
               <a:rPr lang="en-US" smtClean="0"/>
-              <a:t>11/3/19</a:t>
+              <a:t>11/5/19</a:t>
             </a:fld>
             <a:endParaRPr lang="en-US"/>
           </a:p>
@@ -3674,7 +3822,7 @@
           <a:p>
             <a:fld id="{96331252-4874-F047-84B8-3D3EF8743E79}" type="datetimeFigureOut">
               <a:rPr lang="en-US" smtClean="0"/>
-              <a:t>11/3/19</a:t>
+              <a:t>11/5/19</a:t>
             </a:fld>
             <a:endParaRPr lang="en-US"/>
           </a:p>
@@ -3919,7 +4067,7 @@
           <a:p>
             <a:fld id="{96331252-4874-F047-84B8-3D3EF8743E79}" type="datetimeFigureOut">
               <a:rPr lang="en-US" smtClean="0"/>
-              <a:t>11/3/19</a:t>
+              <a:t>11/5/19</a:t>
             </a:fld>
             <a:endParaRPr lang="en-US"/>
           </a:p>
@@ -4204,7 +4352,7 @@
           <a:p>
             <a:fld id="{96331252-4874-F047-84B8-3D3EF8743E79}" type="datetimeFigureOut">
               <a:rPr lang="en-US" smtClean="0"/>
-              <a:t>11/3/19</a:t>
+              <a:t>11/5/19</a:t>
             </a:fld>
             <a:endParaRPr lang="en-US"/>
           </a:p>
@@ -4623,7 +4771,7 @@
           <a:p>
             <a:fld id="{96331252-4874-F047-84B8-3D3EF8743E79}" type="datetimeFigureOut">
               <a:rPr lang="en-US" smtClean="0"/>
-              <a:t>11/3/19</a:t>
+              <a:t>11/5/19</a:t>
             </a:fld>
             <a:endParaRPr lang="en-US"/>
           </a:p>
@@ -4740,7 +4888,7 @@
           <a:p>
             <a:fld id="{96331252-4874-F047-84B8-3D3EF8743E79}" type="datetimeFigureOut">
               <a:rPr lang="en-US" smtClean="0"/>
-              <a:t>11/3/19</a:t>
+              <a:t>11/5/19</a:t>
             </a:fld>
             <a:endParaRPr lang="en-US"/>
           </a:p>
@@ -4835,7 +4983,7 @@
           <a:p>
             <a:fld id="{96331252-4874-F047-84B8-3D3EF8743E79}" type="datetimeFigureOut">
               <a:rPr lang="en-US" smtClean="0"/>
-              <a:t>11/3/19</a:t>
+              <a:t>11/5/19</a:t>
             </a:fld>
             <a:endParaRPr lang="en-US"/>
           </a:p>
@@ -5110,7 +5258,7 @@
           <a:p>
             <a:fld id="{96331252-4874-F047-84B8-3D3EF8743E79}" type="datetimeFigureOut">
               <a:rPr lang="en-US" smtClean="0"/>
-              <a:t>11/3/19</a:t>
+              <a:t>11/5/19</a:t>
             </a:fld>
             <a:endParaRPr lang="en-US"/>
           </a:p>
@@ -5362,7 +5510,7 @@
           <a:p>
             <a:fld id="{96331252-4874-F047-84B8-3D3EF8743E79}" type="datetimeFigureOut">
               <a:rPr lang="en-US" smtClean="0"/>
-              <a:t>11/3/19</a:t>
+              <a:t>11/5/19</a:t>
             </a:fld>
             <a:endParaRPr lang="en-US"/>
           </a:p>
@@ -5576,7 +5724,7 @@
             <a:fld id="{96331252-4874-F047-84B8-3D3EF8743E79}" type="datetimeFigureOut">
               <a:rPr lang="en-US" smtClean="0"/>
               <a:pPr/>
-              <a:t>11/3/19</a:t>
+              <a:t>11/5/19</a:t>
             </a:fld>
             <a:endParaRPr lang="en-US"/>
           </a:p>
@@ -6559,7 +6707,7 @@
                             </p:stCondLst>
                             <p:childTnLst>
                               <p:par>
-                                <p:cTn id="5" presetID="1" presetClass="entr" presetSubtype="0" fill="hold" grpId="0" nodeType="clickEffect">
+                                <p:cTn id="5" presetID="1" presetClass="entr" presetSubtype="0" fill="hold" nodeType="clickEffect">
                                   <p:stCondLst>
                                     <p:cond delay="0"/>
                                   </p:stCondLst>
@@ -6567,6 +6715,210 @@
                                     <p:set>
                                       <p:cBhvr>
                                         <p:cTn id="6" dur="1" fill="hold">
+                                          <p:stCondLst>
+                                            <p:cond delay="0"/>
+                                          </p:stCondLst>
+                                        </p:cTn>
+                                        <p:tgtEl>
+                                          <p:spTgt spid="3">
+                                            <p:txEl>
+                                              <p:pRg st="4" end="4"/>
+                                            </p:txEl>
+                                          </p:spTgt>
+                                        </p:tgtEl>
+                                        <p:attrNameLst>
+                                          <p:attrName>style.visibility</p:attrName>
+                                        </p:attrNameLst>
+                                      </p:cBhvr>
+                                      <p:to>
+                                        <p:strVal val="visible"/>
+                                      </p:to>
+                                    </p:set>
+                                  </p:childTnLst>
+                                </p:cTn>
+                              </p:par>
+                              <p:par>
+                                <p:cTn id="7" presetID="1" presetClass="entr" presetSubtype="0" fill="hold" nodeType="withEffect">
+                                  <p:stCondLst>
+                                    <p:cond delay="0"/>
+                                  </p:stCondLst>
+                                  <p:childTnLst>
+                                    <p:set>
+                                      <p:cBhvr>
+                                        <p:cTn id="8" dur="1" fill="hold">
+                                          <p:stCondLst>
+                                            <p:cond delay="0"/>
+                                          </p:stCondLst>
+                                        </p:cTn>
+                                        <p:tgtEl>
+                                          <p:spTgt spid="3">
+                                            <p:txEl>
+                                              <p:pRg st="5" end="5"/>
+                                            </p:txEl>
+                                          </p:spTgt>
+                                        </p:tgtEl>
+                                        <p:attrNameLst>
+                                          <p:attrName>style.visibility</p:attrName>
+                                        </p:attrNameLst>
+                                      </p:cBhvr>
+                                      <p:to>
+                                        <p:strVal val="visible"/>
+                                      </p:to>
+                                    </p:set>
+                                  </p:childTnLst>
+                                </p:cTn>
+                              </p:par>
+                              <p:par>
+                                <p:cTn id="9" presetID="1" presetClass="entr" presetSubtype="0" fill="hold" nodeType="withEffect">
+                                  <p:stCondLst>
+                                    <p:cond delay="0"/>
+                                  </p:stCondLst>
+                                  <p:childTnLst>
+                                    <p:set>
+                                      <p:cBhvr>
+                                        <p:cTn id="10" dur="1" fill="hold">
+                                          <p:stCondLst>
+                                            <p:cond delay="0"/>
+                                          </p:stCondLst>
+                                        </p:cTn>
+                                        <p:tgtEl>
+                                          <p:spTgt spid="3">
+                                            <p:txEl>
+                                              <p:pRg st="6" end="6"/>
+                                            </p:txEl>
+                                          </p:spTgt>
+                                        </p:tgtEl>
+                                        <p:attrNameLst>
+                                          <p:attrName>style.visibility</p:attrName>
+                                        </p:attrNameLst>
+                                      </p:cBhvr>
+                                      <p:to>
+                                        <p:strVal val="visible"/>
+                                      </p:to>
+                                    </p:set>
+                                  </p:childTnLst>
+                                </p:cTn>
+                              </p:par>
+                              <p:par>
+                                <p:cTn id="11" presetID="1" presetClass="entr" presetSubtype="0" fill="hold" nodeType="withEffect">
+                                  <p:stCondLst>
+                                    <p:cond delay="0"/>
+                                  </p:stCondLst>
+                                  <p:childTnLst>
+                                    <p:set>
+                                      <p:cBhvr>
+                                        <p:cTn id="12" dur="1" fill="hold">
+                                          <p:stCondLst>
+                                            <p:cond delay="0"/>
+                                          </p:stCondLst>
+                                        </p:cTn>
+                                        <p:tgtEl>
+                                          <p:spTgt spid="3">
+                                            <p:txEl>
+                                              <p:pRg st="7" end="7"/>
+                                            </p:txEl>
+                                          </p:spTgt>
+                                        </p:tgtEl>
+                                        <p:attrNameLst>
+                                          <p:attrName>style.visibility</p:attrName>
+                                        </p:attrNameLst>
+                                      </p:cBhvr>
+                                      <p:to>
+                                        <p:strVal val="visible"/>
+                                      </p:to>
+                                    </p:set>
+                                  </p:childTnLst>
+                                </p:cTn>
+                              </p:par>
+                              <p:par>
+                                <p:cTn id="13" presetID="1" presetClass="entr" presetSubtype="0" fill="hold" nodeType="withEffect">
+                                  <p:stCondLst>
+                                    <p:cond delay="0"/>
+                                  </p:stCondLst>
+                                  <p:childTnLst>
+                                    <p:set>
+                                      <p:cBhvr>
+                                        <p:cTn id="14" dur="1" fill="hold">
+                                          <p:stCondLst>
+                                            <p:cond delay="0"/>
+                                          </p:stCondLst>
+                                        </p:cTn>
+                                        <p:tgtEl>
+                                          <p:spTgt spid="3">
+                                            <p:txEl>
+                                              <p:pRg st="8" end="8"/>
+                                            </p:txEl>
+                                          </p:spTgt>
+                                        </p:tgtEl>
+                                        <p:attrNameLst>
+                                          <p:attrName>style.visibility</p:attrName>
+                                        </p:attrNameLst>
+                                      </p:cBhvr>
+                                      <p:to>
+                                        <p:strVal val="visible"/>
+                                      </p:to>
+                                    </p:set>
+                                  </p:childTnLst>
+                                </p:cTn>
+                              </p:par>
+                              <p:par>
+                                <p:cTn id="15" presetID="1" presetClass="entr" presetSubtype="0" fill="hold" nodeType="withEffect">
+                                  <p:stCondLst>
+                                    <p:cond delay="0"/>
+                                  </p:stCondLst>
+                                  <p:childTnLst>
+                                    <p:set>
+                                      <p:cBhvr>
+                                        <p:cTn id="16" dur="1" fill="hold">
+                                          <p:stCondLst>
+                                            <p:cond delay="0"/>
+                                          </p:stCondLst>
+                                        </p:cTn>
+                                        <p:tgtEl>
+                                          <p:spTgt spid="3">
+                                            <p:txEl>
+                                              <p:pRg st="9" end="9"/>
+                                            </p:txEl>
+                                          </p:spTgt>
+                                        </p:tgtEl>
+                                        <p:attrNameLst>
+                                          <p:attrName>style.visibility</p:attrName>
+                                        </p:attrNameLst>
+                                      </p:cBhvr>
+                                      <p:to>
+                                        <p:strVal val="visible"/>
+                                      </p:to>
+                                    </p:set>
+                                  </p:childTnLst>
+                                </p:cTn>
+                              </p:par>
+                            </p:childTnLst>
+                          </p:cTn>
+                        </p:par>
+                      </p:childTnLst>
+                    </p:cTn>
+                  </p:par>
+                  <p:par>
+                    <p:cTn id="17" fill="hold">
+                      <p:stCondLst>
+                        <p:cond delay="indefinite"/>
+                      </p:stCondLst>
+                      <p:childTnLst>
+                        <p:par>
+                          <p:cTn id="18" fill="hold">
+                            <p:stCondLst>
+                              <p:cond delay="0"/>
+                            </p:stCondLst>
+                            <p:childTnLst>
+                              <p:par>
+                                <p:cTn id="19" presetID="1" presetClass="entr" presetSubtype="0" fill="hold" grpId="0" nodeType="clickEffect">
+                                  <p:stCondLst>
+                                    <p:cond delay="0"/>
+                                  </p:stCondLst>
+                                  <p:childTnLst>
+                                    <p:set>
+                                      <p:cBhvr>
+                                        <p:cTn id="20" dur="1" fill="hold">
                                           <p:stCondLst>
                                             <p:cond delay="0"/>
                                           </p:stCondLst>
@@ -11251,6 +11603,48 @@
           </a:p>
         </p:txBody>
       </p:sp>
+      <p:sp>
+        <p:nvSpPr>
+          <p:cNvPr id="4" name="TextBox 3">
+            <a:extLst>
+              <a:ext uri="{FF2B5EF4-FFF2-40B4-BE49-F238E27FC236}">
+                <a16:creationId xmlns:a16="http://schemas.microsoft.com/office/drawing/2014/main" id="{05278D11-DBA5-5F48-8AE6-C5E05AAA5182}"/>
+              </a:ext>
+            </a:extLst>
+          </p:cNvPr>
+          <p:cNvSpPr txBox="1"/>
+          <p:nvPr/>
+        </p:nvSpPr>
+        <p:spPr>
+          <a:xfrm>
+            <a:off x="7820832" y="6094812"/>
+            <a:ext cx="914033" cy="461665"/>
+          </a:xfrm>
+          <a:prstGeom prst="rect">
+            <a:avLst/>
+          </a:prstGeom>
+          <a:noFill/>
+        </p:spPr>
+        <p:txBody>
+          <a:bodyPr wrap="square" rtlCol="0">
+            <a:spAutoFit/>
+          </a:bodyPr>
+          <a:lstStyle/>
+          <a:p>
+            <a:r>
+              <a:rPr lang="en-US" sz="2400" dirty="0">
+                <a:solidFill>
+                  <a:schemeClr val="bg2">
+                    <a:lumMod val="50000"/>
+                  </a:schemeClr>
+                </a:solidFill>
+                <a:latin typeface="Cronos Pro" panose="020C0502030403020304" pitchFamily="34" charset="77"/>
+              </a:rPr>
+              <a:t>Demo</a:t>
+            </a:r>
+          </a:p>
+        </p:txBody>
+      </p:sp>
     </p:spTree>
     <p:extLst>
       <p:ext uri="{BB962C8B-B14F-4D97-AF65-F5344CB8AC3E}">
@@ -11261,6 +11655,84 @@
   <p:clrMapOvr>
     <a:masterClrMapping/>
   </p:clrMapOvr>
+  <p:timing>
+    <p:tnLst>
+      <p:par>
+        <p:cTn id="1" dur="indefinite" restart="never" nodeType="tmRoot">
+          <p:childTnLst>
+            <p:seq concurrent="1" nextAc="seek">
+              <p:cTn id="2" dur="indefinite" nodeType="mainSeq">
+                <p:childTnLst>
+                  <p:par>
+                    <p:cTn id="3" fill="hold">
+                      <p:stCondLst>
+                        <p:cond delay="indefinite"/>
+                      </p:stCondLst>
+                      <p:childTnLst>
+                        <p:par>
+                          <p:cTn id="4" fill="hold">
+                            <p:stCondLst>
+                              <p:cond delay="0"/>
+                            </p:stCondLst>
+                            <p:childTnLst>
+                              <p:par>
+                                <p:cTn id="5" presetID="1" presetClass="entr" presetSubtype="0" fill="hold" grpId="0" nodeType="clickEffect">
+                                  <p:stCondLst>
+                                    <p:cond delay="0"/>
+                                  </p:stCondLst>
+                                  <p:childTnLst>
+                                    <p:set>
+                                      <p:cBhvr>
+                                        <p:cTn id="6" dur="1" fill="hold">
+                                          <p:stCondLst>
+                                            <p:cond delay="0"/>
+                                          </p:stCondLst>
+                                        </p:cTn>
+                                        <p:tgtEl>
+                                          <p:spTgt spid="4"/>
+                                        </p:tgtEl>
+                                        <p:attrNameLst>
+                                          <p:attrName>style.visibility</p:attrName>
+                                        </p:attrNameLst>
+                                      </p:cBhvr>
+                                      <p:to>
+                                        <p:strVal val="visible"/>
+                                      </p:to>
+                                    </p:set>
+                                  </p:childTnLst>
+                                </p:cTn>
+                              </p:par>
+                            </p:childTnLst>
+                          </p:cTn>
+                        </p:par>
+                      </p:childTnLst>
+                    </p:cTn>
+                  </p:par>
+                </p:childTnLst>
+              </p:cTn>
+              <p:prevCondLst>
+                <p:cond evt="onPrev" delay="0">
+                  <p:tgtEl>
+                    <p:sldTgt/>
+                  </p:tgtEl>
+                </p:cond>
+              </p:prevCondLst>
+              <p:nextCondLst>
+                <p:cond evt="onNext" delay="0">
+                  <p:tgtEl>
+                    <p:sldTgt/>
+                  </p:tgtEl>
+                </p:cond>
+              </p:nextCondLst>
+            </p:seq>
+          </p:childTnLst>
+        </p:cTn>
+      </p:par>
+    </p:tnLst>
+    <p:bldLst>
+      <p:bldP spid="4" grpId="0"/>
+    </p:bldLst>
+  </p:timing>
 </p:sld>
 </file>
 
@@ -15242,48 +15714,6 @@
           </a:p>
         </p:txBody>
       </p:sp>
-      <p:sp>
-        <p:nvSpPr>
-          <p:cNvPr id="4" name="TextBox 3">
-            <a:extLst>
-              <a:ext uri="{FF2B5EF4-FFF2-40B4-BE49-F238E27FC236}">
-                <a16:creationId xmlns:a16="http://schemas.microsoft.com/office/drawing/2014/main" id="{8981A066-C22A-C542-B2CC-33E1CEAD9F06}"/>
-              </a:ext>
-            </a:extLst>
-          </p:cNvPr>
-          <p:cNvSpPr txBox="1"/>
-          <p:nvPr/>
-        </p:nvSpPr>
-        <p:spPr>
-          <a:xfrm>
-            <a:off x="7820832" y="6094812"/>
-            <a:ext cx="914033" cy="461665"/>
-          </a:xfrm>
-          <a:prstGeom prst="rect">
-            <a:avLst/>
-          </a:prstGeom>
-          <a:noFill/>
-        </p:spPr>
-        <p:txBody>
-          <a:bodyPr wrap="square" rtlCol="0">
-            <a:spAutoFit/>
-          </a:bodyPr>
-          <a:lstStyle/>
-          <a:p>
-            <a:r>
-              <a:rPr lang="en-US" sz="2400" dirty="0">
-                <a:solidFill>
-                  <a:schemeClr val="bg2">
-                    <a:lumMod val="50000"/>
-                  </a:schemeClr>
-                </a:solidFill>
-                <a:latin typeface="Cronos Pro" panose="020C0502030403020304" pitchFamily="34" charset="77"/>
-              </a:rPr>
-              <a:t>Demo</a:t>
-            </a:r>
-          </a:p>
-        </p:txBody>
-      </p:sp>
     </p:spTree>
     <p:extLst>
       <p:ext uri="{BB962C8B-B14F-4D97-AF65-F5344CB8AC3E}">
@@ -15294,84 +15724,6 @@
   <p:clrMapOvr>
     <a:masterClrMapping/>
   </p:clrMapOvr>
-  <p:timing>
-    <p:tnLst>
-      <p:par>
-        <p:cTn id="1" dur="indefinite" restart="never" nodeType="tmRoot">
-          <p:childTnLst>
-            <p:seq concurrent="1" nextAc="seek">
-              <p:cTn id="2" dur="indefinite" nodeType="mainSeq">
-                <p:childTnLst>
-                  <p:par>
-                    <p:cTn id="3" fill="hold">
-                      <p:stCondLst>
-                        <p:cond delay="indefinite"/>
-                      </p:stCondLst>
-                      <p:childTnLst>
-                        <p:par>
-                          <p:cTn id="4" fill="hold">
-                            <p:stCondLst>
-                              <p:cond delay="0"/>
-                            </p:stCondLst>
-                            <p:childTnLst>
-                              <p:par>
-                                <p:cTn id="5" presetID="1" presetClass="entr" presetSubtype="0" fill="hold" grpId="0" nodeType="clickEffect">
-                                  <p:stCondLst>
-                                    <p:cond delay="0"/>
-                                  </p:stCondLst>
-                                  <p:childTnLst>
-                                    <p:set>
-                                      <p:cBhvr>
-                                        <p:cTn id="6" dur="1" fill="hold">
-                                          <p:stCondLst>
-                                            <p:cond delay="0"/>
-                                          </p:stCondLst>
-                                        </p:cTn>
-                                        <p:tgtEl>
-                                          <p:spTgt spid="4"/>
-                                        </p:tgtEl>
-                                        <p:attrNameLst>
-                                          <p:attrName>style.visibility</p:attrName>
-                                        </p:attrNameLst>
-                                      </p:cBhvr>
-                                      <p:to>
-                                        <p:strVal val="visible"/>
-                                      </p:to>
-                                    </p:set>
-                                  </p:childTnLst>
-                                </p:cTn>
-                              </p:par>
-                            </p:childTnLst>
-                          </p:cTn>
-                        </p:par>
-                      </p:childTnLst>
-                    </p:cTn>
-                  </p:par>
-                </p:childTnLst>
-              </p:cTn>
-              <p:prevCondLst>
-                <p:cond evt="onPrev" delay="0">
-                  <p:tgtEl>
-                    <p:sldTgt/>
-                  </p:tgtEl>
-                </p:cond>
-              </p:prevCondLst>
-              <p:nextCondLst>
-                <p:cond evt="onNext" delay="0">
-                  <p:tgtEl>
-                    <p:sldTgt/>
-                  </p:tgtEl>
-                </p:cond>
-              </p:nextCondLst>
-            </p:seq>
-          </p:childTnLst>
-        </p:cTn>
-      </p:par>
-    </p:tnLst>
-    <p:bldLst>
-      <p:bldP spid="4" grpId="0"/>
-    </p:bldLst>
-  </p:timing>
 </p:sld>
 </file>
 
@@ -15432,81 +15784,27 @@
         </p:spPr>
         <p:txBody>
           <a:bodyPr>
-            <a:normAutofit fontScale="70000" lnSpcReduction="20000"/>
+            <a:normAutofit lnSpcReduction="10000"/>
           </a:bodyPr>
           <a:lstStyle/>
           <a:p>
             <a:r>
               <a:rPr lang="en-US" dirty="0"/>
-              <a:t>Consensus after decades of programming language design is that </a:t>
-            </a:r>
+              <a:t>Consensus after decades of programming language design is that:</a:t>
+            </a:r>
+          </a:p>
+          <a:p>
+            <a:pPr lvl="1"/>
             <a:r>
               <a:rPr lang="en-US" b="1" dirty="0"/>
-              <a:t>lexical scope is the right choice</a:t>
+              <a:t>Lexical scope is usually the right choice</a:t>
             </a:r>
           </a:p>
           <a:p>
             <a:pPr lvl="1"/>
-            <a:r>
-              <a:rPr lang="en-US" dirty="0"/>
-              <a:t>it supports the Principle of Name Irrelevance:  name of variable shouldn't matter to meaning of program</a:t>
-            </a:r>
-          </a:p>
-          <a:p>
-            <a:pPr lvl="1"/>
-            <a:r>
-              <a:rPr lang="en-US" dirty="0"/>
-              <a:t>programmers free to change names of local variables</a:t>
-            </a:r>
-          </a:p>
-          <a:p>
-            <a:pPr lvl="1"/>
-            <a:r>
-              <a:rPr lang="en-US" dirty="0"/>
-              <a:t>type checker can prevent more run-time errors</a:t>
-            </a:r>
-          </a:p>
-          <a:p>
             <a:r>
               <a:rPr lang="en-US" dirty="0"/>
               <a:t>Dynamic scope is useful in some situations</a:t>
-            </a:r>
-          </a:p>
-          <a:p>
-            <a:pPr lvl="1"/>
-            <a:r>
-              <a:rPr lang="en-US" dirty="0"/>
-              <a:t>Some languages use it as the norm (e.g., </a:t>
-            </a:r>
-            <a:r>
-              <a:rPr lang="en-US" dirty="0" err="1"/>
-              <a:t>Emacs</a:t>
-            </a:r>
-            <a:r>
-              <a:rPr lang="en-US" dirty="0"/>
-              <a:t> LISP, </a:t>
-            </a:r>
-            <a:r>
-              <a:rPr lang="en-US" dirty="0" err="1"/>
-              <a:t>LaTeX</a:t>
-            </a:r>
-            <a:r>
-              <a:rPr lang="en-US" dirty="0"/>
-              <a:t>)</a:t>
-            </a:r>
-          </a:p>
-          <a:p>
-            <a:pPr lvl="1"/>
-            <a:r>
-              <a:rPr lang="en-US" dirty="0"/>
-              <a:t>Some languages have special ways to do it (e.g., Perl, Racket) </a:t>
-            </a:r>
-          </a:p>
-          <a:p>
-            <a:pPr lvl="1"/>
-            <a:r>
-              <a:rPr lang="en-US" dirty="0"/>
-              <a:t>But most languages just don’t have it</a:t>
             </a:r>
           </a:p>
           <a:p>
@@ -15584,7 +15882,7 @@
                                         <p:tgtEl>
                                           <p:spTgt spid="3">
                                             <p:txEl>
-                                              <p:pRg st="4" end="4"/>
+                                              <p:pRg st="3" end="3"/>
                                             </p:txEl>
                                           </p:spTgt>
                                         </p:tgtEl>
@@ -15615,7 +15913,7 @@
                                         <p:tgtEl>
                                           <p:spTgt spid="3">
                                             <p:txEl>
-                                              <p:pRg st="5" end="5"/>
+                                              <p:pRg st="4" end="4"/>
                                             </p:txEl>
                                           </p:spTgt>
                                         </p:tgtEl>
@@ -15646,149 +15944,7 @@
                                         <p:tgtEl>
                                           <p:spTgt spid="3">
                                             <p:txEl>
-                                              <p:pRg st="6" end="6"/>
-                                            </p:txEl>
-                                          </p:spTgt>
-                                        </p:tgtEl>
-                                        <p:attrNameLst>
-                                          <p:attrName>style.visibility</p:attrName>
-                                        </p:attrNameLst>
-                                      </p:cBhvr>
-                                      <p:to>
-                                        <p:strVal val="visible"/>
-                                      </p:to>
-                                    </p:set>
-                                  </p:childTnLst>
-                                </p:cTn>
-                              </p:par>
-                              <p:par>
-                                <p:cTn id="11" presetID="1" presetClass="entr" presetSubtype="0" fill="hold" nodeType="withEffect">
-                                  <p:stCondLst>
-                                    <p:cond delay="0"/>
-                                  </p:stCondLst>
-                                  <p:childTnLst>
-                                    <p:set>
-                                      <p:cBhvr>
-                                        <p:cTn id="12" dur="1" fill="hold">
-                                          <p:stCondLst>
-                                            <p:cond delay="0"/>
-                                          </p:stCondLst>
-                                        </p:cTn>
-                                        <p:tgtEl>
-                                          <p:spTgt spid="3">
-                                            <p:txEl>
-                                              <p:pRg st="7" end="7"/>
-                                            </p:txEl>
-                                          </p:spTgt>
-                                        </p:tgtEl>
-                                        <p:attrNameLst>
-                                          <p:attrName>style.visibility</p:attrName>
-                                        </p:attrNameLst>
-                                      </p:cBhvr>
-                                      <p:to>
-                                        <p:strVal val="visible"/>
-                                      </p:to>
-                                    </p:set>
-                                  </p:childTnLst>
-                                </p:cTn>
-                              </p:par>
-                            </p:childTnLst>
-                          </p:cTn>
-                        </p:par>
-                      </p:childTnLst>
-                    </p:cTn>
-                  </p:par>
-                  <p:par>
-                    <p:cTn id="13" fill="hold">
-                      <p:stCondLst>
-                        <p:cond delay="indefinite"/>
-                      </p:stCondLst>
-                      <p:childTnLst>
-                        <p:par>
-                          <p:cTn id="14" fill="hold">
-                            <p:stCondLst>
-                              <p:cond delay="0"/>
-                            </p:stCondLst>
-                            <p:childTnLst>
-                              <p:par>
-                                <p:cTn id="15" presetID="1" presetClass="entr" presetSubtype="0" fill="hold" nodeType="clickEffect">
-                                  <p:stCondLst>
-                                    <p:cond delay="0"/>
-                                  </p:stCondLst>
-                                  <p:childTnLst>
-                                    <p:set>
-                                      <p:cBhvr>
-                                        <p:cTn id="16" dur="1" fill="hold">
-                                          <p:stCondLst>
-                                            <p:cond delay="0"/>
-                                          </p:stCondLst>
-                                        </p:cTn>
-                                        <p:tgtEl>
-                                          <p:spTgt spid="3">
-                                            <p:txEl>
-                                              <p:pRg st="8" end="8"/>
-                                            </p:txEl>
-                                          </p:spTgt>
-                                        </p:tgtEl>
-                                        <p:attrNameLst>
-                                          <p:attrName>style.visibility</p:attrName>
-                                        </p:attrNameLst>
-                                      </p:cBhvr>
-                                      <p:to>
-                                        <p:strVal val="visible"/>
-                                      </p:to>
-                                    </p:set>
-                                  </p:childTnLst>
-                                </p:cTn>
-                              </p:par>
-                              <p:par>
-                                <p:cTn id="17" presetID="1" presetClass="entr" presetSubtype="0" fill="hold" nodeType="withEffect">
-                                  <p:stCondLst>
-                                    <p:cond delay="0"/>
-                                  </p:stCondLst>
-                                  <p:childTnLst>
-                                    <p:set>
-                                      <p:cBhvr>
-                                        <p:cTn id="18" dur="1" fill="hold">
-                                          <p:stCondLst>
-                                            <p:cond delay="0"/>
-                                          </p:stCondLst>
-                                        </p:cTn>
-                                        <p:tgtEl>
-                                          <p:spTgt spid="3">
-                                            <p:txEl>
-                                              <p:pRg st="9" end="9"/>
-                                            </p:txEl>
-                                          </p:spTgt>
-                                        </p:tgtEl>
-                                        <p:attrNameLst>
-                                          <p:attrName>style.visibility</p:attrName>
-                                        </p:attrNameLst>
-                                      </p:cBhvr>
-                                      <p:to>
-                                        <p:strVal val="visible"/>
-                                      </p:to>
-                                    </p:set>
-                                  </p:childTnLst>
-                                </p:cTn>
-                              </p:par>
-                              <p:par>
-                                <p:cTn id="19" presetID="1" presetClass="entr" presetSubtype="0" fill="hold" nodeType="withEffect">
-                                  <p:stCondLst>
-                                    <p:cond delay="0"/>
-                                  </p:stCondLst>
-                                  <p:childTnLst>
-                                    <p:set>
-                                      <p:cBhvr>
-                                        <p:cTn id="20" dur="1" fill="hold">
-                                          <p:stCondLst>
-                                            <p:cond delay="0"/>
-                                          </p:stCondLst>
-                                        </p:cTn>
-                                        <p:tgtEl>
-                                          <p:spTgt spid="3">
-                                            <p:txEl>
-                                              <p:pRg st="10" end="10"/>
+                                              <p:pRg st="5" end="5"/>
                                             </p:txEl>
                                           </p:spTgt>
                                         </p:tgtEl>
@@ -16611,7 +16767,7 @@
           <a:p>
             <a:r>
               <a:rPr lang="en-US" dirty="0"/>
-              <a:t>Big-step evaluation</a:t>
+              <a:t>Small vs. big step evaluation</a:t>
             </a:r>
           </a:p>
         </p:txBody>
@@ -18000,6 +18156,227 @@
   <p:clrMapOvr>
     <a:masterClrMapping/>
   </p:clrMapOvr>
+  <p:timing>
+    <p:tnLst>
+      <p:par>
+        <p:cTn id="1" dur="indefinite" restart="never" nodeType="tmRoot">
+          <p:childTnLst>
+            <p:seq concurrent="1" nextAc="seek">
+              <p:cTn id="2" dur="indefinite" nodeType="mainSeq">
+                <p:childTnLst>
+                  <p:par>
+                    <p:cTn id="3" fill="hold">
+                      <p:stCondLst>
+                        <p:cond delay="indefinite"/>
+                      </p:stCondLst>
+                      <p:childTnLst>
+                        <p:par>
+                          <p:cTn id="4" fill="hold">
+                            <p:stCondLst>
+                              <p:cond delay="0"/>
+                            </p:stCondLst>
+                            <p:childTnLst>
+                              <p:par>
+                                <p:cTn id="5" presetID="1" presetClass="entr" presetSubtype="0" fill="hold" nodeType="clickEffect">
+                                  <p:stCondLst>
+                                    <p:cond delay="0"/>
+                                  </p:stCondLst>
+                                  <p:childTnLst>
+                                    <p:set>
+                                      <p:cBhvr>
+                                        <p:cTn id="6" dur="1" fill="hold">
+                                          <p:stCondLst>
+                                            <p:cond delay="0"/>
+                                          </p:stCondLst>
+                                        </p:cTn>
+                                        <p:tgtEl>
+                                          <p:spTgt spid="3">
+                                            <p:txEl>
+                                              <p:pRg st="2" end="2"/>
+                                            </p:txEl>
+                                          </p:spTgt>
+                                        </p:tgtEl>
+                                        <p:attrNameLst>
+                                          <p:attrName>style.visibility</p:attrName>
+                                        </p:attrNameLst>
+                                      </p:cBhvr>
+                                      <p:to>
+                                        <p:strVal val="visible"/>
+                                      </p:to>
+                                    </p:set>
+                                  </p:childTnLst>
+                                </p:cTn>
+                              </p:par>
+                              <p:par>
+                                <p:cTn id="7" presetID="1" presetClass="entr" presetSubtype="0" fill="hold" nodeType="withEffect">
+                                  <p:stCondLst>
+                                    <p:cond delay="0"/>
+                                  </p:stCondLst>
+                                  <p:childTnLst>
+                                    <p:set>
+                                      <p:cBhvr>
+                                        <p:cTn id="8" dur="1" fill="hold">
+                                          <p:stCondLst>
+                                            <p:cond delay="0"/>
+                                          </p:stCondLst>
+                                        </p:cTn>
+                                        <p:tgtEl>
+                                          <p:spTgt spid="3">
+                                            <p:txEl>
+                                              <p:pRg st="3" end="3"/>
+                                            </p:txEl>
+                                          </p:spTgt>
+                                        </p:tgtEl>
+                                        <p:attrNameLst>
+                                          <p:attrName>style.visibility</p:attrName>
+                                        </p:attrNameLst>
+                                      </p:cBhvr>
+                                      <p:to>
+                                        <p:strVal val="visible"/>
+                                      </p:to>
+                                    </p:set>
+                                  </p:childTnLst>
+                                </p:cTn>
+                              </p:par>
+                              <p:par>
+                                <p:cTn id="9" presetID="1" presetClass="entr" presetSubtype="0" fill="hold" nodeType="withEffect">
+                                  <p:stCondLst>
+                                    <p:cond delay="0"/>
+                                  </p:stCondLst>
+                                  <p:childTnLst>
+                                    <p:set>
+                                      <p:cBhvr>
+                                        <p:cTn id="10" dur="1" fill="hold">
+                                          <p:stCondLst>
+                                            <p:cond delay="0"/>
+                                          </p:stCondLst>
+                                        </p:cTn>
+                                        <p:tgtEl>
+                                          <p:spTgt spid="3">
+                                            <p:txEl>
+                                              <p:pRg st="4" end="4"/>
+                                            </p:txEl>
+                                          </p:spTgt>
+                                        </p:tgtEl>
+                                        <p:attrNameLst>
+                                          <p:attrName>style.visibility</p:attrName>
+                                        </p:attrNameLst>
+                                      </p:cBhvr>
+                                      <p:to>
+                                        <p:strVal val="visible"/>
+                                      </p:to>
+                                    </p:set>
+                                  </p:childTnLst>
+                                </p:cTn>
+                              </p:par>
+                              <p:par>
+                                <p:cTn id="11" presetID="1" presetClass="entr" presetSubtype="0" fill="hold" nodeType="withEffect">
+                                  <p:stCondLst>
+                                    <p:cond delay="0"/>
+                                  </p:stCondLst>
+                                  <p:childTnLst>
+                                    <p:set>
+                                      <p:cBhvr>
+                                        <p:cTn id="12" dur="1" fill="hold">
+                                          <p:stCondLst>
+                                            <p:cond delay="0"/>
+                                          </p:stCondLst>
+                                        </p:cTn>
+                                        <p:tgtEl>
+                                          <p:spTgt spid="3">
+                                            <p:txEl>
+                                              <p:pRg st="5" end="5"/>
+                                            </p:txEl>
+                                          </p:spTgt>
+                                        </p:tgtEl>
+                                        <p:attrNameLst>
+                                          <p:attrName>style.visibility</p:attrName>
+                                        </p:attrNameLst>
+                                      </p:cBhvr>
+                                      <p:to>
+                                        <p:strVal val="visible"/>
+                                      </p:to>
+                                    </p:set>
+                                  </p:childTnLst>
+                                </p:cTn>
+                              </p:par>
+                            </p:childTnLst>
+                          </p:cTn>
+                        </p:par>
+                      </p:childTnLst>
+                    </p:cTn>
+                  </p:par>
+                  <p:par>
+                    <p:cTn id="13" fill="hold">
+                      <p:stCondLst>
+                        <p:cond delay="indefinite"/>
+                      </p:stCondLst>
+                      <p:childTnLst>
+                        <p:par>
+                          <p:cTn id="14" fill="hold">
+                            <p:stCondLst>
+                              <p:cond delay="0"/>
+                            </p:stCondLst>
+                            <p:childTnLst>
+                              <p:par>
+                                <p:cTn id="15" presetID="1" presetClass="entr" presetSubtype="0" fill="hold" nodeType="clickEffect">
+                                  <p:stCondLst>
+                                    <p:cond delay="0"/>
+                                  </p:stCondLst>
+                                  <p:childTnLst>
+                                    <p:set>
+                                      <p:cBhvr>
+                                        <p:cTn id="16" dur="1" fill="hold">
+                                          <p:stCondLst>
+                                            <p:cond delay="0"/>
+                                          </p:stCondLst>
+                                        </p:cTn>
+                                        <p:tgtEl>
+                                          <p:spTgt spid="3">
+                                            <p:txEl>
+                                              <p:pRg st="7" end="7"/>
+                                            </p:txEl>
+                                          </p:spTgt>
+                                        </p:tgtEl>
+                                        <p:attrNameLst>
+                                          <p:attrName>style.visibility</p:attrName>
+                                        </p:attrNameLst>
+                                      </p:cBhvr>
+                                      <p:to>
+                                        <p:strVal val="visible"/>
+                                      </p:to>
+                                    </p:set>
+                                  </p:childTnLst>
+                                </p:cTn>
+                              </p:par>
+                            </p:childTnLst>
+                          </p:cTn>
+                        </p:par>
+                      </p:childTnLst>
+                    </p:cTn>
+                  </p:par>
+                </p:childTnLst>
+              </p:cTn>
+              <p:prevCondLst>
+                <p:cond evt="onPrev" delay="0">
+                  <p:tgtEl>
+                    <p:sldTgt/>
+                  </p:tgtEl>
+                </p:cond>
+              </p:prevCondLst>
+              <p:nextCondLst>
+                <p:cond evt="onNext" delay="0">
+                  <p:tgtEl>
+                    <p:sldTgt/>
+                  </p:tgtEl>
+                </p:cond>
+              </p:nextCondLst>
+            </p:seq>
+          </p:childTnLst>
+        </p:cTn>
+      </p:par>
+    </p:tnLst>
+  </p:timing>
 </p:sld>
 </file>
 
